--- a/Art Design/Hakurei Talisman Factory.pptx
+++ b/Art Design/Hakurei Talisman Factory.pptx
@@ -1,38 +1,45 @@
 
 <file path=ppt/presentation.xml><?xml version="1.0" encoding="utf-8"?>
-<p:presentation xmlns:a="http://schemas.openxmlformats.org/drawingml/2006/main" xmlns:r="http://schemas.openxmlformats.org/officeDocument/2006/relationships" xmlns:mc="http://schemas.openxmlformats.org/markup-compatibility/2006" xmlns:mv="urn:schemas-microsoft-com:mac:vml" xmlns:p="http://schemas.openxmlformats.org/presentationml/2006/main" xmlns:c="http://schemas.openxmlformats.org/drawingml/2006/chart" xmlns:dgm="http://schemas.openxmlformats.org/drawingml/2006/diagram" xmlns:o="urn:schemas-microsoft-com:office:office" xmlns:v="urn:schemas-microsoft-com:vml" xmlns:pvml="urn:schemas-microsoft-com:office:powerpoint" xmlns:com="http://schemas.openxmlformats.org/drawingml/2006/compatibility" xmlns:p14="http://schemas.microsoft.com/office/powerpoint/2010/main" autoCompressPictures="0" embedTrueTypeFonts="1" strictFirstAndLastChars="0" saveSubsetFonts="1">
+<p:presentation xmlns:a="http://schemas.openxmlformats.org/drawingml/2006/main" xmlns:r="http://schemas.openxmlformats.org/officeDocument/2006/relationships" xmlns:p="http://schemas.openxmlformats.org/presentationml/2006/main" strictFirstAndLastChars="0" embedTrueTypeFonts="1" saveSubsetFonts="1" autoCompressPictures="0">
   <p:sldMasterIdLst>
-    <p:sldMasterId id="2147483659" r:id="rId3"/>
+    <p:sldMasterId id="2147483659" r:id="rId1"/>
   </p:sldMasterIdLst>
   <p:notesMasterIdLst>
-    <p:notesMasterId r:id="rId4"/>
+    <p:notesMasterId r:id="rId16"/>
   </p:notesMasterIdLst>
   <p:sldIdLst>
-    <p:sldId id="256" r:id="rId5"/>
-    <p:sldId id="257" r:id="rId6"/>
-    <p:sldId id="258" r:id="rId7"/>
-    <p:sldId id="259" r:id="rId8"/>
-    <p:sldId id="260" r:id="rId9"/>
-    <p:sldId id="261" r:id="rId10"/>
-    <p:sldId id="262" r:id="rId11"/>
+    <p:sldId id="256" r:id="rId2"/>
+    <p:sldId id="257" r:id="rId3"/>
+    <p:sldId id="258" r:id="rId4"/>
+    <p:sldId id="259" r:id="rId5"/>
+    <p:sldId id="260" r:id="rId6"/>
+    <p:sldId id="261" r:id="rId7"/>
+    <p:sldId id="262" r:id="rId8"/>
+    <p:sldId id="263" r:id="rId9"/>
+    <p:sldId id="267" r:id="rId10"/>
+    <p:sldId id="268" r:id="rId11"/>
+    <p:sldId id="264" r:id="rId12"/>
+    <p:sldId id="266" r:id="rId13"/>
+    <p:sldId id="265" r:id="rId14"/>
+    <p:sldId id="269" r:id="rId15"/>
   </p:sldIdLst>
-  <p:sldSz cy="5143500" cx="9144000"/>
+  <p:sldSz cx="9144000" cy="5143500" type="screen16x9"/>
   <p:notesSz cx="6858000" cy="9144000"/>
   <p:embeddedFontLst>
     <p:embeddedFont>
-      <p:font typeface="Poiret One"/>
-      <p:regular r:id="rId12"/>
+      <p:font typeface="Playfair Display"/>
+      <p:regular r:id="rId17"/>
+      <p:bold r:id="rId18"/>
+      <p:italic r:id="rId19"/>
+      <p:boldItalic r:id="rId20"/>
     </p:embeddedFont>
     <p:embeddedFont>
-      <p:font typeface="Playfair Display"/>
-      <p:regular r:id="rId13"/>
-      <p:bold r:id="rId14"/>
-      <p:italic r:id="rId15"/>
-      <p:boldItalic r:id="rId16"/>
+      <p:font typeface="Poiret One" panose="020B0604020202020204" charset="0"/>
+      <p:regular r:id="rId21"/>
     </p:embeddedFont>
   </p:embeddedFontLst>
   <p:defaultTextStyle>
-    <a:defPPr lvl="0" marR="0" rtl="0" algn="l">
+    <a:defPPr marR="0" lvl="0" algn="l" rtl="0">
       <a:lnSpc>
         <a:spcPct val="100000"/>
       </a:lnSpc>
@@ -43,7 +50,7 @@
         <a:spcPts val="0"/>
       </a:spcAft>
     </a:defPPr>
-    <a:lvl1pPr lvl="0" marR="0" rtl="0" algn="l">
+    <a:lvl1pPr marR="0" lvl="0" algn="l" rtl="0">
       <a:lnSpc>
         <a:spcPct val="100000"/>
       </a:lnSpc>
@@ -54,7 +61,7 @@
         <a:spcPts val="0"/>
       </a:spcAft>
       <a:buNone/>
-      <a:defRPr b="0" i="0" sz="1400" u="none" cap="none" strike="noStrike">
+      <a:defRPr sz="1400" b="0" i="0" u="none" strike="noStrike" cap="none">
         <a:solidFill>
           <a:srgbClr val="000000"/>
         </a:solidFill>
@@ -64,7 +71,7 @@
         <a:sym typeface="Arial"/>
       </a:defRPr>
     </a:lvl1pPr>
-    <a:lvl2pPr lvl="1" marR="0" rtl="0" algn="l">
+    <a:lvl2pPr marR="0" lvl="1" algn="l" rtl="0">
       <a:lnSpc>
         <a:spcPct val="100000"/>
       </a:lnSpc>
@@ -75,7 +82,7 @@
         <a:spcPts val="0"/>
       </a:spcAft>
       <a:buNone/>
-      <a:defRPr b="0" i="0" sz="1400" u="none" cap="none" strike="noStrike">
+      <a:defRPr sz="1400" b="0" i="0" u="none" strike="noStrike" cap="none">
         <a:solidFill>
           <a:srgbClr val="000000"/>
         </a:solidFill>
@@ -85,7 +92,7 @@
         <a:sym typeface="Arial"/>
       </a:defRPr>
     </a:lvl2pPr>
-    <a:lvl3pPr lvl="2" marR="0" rtl="0" algn="l">
+    <a:lvl3pPr marR="0" lvl="2" algn="l" rtl="0">
       <a:lnSpc>
         <a:spcPct val="100000"/>
       </a:lnSpc>
@@ -96,7 +103,7 @@
         <a:spcPts val="0"/>
       </a:spcAft>
       <a:buNone/>
-      <a:defRPr b="0" i="0" sz="1400" u="none" cap="none" strike="noStrike">
+      <a:defRPr sz="1400" b="0" i="0" u="none" strike="noStrike" cap="none">
         <a:solidFill>
           <a:srgbClr val="000000"/>
         </a:solidFill>
@@ -106,7 +113,7 @@
         <a:sym typeface="Arial"/>
       </a:defRPr>
     </a:lvl3pPr>
-    <a:lvl4pPr lvl="3" marR="0" rtl="0" algn="l">
+    <a:lvl4pPr marR="0" lvl="3" algn="l" rtl="0">
       <a:lnSpc>
         <a:spcPct val="100000"/>
       </a:lnSpc>
@@ -117,7 +124,7 @@
         <a:spcPts val="0"/>
       </a:spcAft>
       <a:buNone/>
-      <a:defRPr b="0" i="0" sz="1400" u="none" cap="none" strike="noStrike">
+      <a:defRPr sz="1400" b="0" i="0" u="none" strike="noStrike" cap="none">
         <a:solidFill>
           <a:srgbClr val="000000"/>
         </a:solidFill>
@@ -127,7 +134,7 @@
         <a:sym typeface="Arial"/>
       </a:defRPr>
     </a:lvl4pPr>
-    <a:lvl5pPr lvl="4" marR="0" rtl="0" algn="l">
+    <a:lvl5pPr marR="0" lvl="4" algn="l" rtl="0">
       <a:lnSpc>
         <a:spcPct val="100000"/>
       </a:lnSpc>
@@ -138,7 +145,7 @@
         <a:spcPts val="0"/>
       </a:spcAft>
       <a:buNone/>
-      <a:defRPr b="0" i="0" sz="1400" u="none" cap="none" strike="noStrike">
+      <a:defRPr sz="1400" b="0" i="0" u="none" strike="noStrike" cap="none">
         <a:solidFill>
           <a:srgbClr val="000000"/>
         </a:solidFill>
@@ -148,7 +155,7 @@
         <a:sym typeface="Arial"/>
       </a:defRPr>
     </a:lvl5pPr>
-    <a:lvl6pPr lvl="5" marR="0" rtl="0" algn="l">
+    <a:lvl6pPr marR="0" lvl="5" algn="l" rtl="0">
       <a:lnSpc>
         <a:spcPct val="100000"/>
       </a:lnSpc>
@@ -159,7 +166,7 @@
         <a:spcPts val="0"/>
       </a:spcAft>
       <a:buNone/>
-      <a:defRPr b="0" i="0" sz="1400" u="none" cap="none" strike="noStrike">
+      <a:defRPr sz="1400" b="0" i="0" u="none" strike="noStrike" cap="none">
         <a:solidFill>
           <a:srgbClr val="000000"/>
         </a:solidFill>
@@ -169,7 +176,7 @@
         <a:sym typeface="Arial"/>
       </a:defRPr>
     </a:lvl6pPr>
-    <a:lvl7pPr lvl="6" marR="0" rtl="0" algn="l">
+    <a:lvl7pPr marR="0" lvl="6" algn="l" rtl="0">
       <a:lnSpc>
         <a:spcPct val="100000"/>
       </a:lnSpc>
@@ -180,7 +187,7 @@
         <a:spcPts val="0"/>
       </a:spcAft>
       <a:buNone/>
-      <a:defRPr b="0" i="0" sz="1400" u="none" cap="none" strike="noStrike">
+      <a:defRPr sz="1400" b="0" i="0" u="none" strike="noStrike" cap="none">
         <a:solidFill>
           <a:srgbClr val="000000"/>
         </a:solidFill>
@@ -190,7 +197,7 @@
         <a:sym typeface="Arial"/>
       </a:defRPr>
     </a:lvl7pPr>
-    <a:lvl8pPr lvl="7" marR="0" rtl="0" algn="l">
+    <a:lvl8pPr marR="0" lvl="7" algn="l" rtl="0">
       <a:lnSpc>
         <a:spcPct val="100000"/>
       </a:lnSpc>
@@ -201,7 +208,7 @@
         <a:spcPts val="0"/>
       </a:spcAft>
       <a:buNone/>
-      <a:defRPr b="0" i="0" sz="1400" u="none" cap="none" strike="noStrike">
+      <a:defRPr sz="1400" b="0" i="0" u="none" strike="noStrike" cap="none">
         <a:solidFill>
           <a:srgbClr val="000000"/>
         </a:solidFill>
@@ -211,7 +218,7 @@
         <a:sym typeface="Arial"/>
       </a:defRPr>
     </a:lvl8pPr>
-    <a:lvl9pPr lvl="8" marR="0" rtl="0" algn="l">
+    <a:lvl9pPr marR="0" lvl="8" algn="l" rtl="0">
       <a:lnSpc>
         <a:spcPct val="100000"/>
       </a:lnSpc>
@@ -222,7 +229,7 @@
         <a:spcPts val="0"/>
       </a:spcAft>
       <a:buNone/>
-      <a:defRPr b="0" i="0" sz="1400" u="none" cap="none" strike="noStrike">
+      <a:defRPr sz="1400" b="0" i="0" u="none" strike="noStrike" cap="none">
         <a:solidFill>
           <a:srgbClr val="000000"/>
         </a:solidFill>
@@ -233,15 +240,25 @@
       </a:defRPr>
     </a:lvl9pPr>
   </p:defaultTextStyle>
+  <p:extLst>
+    <p:ext uri="{EFAFB233-063F-42B5-8137-9DF3F51BA10A}">
+      <p15:sldGuideLst xmlns:p15="http://schemas.microsoft.com/office/powerpoint/2012/main"/>
+    </p:ext>
+  </p:extLst>
 </p:presentation>
 </file>
 
 <file path=ppt/notesMasters/notesMaster1.xml><?xml version="1.0" encoding="utf-8"?>
-<p:notesMaster xmlns:a="http://schemas.openxmlformats.org/drawingml/2006/main" xmlns:r="http://schemas.openxmlformats.org/officeDocument/2006/relationships" xmlns:mc="http://schemas.openxmlformats.org/markup-compatibility/2006" xmlns:mv="urn:schemas-microsoft-com:mac:vml" xmlns:p="http://schemas.openxmlformats.org/presentationml/2006/main" xmlns:c="http://schemas.openxmlformats.org/drawingml/2006/chart" xmlns:dgm="http://schemas.openxmlformats.org/drawingml/2006/diagram" xmlns:o="urn:schemas-microsoft-com:office:office" xmlns:v="urn:schemas-microsoft-com:vml" xmlns:pvml="urn:schemas-microsoft-com:office:powerpoint" xmlns:com="http://schemas.openxmlformats.org/drawingml/2006/compatibility" xmlns:p14="http://schemas.microsoft.com/office/powerpoint/2010/main">
+<p:notesMaster xmlns:a="http://schemas.openxmlformats.org/drawingml/2006/main" xmlns:r="http://schemas.openxmlformats.org/officeDocument/2006/relationships" xmlns:p="http://schemas.openxmlformats.org/presentationml/2006/main">
   <p:cSld>
+    <p:bg>
+      <p:bgRef idx="1001">
+        <a:schemeClr val="bg1"/>
+      </p:bgRef>
+    </p:bg>
     <p:spTree>
       <p:nvGrpSpPr>
-        <p:cNvPr id="2" name="Shape 2"/>
+        <p:cNvPr id="1" name="Shape 2"/>
         <p:cNvGrpSpPr/>
         <p:nvPr/>
       </p:nvGrpSpPr>
@@ -256,9 +273,11 @@
       <p:sp>
         <p:nvSpPr>
           <p:cNvPr id="3" name="Shape 3"/>
-          <p:cNvSpPr/>
+          <p:cNvSpPr>
+            <a:spLocks noGrp="1" noRot="1" noChangeAspect="1"/>
+          </p:cNvSpPr>
           <p:nvPr>
-            <p:ph idx="2" type="sldImg"/>
+            <p:ph type="sldImg" idx="2"/>
           </p:nvPr>
         </p:nvSpPr>
         <p:spPr>
@@ -267,8 +286,13 @@
             <a:ext cx="6096075" cy="3429000"/>
           </a:xfrm>
           <a:custGeom>
+            <a:avLst/>
+            <a:gdLst/>
+            <a:ahLst/>
+            <a:cxnLst/>
+            <a:rect l="0" t="0" r="0" b="0"/>
             <a:pathLst>
-              <a:path extrusionOk="0" h="120000" w="120000">
+              <a:path w="120000" h="120000" extrusionOk="0">
                 <a:moveTo>
                   <a:pt x="0" y="0"/>
                 </a:moveTo>
@@ -286,23 +310,25 @@
             </a:pathLst>
           </a:custGeom>
           <a:noFill/>
-          <a:ln cap="flat" cmpd="sng" w="9525">
+          <a:ln w="9525" cap="flat" cmpd="sng">
             <a:solidFill>
               <a:srgbClr val="000000"/>
             </a:solidFill>
             <a:prstDash val="solid"/>
             <a:round/>
-            <a:headEnd len="med" w="med" type="none"/>
-            <a:tailEnd len="med" w="med" type="none"/>
+            <a:headEnd type="none" w="med" len="med"/>
+            <a:tailEnd type="none" w="med" len="med"/>
           </a:ln>
         </p:spPr>
       </p:sp>
       <p:sp>
         <p:nvSpPr>
           <p:cNvPr id="4" name="Shape 4"/>
-          <p:cNvSpPr txBox="1"/>
+          <p:cNvSpPr txBox="1">
+            <a:spLocks noGrp="1"/>
+          </p:cNvSpPr>
           <p:nvPr>
-            <p:ph idx="1" type="body"/>
+            <p:ph type="body" idx="1"/>
           </p:nvPr>
         </p:nvSpPr>
         <p:spPr>
@@ -319,7 +345,7 @@
           </a:ln>
         </p:spPr>
         <p:txBody>
-          <a:bodyPr anchorCtr="0" anchor="t" bIns="91425" lIns="91425" rIns="91425" tIns="91425"/>
+          <a:bodyPr lIns="91425" tIns="91425" rIns="91425" bIns="91425" anchor="t" anchorCtr="0"/>
           <a:lstStyle>
             <a:lvl1pPr lvl="0">
               <a:spcBef>
@@ -376,21 +402,120 @@
               <a:defRPr sz="1100"/>
             </a:lvl9pPr>
           </a:lstStyle>
-          <a:p/>
+          <a:p>
+            <a:endParaRPr/>
+          </a:p>
         </p:txBody>
       </p:sp>
     </p:spTree>
+    <p:extLst>
+      <p:ext uri="{BB962C8B-B14F-4D97-AF65-F5344CB8AC3E}">
+        <p14:creationId xmlns:p14="http://schemas.microsoft.com/office/powerpoint/2010/main" val="510570150"/>
+      </p:ext>
+    </p:extLst>
   </p:cSld>
-  <p:clrMap accent1="accent1" accent2="accent2" accent3="accent3" accent4="accent4" accent5="accent5" accent6="accent6" bg1="lt1" bg2="dk2" tx1="dk1" tx2="lt2" folHlink="folHlink" hlink="hlink"/>
+  <p:clrMap bg1="lt1" tx1="dk1" bg2="dk2" tx2="lt2" accent1="accent1" accent2="accent2" accent3="accent3" accent4="accent4" accent5="accent5" accent6="accent6" hlink="hlink" folHlink="folHlink"/>
+  <p:notesStyle>
+    <a:lvl1pPr marL="0" algn="l" defTabSz="914400" rtl="0" eaLnBrk="1" latinLnBrk="0" hangingPunct="1">
+      <a:defRPr sz="1200" kern="1200">
+        <a:solidFill>
+          <a:schemeClr val="tx1"/>
+        </a:solidFill>
+        <a:latin typeface="+mn-lt"/>
+        <a:ea typeface="+mn-ea"/>
+        <a:cs typeface="+mn-cs"/>
+      </a:defRPr>
+    </a:lvl1pPr>
+    <a:lvl2pPr marL="457200" algn="l" defTabSz="914400" rtl="0" eaLnBrk="1" latinLnBrk="0" hangingPunct="1">
+      <a:defRPr sz="1200" kern="1200">
+        <a:solidFill>
+          <a:schemeClr val="tx1"/>
+        </a:solidFill>
+        <a:latin typeface="+mn-lt"/>
+        <a:ea typeface="+mn-ea"/>
+        <a:cs typeface="+mn-cs"/>
+      </a:defRPr>
+    </a:lvl2pPr>
+    <a:lvl3pPr marL="914400" algn="l" defTabSz="914400" rtl="0" eaLnBrk="1" latinLnBrk="0" hangingPunct="1">
+      <a:defRPr sz="1200" kern="1200">
+        <a:solidFill>
+          <a:schemeClr val="tx1"/>
+        </a:solidFill>
+        <a:latin typeface="+mn-lt"/>
+        <a:ea typeface="+mn-ea"/>
+        <a:cs typeface="+mn-cs"/>
+      </a:defRPr>
+    </a:lvl3pPr>
+    <a:lvl4pPr marL="1371600" algn="l" defTabSz="914400" rtl="0" eaLnBrk="1" latinLnBrk="0" hangingPunct="1">
+      <a:defRPr sz="1200" kern="1200">
+        <a:solidFill>
+          <a:schemeClr val="tx1"/>
+        </a:solidFill>
+        <a:latin typeface="+mn-lt"/>
+        <a:ea typeface="+mn-ea"/>
+        <a:cs typeface="+mn-cs"/>
+      </a:defRPr>
+    </a:lvl4pPr>
+    <a:lvl5pPr marL="1828800" algn="l" defTabSz="914400" rtl="0" eaLnBrk="1" latinLnBrk="0" hangingPunct="1">
+      <a:defRPr sz="1200" kern="1200">
+        <a:solidFill>
+          <a:schemeClr val="tx1"/>
+        </a:solidFill>
+        <a:latin typeface="+mn-lt"/>
+        <a:ea typeface="+mn-ea"/>
+        <a:cs typeface="+mn-cs"/>
+      </a:defRPr>
+    </a:lvl5pPr>
+    <a:lvl6pPr marL="2286000" algn="l" defTabSz="914400" rtl="0" eaLnBrk="1" latinLnBrk="0" hangingPunct="1">
+      <a:defRPr sz="1200" kern="1200">
+        <a:solidFill>
+          <a:schemeClr val="tx1"/>
+        </a:solidFill>
+        <a:latin typeface="+mn-lt"/>
+        <a:ea typeface="+mn-ea"/>
+        <a:cs typeface="+mn-cs"/>
+      </a:defRPr>
+    </a:lvl6pPr>
+    <a:lvl7pPr marL="2743200" algn="l" defTabSz="914400" rtl="0" eaLnBrk="1" latinLnBrk="0" hangingPunct="1">
+      <a:defRPr sz="1200" kern="1200">
+        <a:solidFill>
+          <a:schemeClr val="tx1"/>
+        </a:solidFill>
+        <a:latin typeface="+mn-lt"/>
+        <a:ea typeface="+mn-ea"/>
+        <a:cs typeface="+mn-cs"/>
+      </a:defRPr>
+    </a:lvl7pPr>
+    <a:lvl8pPr marL="3200400" algn="l" defTabSz="914400" rtl="0" eaLnBrk="1" latinLnBrk="0" hangingPunct="1">
+      <a:defRPr sz="1200" kern="1200">
+        <a:solidFill>
+          <a:schemeClr val="tx1"/>
+        </a:solidFill>
+        <a:latin typeface="+mn-lt"/>
+        <a:ea typeface="+mn-ea"/>
+        <a:cs typeface="+mn-cs"/>
+      </a:defRPr>
+    </a:lvl8pPr>
+    <a:lvl9pPr marL="3657600" algn="l" defTabSz="914400" rtl="0" eaLnBrk="1" latinLnBrk="0" hangingPunct="1">
+      <a:defRPr sz="1200" kern="1200">
+        <a:solidFill>
+          <a:schemeClr val="tx1"/>
+        </a:solidFill>
+        <a:latin typeface="+mn-lt"/>
+        <a:ea typeface="+mn-ea"/>
+        <a:cs typeface="+mn-cs"/>
+      </a:defRPr>
+    </a:lvl9pPr>
+  </p:notesStyle>
 </p:notesMaster>
 </file>
 
 <file path=ppt/notesSlides/notesSlide1.xml><?xml version="1.0" encoding="utf-8"?>
-<p:notes xmlns:a="http://schemas.openxmlformats.org/drawingml/2006/main" xmlns:r="http://schemas.openxmlformats.org/officeDocument/2006/relationships" xmlns:mc="http://schemas.openxmlformats.org/markup-compatibility/2006" xmlns:mv="urn:schemas-microsoft-com:mac:vml" xmlns:p="http://schemas.openxmlformats.org/presentationml/2006/main" xmlns:c="http://schemas.openxmlformats.org/drawingml/2006/chart" xmlns:dgm="http://schemas.openxmlformats.org/drawingml/2006/diagram" xmlns:o="urn:schemas-microsoft-com:office:office" xmlns:v="urn:schemas-microsoft-com:vml" xmlns:pvml="urn:schemas-microsoft-com:office:powerpoint" xmlns:com="http://schemas.openxmlformats.org/drawingml/2006/compatibility" xmlns:p14="http://schemas.microsoft.com/office/powerpoint/2010/main" showMasterPhAnim="0" showMasterSp="0">
+<p:notes xmlns:a="http://schemas.openxmlformats.org/drawingml/2006/main" xmlns:r="http://schemas.openxmlformats.org/officeDocument/2006/relationships" xmlns:p="http://schemas.openxmlformats.org/presentationml/2006/main" showMasterSp="0" showMasterPhAnim="0">
   <p:cSld>
     <p:spTree>
       <p:nvGrpSpPr>
-        <p:cNvPr id="50" name="Shape 50"/>
+        <p:cNvPr id="1" name="Shape 50"/>
         <p:cNvGrpSpPr/>
         <p:nvPr/>
       </p:nvGrpSpPr>
@@ -405,19 +530,26 @@
       <p:sp>
         <p:nvSpPr>
           <p:cNvPr id="51" name="Shape 51"/>
-          <p:cNvSpPr/>
+          <p:cNvSpPr>
+            <a:spLocks noGrp="1" noRot="1" noChangeAspect="1"/>
+          </p:cNvSpPr>
           <p:nvPr>
-            <p:ph idx="2" type="sldImg"/>
+            <p:ph type="sldImg" idx="2"/>
           </p:nvPr>
         </p:nvSpPr>
         <p:spPr>
           <a:xfrm>
-            <a:off x="381300" y="685800"/>
+            <a:off x="381000" y="685800"/>
             <a:ext cx="6096000" cy="3429000"/>
           </a:xfrm>
           <a:custGeom>
+            <a:avLst/>
+            <a:gdLst/>
+            <a:ahLst/>
+            <a:cxnLst/>
+            <a:rect l="0" t="0" r="0" b="0"/>
             <a:pathLst>
-              <a:path extrusionOk="0" h="120000" w="120000">
+              <a:path w="120000" h="120000" extrusionOk="0">
                 <a:moveTo>
                   <a:pt x="0" y="0"/>
                 </a:moveTo>
@@ -439,9 +571,11 @@
       <p:sp>
         <p:nvSpPr>
           <p:cNvPr id="52" name="Shape 52"/>
-          <p:cNvSpPr txBox="1"/>
+          <p:cNvSpPr txBox="1">
+            <a:spLocks noGrp="1"/>
+          </p:cNvSpPr>
           <p:nvPr>
-            <p:ph idx="1" type="body"/>
+            <p:ph type="body" idx="1"/>
           </p:nvPr>
         </p:nvSpPr>
         <p:spPr>
@@ -454,7 +588,7 @@
           </a:prstGeom>
         </p:spPr>
         <p:txBody>
-          <a:bodyPr anchorCtr="0" anchor="t" bIns="91425" lIns="91425" rIns="91425" tIns="91425">
+          <a:bodyPr lIns="91425" tIns="91425" rIns="91425" bIns="91425" anchor="t" anchorCtr="0">
             <a:noAutofit/>
           </a:bodyPr>
           <a:lstStyle/>
@@ -465,14 +599,90 @@
               </a:spcBef>
               <a:buNone/>
             </a:pPr>
-            <a:r>
-              <a:t/>
-            </a:r>
             <a:endParaRPr/>
           </a:p>
         </p:txBody>
       </p:sp>
     </p:spTree>
+    <p:extLst>
+      <p:ext uri="{BB962C8B-B14F-4D97-AF65-F5344CB8AC3E}">
+        <p14:creationId xmlns:p14="http://schemas.microsoft.com/office/powerpoint/2010/main" val="570972854"/>
+      </p:ext>
+    </p:extLst>
+  </p:cSld>
+  <p:clrMapOvr>
+    <a:masterClrMapping/>
+  </p:clrMapOvr>
+</p:notes>
+</file>
+
+<file path=ppt/notesSlides/notesSlide10.xml><?xml version="1.0" encoding="utf-8"?>
+<p:notes xmlns:a="http://schemas.openxmlformats.org/drawingml/2006/main" xmlns:r="http://schemas.openxmlformats.org/officeDocument/2006/relationships" xmlns:p="http://schemas.openxmlformats.org/presentationml/2006/main">
+  <p:cSld>
+    <p:spTree>
+      <p:nvGrpSpPr>
+        <p:cNvPr id="1" name=""/>
+        <p:cNvGrpSpPr/>
+        <p:nvPr/>
+      </p:nvGrpSpPr>
+      <p:grpSpPr>
+        <a:xfrm>
+          <a:off x="0" y="0"/>
+          <a:ext cx="0" cy="0"/>
+          <a:chOff x="0" y="0"/>
+          <a:chExt cx="0" cy="0"/>
+        </a:xfrm>
+      </p:grpSpPr>
+      <p:sp>
+        <p:nvSpPr>
+          <p:cNvPr id="2" name="幻灯片图像占位符 1"/>
+          <p:cNvSpPr>
+            <a:spLocks noGrp="1" noRot="1" noChangeAspect="1"/>
+          </p:cNvSpPr>
+          <p:nvPr>
+            <p:ph type="sldImg"/>
+          </p:nvPr>
+        </p:nvSpPr>
+        <p:spPr>
+          <a:xfrm>
+            <a:off x="381000" y="685800"/>
+            <a:ext cx="6096000" cy="3429000"/>
+          </a:xfrm>
+        </p:spPr>
+      </p:sp>
+      <p:sp>
+        <p:nvSpPr>
+          <p:cNvPr id="3" name="备注占位符 2"/>
+          <p:cNvSpPr>
+            <a:spLocks noGrp="1"/>
+          </p:cNvSpPr>
+          <p:nvPr>
+            <p:ph type="body" idx="1"/>
+          </p:nvPr>
+        </p:nvSpPr>
+        <p:spPr/>
+        <p:txBody>
+          <a:bodyPr/>
+          <a:lstStyle/>
+          <a:p>
+            <a:r>
+              <a:rPr lang="en-US" altLang="zh-CN" dirty="0" smtClean="0"/>
+              <a:t>Yes! I thing so. That’s also what this game focuses</a:t>
+            </a:r>
+            <a:r>
+              <a:rPr lang="en-US" altLang="zh-CN" baseline="0" dirty="0" smtClean="0"/>
+              <a:t> on. There has many different solutions to convert the handhold devices to be VR devices. For example: Google Cardboard. As a game designer, we are responsible for lowering the cost in the future of the game market that is making everybody be able to enjoy VR with their handhold devices like a smartphone.</a:t>
+            </a:r>
+            <a:endParaRPr lang="zh-CN" altLang="en-US" dirty="0"/>
+          </a:p>
+        </p:txBody>
+      </p:sp>
+    </p:spTree>
+    <p:extLst>
+      <p:ext uri="{BB962C8B-B14F-4D97-AF65-F5344CB8AC3E}">
+        <p14:creationId xmlns:p14="http://schemas.microsoft.com/office/powerpoint/2010/main" val="3621558703"/>
+      </p:ext>
+    </p:extLst>
   </p:cSld>
   <p:clrMapOvr>
     <a:masterClrMapping/>
@@ -481,11 +691,11 @@
 </file>
 
 <file path=ppt/notesSlides/notesSlide2.xml><?xml version="1.0" encoding="utf-8"?>
-<p:notes xmlns:a="http://schemas.openxmlformats.org/drawingml/2006/main" xmlns:r="http://schemas.openxmlformats.org/officeDocument/2006/relationships" xmlns:mc="http://schemas.openxmlformats.org/markup-compatibility/2006" xmlns:mv="urn:schemas-microsoft-com:mac:vml" xmlns:p="http://schemas.openxmlformats.org/presentationml/2006/main" xmlns:c="http://schemas.openxmlformats.org/drawingml/2006/chart" xmlns:dgm="http://schemas.openxmlformats.org/drawingml/2006/diagram" xmlns:o="urn:schemas-microsoft-com:office:office" xmlns:v="urn:schemas-microsoft-com:vml" xmlns:pvml="urn:schemas-microsoft-com:office:powerpoint" xmlns:com="http://schemas.openxmlformats.org/drawingml/2006/compatibility" xmlns:p14="http://schemas.microsoft.com/office/powerpoint/2010/main" showMasterPhAnim="0" showMasterSp="0">
+<p:notes xmlns:a="http://schemas.openxmlformats.org/drawingml/2006/main" xmlns:r="http://schemas.openxmlformats.org/officeDocument/2006/relationships" xmlns:p="http://schemas.openxmlformats.org/presentationml/2006/main" showMasterSp="0" showMasterPhAnim="0">
   <p:cSld>
     <p:spTree>
       <p:nvGrpSpPr>
-        <p:cNvPr id="55" name="Shape 55"/>
+        <p:cNvPr id="1" name="Shape 55"/>
         <p:cNvGrpSpPr/>
         <p:nvPr/>
       </p:nvGrpSpPr>
@@ -500,19 +710,26 @@
       <p:sp>
         <p:nvSpPr>
           <p:cNvPr id="56" name="Shape 56"/>
-          <p:cNvSpPr/>
+          <p:cNvSpPr>
+            <a:spLocks noGrp="1" noRot="1" noChangeAspect="1"/>
+          </p:cNvSpPr>
           <p:nvPr>
-            <p:ph idx="2" type="sldImg"/>
+            <p:ph type="sldImg" idx="2"/>
           </p:nvPr>
         </p:nvSpPr>
         <p:spPr>
           <a:xfrm>
-            <a:off x="381300" y="685800"/>
-            <a:ext cx="6096075" cy="3429000"/>
+            <a:off x="381000" y="685800"/>
+            <a:ext cx="6096000" cy="3429000"/>
           </a:xfrm>
           <a:custGeom>
+            <a:avLst/>
+            <a:gdLst/>
+            <a:ahLst/>
+            <a:cxnLst/>
+            <a:rect l="0" t="0" r="0" b="0"/>
             <a:pathLst>
-              <a:path extrusionOk="0" h="120000" w="120000">
+              <a:path w="120000" h="120000" extrusionOk="0">
                 <a:moveTo>
                   <a:pt x="0" y="0"/>
                 </a:moveTo>
@@ -534,9 +751,11 @@
       <p:sp>
         <p:nvSpPr>
           <p:cNvPr id="57" name="Shape 57"/>
-          <p:cNvSpPr txBox="1"/>
+          <p:cNvSpPr txBox="1">
+            <a:spLocks noGrp="1"/>
+          </p:cNvSpPr>
           <p:nvPr>
-            <p:ph idx="1" type="body"/>
+            <p:ph type="body" idx="1"/>
           </p:nvPr>
         </p:nvSpPr>
         <p:spPr>
@@ -549,7 +768,7 @@
           </a:prstGeom>
         </p:spPr>
         <p:txBody>
-          <a:bodyPr anchorCtr="0" anchor="t" bIns="91425" lIns="91425" rIns="91425" tIns="91425">
+          <a:bodyPr lIns="91425" tIns="91425" rIns="91425" bIns="91425" anchor="t" anchorCtr="0">
             <a:noAutofit/>
           </a:bodyPr>
           <a:lstStyle/>
@@ -580,6 +799,11 @@
         </p:txBody>
       </p:sp>
     </p:spTree>
+    <p:extLst>
+      <p:ext uri="{BB962C8B-B14F-4D97-AF65-F5344CB8AC3E}">
+        <p14:creationId xmlns:p14="http://schemas.microsoft.com/office/powerpoint/2010/main" val="2294012830"/>
+      </p:ext>
+    </p:extLst>
   </p:cSld>
   <p:clrMapOvr>
     <a:masterClrMapping/>
@@ -588,11 +812,11 @@
 </file>
 
 <file path=ppt/notesSlides/notesSlide3.xml><?xml version="1.0" encoding="utf-8"?>
-<p:notes xmlns:a="http://schemas.openxmlformats.org/drawingml/2006/main" xmlns:r="http://schemas.openxmlformats.org/officeDocument/2006/relationships" xmlns:mc="http://schemas.openxmlformats.org/markup-compatibility/2006" xmlns:mv="urn:schemas-microsoft-com:mac:vml" xmlns:p="http://schemas.openxmlformats.org/presentationml/2006/main" xmlns:c="http://schemas.openxmlformats.org/drawingml/2006/chart" xmlns:dgm="http://schemas.openxmlformats.org/drawingml/2006/diagram" xmlns:o="urn:schemas-microsoft-com:office:office" xmlns:v="urn:schemas-microsoft-com:vml" xmlns:pvml="urn:schemas-microsoft-com:office:powerpoint" xmlns:com="http://schemas.openxmlformats.org/drawingml/2006/compatibility" xmlns:p14="http://schemas.microsoft.com/office/powerpoint/2010/main" showMasterPhAnim="0" showMasterSp="0">
+<p:notes xmlns:a="http://schemas.openxmlformats.org/drawingml/2006/main" xmlns:r="http://schemas.openxmlformats.org/officeDocument/2006/relationships" xmlns:p="http://schemas.openxmlformats.org/presentationml/2006/main" showMasterSp="0" showMasterPhAnim="0">
   <p:cSld>
     <p:spTree>
       <p:nvGrpSpPr>
-        <p:cNvPr id="61" name="Shape 61"/>
+        <p:cNvPr id="1" name="Shape 61"/>
         <p:cNvGrpSpPr/>
         <p:nvPr/>
       </p:nvGrpSpPr>
@@ -607,19 +831,26 @@
       <p:sp>
         <p:nvSpPr>
           <p:cNvPr id="62" name="Shape 62"/>
-          <p:cNvSpPr/>
+          <p:cNvSpPr>
+            <a:spLocks noGrp="1" noRot="1" noChangeAspect="1"/>
+          </p:cNvSpPr>
           <p:nvPr>
-            <p:ph idx="2" type="sldImg"/>
+            <p:ph type="sldImg" idx="2"/>
           </p:nvPr>
         </p:nvSpPr>
         <p:spPr>
           <a:xfrm>
-            <a:off x="381300" y="685800"/>
+            <a:off x="381000" y="685800"/>
             <a:ext cx="6096000" cy="3429000"/>
           </a:xfrm>
           <a:custGeom>
+            <a:avLst/>
+            <a:gdLst/>
+            <a:ahLst/>
+            <a:cxnLst/>
+            <a:rect l="0" t="0" r="0" b="0"/>
             <a:pathLst>
-              <a:path extrusionOk="0" h="120000" w="120000">
+              <a:path w="120000" h="120000" extrusionOk="0">
                 <a:moveTo>
                   <a:pt x="0" y="0"/>
                 </a:moveTo>
@@ -641,9 +872,11 @@
       <p:sp>
         <p:nvSpPr>
           <p:cNvPr id="63" name="Shape 63"/>
-          <p:cNvSpPr txBox="1"/>
+          <p:cNvSpPr txBox="1">
+            <a:spLocks noGrp="1"/>
+          </p:cNvSpPr>
           <p:nvPr>
-            <p:ph idx="1" type="body"/>
+            <p:ph type="body" idx="1"/>
           </p:nvPr>
         </p:nvSpPr>
         <p:spPr>
@@ -656,7 +889,7 @@
           </a:prstGeom>
         </p:spPr>
         <p:txBody>
-          <a:bodyPr anchorCtr="0" anchor="t" bIns="91425" lIns="91425" rIns="91425" tIns="91425">
+          <a:bodyPr lIns="91425" tIns="91425" rIns="91425" bIns="91425" anchor="t" anchorCtr="0">
             <a:noAutofit/>
           </a:bodyPr>
           <a:lstStyle/>
@@ -698,14 +931,16 @@
               </a:spcBef>
               <a:buNone/>
             </a:pPr>
-            <a:r>
-              <a:t/>
-            </a:r>
             <a:endParaRPr/>
           </a:p>
         </p:txBody>
       </p:sp>
     </p:spTree>
+    <p:extLst>
+      <p:ext uri="{BB962C8B-B14F-4D97-AF65-F5344CB8AC3E}">
+        <p14:creationId xmlns:p14="http://schemas.microsoft.com/office/powerpoint/2010/main" val="208379285"/>
+      </p:ext>
+    </p:extLst>
   </p:cSld>
   <p:clrMapOvr>
     <a:masterClrMapping/>
@@ -714,11 +949,11 @@
 </file>
 
 <file path=ppt/notesSlides/notesSlide4.xml><?xml version="1.0" encoding="utf-8"?>
-<p:notes xmlns:a="http://schemas.openxmlformats.org/drawingml/2006/main" xmlns:r="http://schemas.openxmlformats.org/officeDocument/2006/relationships" xmlns:mc="http://schemas.openxmlformats.org/markup-compatibility/2006" xmlns:mv="urn:schemas-microsoft-com:mac:vml" xmlns:p="http://schemas.openxmlformats.org/presentationml/2006/main" xmlns:c="http://schemas.openxmlformats.org/drawingml/2006/chart" xmlns:dgm="http://schemas.openxmlformats.org/drawingml/2006/diagram" xmlns:o="urn:schemas-microsoft-com:office:office" xmlns:v="urn:schemas-microsoft-com:vml" xmlns:pvml="urn:schemas-microsoft-com:office:powerpoint" xmlns:com="http://schemas.openxmlformats.org/drawingml/2006/compatibility" xmlns:p14="http://schemas.microsoft.com/office/powerpoint/2010/main" showMasterPhAnim="0" showMasterSp="0">
+<p:notes xmlns:a="http://schemas.openxmlformats.org/drawingml/2006/main" xmlns:r="http://schemas.openxmlformats.org/officeDocument/2006/relationships" xmlns:p="http://schemas.openxmlformats.org/presentationml/2006/main" showMasterSp="0" showMasterPhAnim="0">
   <p:cSld>
     <p:spTree>
       <p:nvGrpSpPr>
-        <p:cNvPr id="67" name="Shape 67"/>
+        <p:cNvPr id="1" name="Shape 67"/>
         <p:cNvGrpSpPr/>
         <p:nvPr/>
       </p:nvGrpSpPr>
@@ -733,19 +968,26 @@
       <p:sp>
         <p:nvSpPr>
           <p:cNvPr id="68" name="Shape 68"/>
-          <p:cNvSpPr/>
+          <p:cNvSpPr>
+            <a:spLocks noGrp="1" noRot="1" noChangeAspect="1"/>
+          </p:cNvSpPr>
           <p:nvPr>
-            <p:ph idx="2" type="sldImg"/>
+            <p:ph type="sldImg" idx="2"/>
           </p:nvPr>
         </p:nvSpPr>
         <p:spPr>
           <a:xfrm>
-            <a:off x="381300" y="685800"/>
+            <a:off x="381000" y="685800"/>
             <a:ext cx="6096000" cy="3429000"/>
           </a:xfrm>
           <a:custGeom>
+            <a:avLst/>
+            <a:gdLst/>
+            <a:ahLst/>
+            <a:cxnLst/>
+            <a:rect l="0" t="0" r="0" b="0"/>
             <a:pathLst>
-              <a:path extrusionOk="0" h="120000" w="120000">
+              <a:path w="120000" h="120000" extrusionOk="0">
                 <a:moveTo>
                   <a:pt x="0" y="0"/>
                 </a:moveTo>
@@ -767,9 +1009,11 @@
       <p:sp>
         <p:nvSpPr>
           <p:cNvPr id="69" name="Shape 69"/>
-          <p:cNvSpPr txBox="1"/>
+          <p:cNvSpPr txBox="1">
+            <a:spLocks noGrp="1"/>
+          </p:cNvSpPr>
           <p:nvPr>
-            <p:ph idx="1" type="body"/>
+            <p:ph type="body" idx="1"/>
           </p:nvPr>
         </p:nvSpPr>
         <p:spPr>
@@ -782,7 +1026,7 @@
           </a:prstGeom>
         </p:spPr>
         <p:txBody>
-          <a:bodyPr anchorCtr="0" anchor="t" bIns="91425" lIns="91425" rIns="91425" tIns="91425">
+          <a:bodyPr lIns="91425" tIns="91425" rIns="91425" bIns="91425" anchor="t" anchorCtr="0">
             <a:noAutofit/>
           </a:bodyPr>
           <a:lstStyle/>
@@ -801,6 +1045,11 @@
         </p:txBody>
       </p:sp>
     </p:spTree>
+    <p:extLst>
+      <p:ext uri="{BB962C8B-B14F-4D97-AF65-F5344CB8AC3E}">
+        <p14:creationId xmlns:p14="http://schemas.microsoft.com/office/powerpoint/2010/main" val="235458319"/>
+      </p:ext>
+    </p:extLst>
   </p:cSld>
   <p:clrMapOvr>
     <a:masterClrMapping/>
@@ -809,11 +1058,11 @@
 </file>
 
 <file path=ppt/notesSlides/notesSlide5.xml><?xml version="1.0" encoding="utf-8"?>
-<p:notes xmlns:a="http://schemas.openxmlformats.org/drawingml/2006/main" xmlns:r="http://schemas.openxmlformats.org/officeDocument/2006/relationships" xmlns:mc="http://schemas.openxmlformats.org/markup-compatibility/2006" xmlns:mv="urn:schemas-microsoft-com:mac:vml" xmlns:p="http://schemas.openxmlformats.org/presentationml/2006/main" xmlns:c="http://schemas.openxmlformats.org/drawingml/2006/chart" xmlns:dgm="http://schemas.openxmlformats.org/drawingml/2006/diagram" xmlns:o="urn:schemas-microsoft-com:office:office" xmlns:v="urn:schemas-microsoft-com:vml" xmlns:pvml="urn:schemas-microsoft-com:office:powerpoint" xmlns:com="http://schemas.openxmlformats.org/drawingml/2006/compatibility" xmlns:p14="http://schemas.microsoft.com/office/powerpoint/2010/main" showMasterPhAnim="0" showMasterSp="0">
+<p:notes xmlns:a="http://schemas.openxmlformats.org/drawingml/2006/main" xmlns:r="http://schemas.openxmlformats.org/officeDocument/2006/relationships" xmlns:p="http://schemas.openxmlformats.org/presentationml/2006/main" showMasterSp="0" showMasterPhAnim="0">
   <p:cSld>
     <p:spTree>
       <p:nvGrpSpPr>
-        <p:cNvPr id="73" name="Shape 73"/>
+        <p:cNvPr id="1" name="Shape 73"/>
         <p:cNvGrpSpPr/>
         <p:nvPr/>
       </p:nvGrpSpPr>
@@ -828,19 +1077,26 @@
       <p:sp>
         <p:nvSpPr>
           <p:cNvPr id="74" name="Shape 74"/>
-          <p:cNvSpPr/>
+          <p:cNvSpPr>
+            <a:spLocks noGrp="1" noRot="1" noChangeAspect="1"/>
+          </p:cNvSpPr>
           <p:nvPr>
-            <p:ph idx="2" type="sldImg"/>
+            <p:ph type="sldImg" idx="2"/>
           </p:nvPr>
         </p:nvSpPr>
         <p:spPr>
           <a:xfrm>
-            <a:off x="381300" y="685800"/>
+            <a:off x="381000" y="685800"/>
             <a:ext cx="6096000" cy="3429000"/>
           </a:xfrm>
           <a:custGeom>
+            <a:avLst/>
+            <a:gdLst/>
+            <a:ahLst/>
+            <a:cxnLst/>
+            <a:rect l="0" t="0" r="0" b="0"/>
             <a:pathLst>
-              <a:path extrusionOk="0" h="120000" w="120000">
+              <a:path w="120000" h="120000" extrusionOk="0">
                 <a:moveTo>
                   <a:pt x="0" y="0"/>
                 </a:moveTo>
@@ -862,9 +1118,11 @@
       <p:sp>
         <p:nvSpPr>
           <p:cNvPr id="75" name="Shape 75"/>
-          <p:cNvSpPr txBox="1"/>
+          <p:cNvSpPr txBox="1">
+            <a:spLocks noGrp="1"/>
+          </p:cNvSpPr>
           <p:nvPr>
-            <p:ph idx="1" type="body"/>
+            <p:ph type="body" idx="1"/>
           </p:nvPr>
         </p:nvSpPr>
         <p:spPr>
@@ -877,7 +1135,7 @@
           </a:prstGeom>
         </p:spPr>
         <p:txBody>
-          <a:bodyPr anchorCtr="0" anchor="t" bIns="91425" lIns="91425" rIns="91425" tIns="91425">
+          <a:bodyPr lIns="91425" tIns="91425" rIns="91425" bIns="91425" anchor="t" anchorCtr="0">
             <a:noAutofit/>
           </a:bodyPr>
           <a:lstStyle/>
@@ -908,6 +1166,11 @@
         </p:txBody>
       </p:sp>
     </p:spTree>
+    <p:extLst>
+      <p:ext uri="{BB962C8B-B14F-4D97-AF65-F5344CB8AC3E}">
+        <p14:creationId xmlns:p14="http://schemas.microsoft.com/office/powerpoint/2010/main" val="2225038057"/>
+      </p:ext>
+    </p:extLst>
   </p:cSld>
   <p:clrMapOvr>
     <a:masterClrMapping/>
@@ -916,11 +1179,11 @@
 </file>
 
 <file path=ppt/notesSlides/notesSlide6.xml><?xml version="1.0" encoding="utf-8"?>
-<p:notes xmlns:a="http://schemas.openxmlformats.org/drawingml/2006/main" xmlns:r="http://schemas.openxmlformats.org/officeDocument/2006/relationships" xmlns:mc="http://schemas.openxmlformats.org/markup-compatibility/2006" xmlns:mv="urn:schemas-microsoft-com:mac:vml" xmlns:p="http://schemas.openxmlformats.org/presentationml/2006/main" xmlns:c="http://schemas.openxmlformats.org/drawingml/2006/chart" xmlns:dgm="http://schemas.openxmlformats.org/drawingml/2006/diagram" xmlns:o="urn:schemas-microsoft-com:office:office" xmlns:v="urn:schemas-microsoft-com:vml" xmlns:pvml="urn:schemas-microsoft-com:office:powerpoint" xmlns:com="http://schemas.openxmlformats.org/drawingml/2006/compatibility" xmlns:p14="http://schemas.microsoft.com/office/powerpoint/2010/main" showMasterPhAnim="0" showMasterSp="0">
+<p:notes xmlns:a="http://schemas.openxmlformats.org/drawingml/2006/main" xmlns:r="http://schemas.openxmlformats.org/officeDocument/2006/relationships" xmlns:p="http://schemas.openxmlformats.org/presentationml/2006/main" showMasterSp="0" showMasterPhAnim="0">
   <p:cSld>
     <p:spTree>
       <p:nvGrpSpPr>
-        <p:cNvPr id="84" name="Shape 84"/>
+        <p:cNvPr id="1" name="Shape 84"/>
         <p:cNvGrpSpPr/>
         <p:nvPr/>
       </p:nvGrpSpPr>
@@ -935,19 +1198,26 @@
       <p:sp>
         <p:nvSpPr>
           <p:cNvPr id="85" name="Shape 85"/>
-          <p:cNvSpPr/>
+          <p:cNvSpPr>
+            <a:spLocks noGrp="1" noRot="1" noChangeAspect="1"/>
+          </p:cNvSpPr>
           <p:nvPr>
-            <p:ph idx="2" type="sldImg"/>
+            <p:ph type="sldImg" idx="2"/>
           </p:nvPr>
         </p:nvSpPr>
         <p:spPr>
           <a:xfrm>
-            <a:off x="381300" y="685800"/>
+            <a:off x="381000" y="685800"/>
             <a:ext cx="6096000" cy="3429000"/>
           </a:xfrm>
           <a:custGeom>
+            <a:avLst/>
+            <a:gdLst/>
+            <a:ahLst/>
+            <a:cxnLst/>
+            <a:rect l="0" t="0" r="0" b="0"/>
             <a:pathLst>
-              <a:path extrusionOk="0" h="120000" w="120000">
+              <a:path w="120000" h="120000" extrusionOk="0">
                 <a:moveTo>
                   <a:pt x="0" y="0"/>
                 </a:moveTo>
@@ -969,9 +1239,11 @@
       <p:sp>
         <p:nvSpPr>
           <p:cNvPr id="86" name="Shape 86"/>
-          <p:cNvSpPr txBox="1"/>
+          <p:cNvSpPr txBox="1">
+            <a:spLocks noGrp="1"/>
+          </p:cNvSpPr>
           <p:nvPr>
-            <p:ph idx="1" type="body"/>
+            <p:ph type="body" idx="1"/>
           </p:nvPr>
         </p:nvSpPr>
         <p:spPr>
@@ -984,7 +1256,7 @@
           </a:prstGeom>
         </p:spPr>
         <p:txBody>
-          <a:bodyPr anchorCtr="0" anchor="t" bIns="91425" lIns="91425" rIns="91425" tIns="91425">
+          <a:bodyPr lIns="91425" tIns="91425" rIns="91425" bIns="91425" anchor="t" anchorCtr="0">
             <a:noAutofit/>
           </a:bodyPr>
           <a:lstStyle/>
@@ -996,7 +1268,7 @@
               <a:buNone/>
             </a:pPr>
             <a:r>
-              <a:rPr lang="en"/>
+              <a:rPr lang="en" dirty="0"/>
               <a:t>Similar to talismans, players are able to obtain strokes of diverse function throughout the course of the game. Vast amount of unique “weapons” can be written, contribute a truly creative gaming experience. </a:t>
             </a:r>
           </a:p>
@@ -1007,10 +1279,7 @@
               </a:spcBef>
               <a:buNone/>
             </a:pPr>
-            <a:r>
-              <a:t/>
-            </a:r>
-            <a:endParaRPr/>
+            <a:endParaRPr dirty="0"/>
           </a:p>
           <a:p>
             <a:pPr lvl="0">
@@ -1020,7 +1289,7 @@
               <a:buNone/>
             </a:pPr>
             <a:r>
-              <a:rPr lang="en"/>
+              <a:rPr lang="en" dirty="0"/>
               <a:t>For example, pictured strokes are: </a:t>
             </a:r>
           </a:p>
@@ -1032,11 +1301,11 @@
               <a:buNone/>
             </a:pPr>
             <a:r>
-              <a:rPr lang="en"/>
+              <a:rPr lang="en" dirty="0"/>
               <a:t>Duplicate, scatter, multiply by 5, </a:t>
             </a:r>
             <a:r>
-              <a:rPr lang="en">
+              <a:rPr lang="en" dirty="0">
                 <a:solidFill>
                   <a:schemeClr val="dk1"/>
                 </a:solidFill>
@@ -1052,7 +1321,7 @@
               <a:buNone/>
             </a:pPr>
             <a:r>
-              <a:rPr lang="en">
+              <a:rPr lang="en" dirty="0">
                 <a:solidFill>
                   <a:schemeClr val="dk1"/>
                 </a:solidFill>
@@ -1068,7 +1337,7 @@
               <a:buNone/>
             </a:pPr>
             <a:r>
-              <a:rPr lang="en">
+              <a:rPr lang="en" dirty="0">
                 <a:solidFill>
                   <a:schemeClr val="dk1"/>
                 </a:solidFill>
@@ -1083,10 +1352,7 @@
               </a:spcBef>
               <a:buNone/>
             </a:pPr>
-            <a:r>
-              <a:t/>
-            </a:r>
-            <a:endParaRPr>
+            <a:endParaRPr dirty="0">
               <a:solidFill>
                 <a:schemeClr val="dk1"/>
               </a:solidFill>
@@ -1099,10 +1365,7 @@
               </a:spcBef>
               <a:buNone/>
             </a:pPr>
-            <a:r>
-              <a:t/>
-            </a:r>
-            <a:endParaRPr>
+            <a:endParaRPr dirty="0">
               <a:solidFill>
                 <a:schemeClr val="dk1"/>
               </a:solidFill>
@@ -1111,6 +1374,11 @@
         </p:txBody>
       </p:sp>
     </p:spTree>
+    <p:extLst>
+      <p:ext uri="{BB962C8B-B14F-4D97-AF65-F5344CB8AC3E}">
+        <p14:creationId xmlns:p14="http://schemas.microsoft.com/office/powerpoint/2010/main" val="3648750417"/>
+      </p:ext>
+    </p:extLst>
   </p:cSld>
   <p:clrMapOvr>
     <a:masterClrMapping/>
@@ -1119,11 +1387,11 @@
 </file>
 
 <file path=ppt/notesSlides/notesSlide7.xml><?xml version="1.0" encoding="utf-8"?>
-<p:notes xmlns:a="http://schemas.openxmlformats.org/drawingml/2006/main" xmlns:r="http://schemas.openxmlformats.org/officeDocument/2006/relationships" xmlns:mc="http://schemas.openxmlformats.org/markup-compatibility/2006" xmlns:mv="urn:schemas-microsoft-com:mac:vml" xmlns:p="http://schemas.openxmlformats.org/presentationml/2006/main" xmlns:c="http://schemas.openxmlformats.org/drawingml/2006/chart" xmlns:dgm="http://schemas.openxmlformats.org/drawingml/2006/diagram" xmlns:o="urn:schemas-microsoft-com:office:office" xmlns:v="urn:schemas-microsoft-com:vml" xmlns:pvml="urn:schemas-microsoft-com:office:powerpoint" xmlns:com="http://schemas.openxmlformats.org/drawingml/2006/compatibility" xmlns:p14="http://schemas.microsoft.com/office/powerpoint/2010/main" showMasterPhAnim="0" showMasterSp="0">
+<p:notes xmlns:a="http://schemas.openxmlformats.org/drawingml/2006/main" xmlns:r="http://schemas.openxmlformats.org/officeDocument/2006/relationships" xmlns:p="http://schemas.openxmlformats.org/presentationml/2006/main" showMasterSp="0" showMasterPhAnim="0">
   <p:cSld>
     <p:spTree>
       <p:nvGrpSpPr>
-        <p:cNvPr id="90" name="Shape 90"/>
+        <p:cNvPr id="1" name="Shape 90"/>
         <p:cNvGrpSpPr/>
         <p:nvPr/>
       </p:nvGrpSpPr>
@@ -1138,19 +1406,26 @@
       <p:sp>
         <p:nvSpPr>
           <p:cNvPr id="91" name="Shape 91"/>
-          <p:cNvSpPr/>
+          <p:cNvSpPr>
+            <a:spLocks noGrp="1" noRot="1" noChangeAspect="1"/>
+          </p:cNvSpPr>
           <p:nvPr>
-            <p:ph idx="2" type="sldImg"/>
+            <p:ph type="sldImg" idx="2"/>
           </p:nvPr>
         </p:nvSpPr>
         <p:spPr>
           <a:xfrm>
-            <a:off x="381300" y="685800"/>
+            <a:off x="381000" y="685800"/>
             <a:ext cx="6096000" cy="3429000"/>
           </a:xfrm>
           <a:custGeom>
+            <a:avLst/>
+            <a:gdLst/>
+            <a:ahLst/>
+            <a:cxnLst/>
+            <a:rect l="0" t="0" r="0" b="0"/>
             <a:pathLst>
-              <a:path extrusionOk="0" h="120000" w="120000">
+              <a:path w="120000" h="120000" extrusionOk="0">
                 <a:moveTo>
                   <a:pt x="0" y="0"/>
                 </a:moveTo>
@@ -1172,9 +1447,11 @@
       <p:sp>
         <p:nvSpPr>
           <p:cNvPr id="92" name="Shape 92"/>
-          <p:cNvSpPr txBox="1"/>
+          <p:cNvSpPr txBox="1">
+            <a:spLocks noGrp="1"/>
+          </p:cNvSpPr>
           <p:nvPr>
-            <p:ph idx="1" type="body"/>
+            <p:ph type="body" idx="1"/>
           </p:nvPr>
         </p:nvSpPr>
         <p:spPr>
@@ -1187,7 +1464,7 @@
           </a:prstGeom>
         </p:spPr>
         <p:txBody>
-          <a:bodyPr anchorCtr="0" anchor="t" bIns="91425" lIns="91425" rIns="91425" tIns="91425">
+          <a:bodyPr lIns="91425" tIns="91425" rIns="91425" bIns="91425" anchor="t" anchorCtr="0">
             <a:noAutofit/>
           </a:bodyPr>
           <a:lstStyle/>
@@ -1199,11 +1476,11 @@
               <a:buNone/>
             </a:pPr>
             <a:r>
-              <a:rPr lang="en"/>
+              <a:rPr lang="en" dirty="0"/>
               <a:t>During combat, characters will react to attacks with unique flexible ragdoll system in real time. This system allows both the enemy and player characters to bounce on surface under impact force. In addition, </a:t>
             </a:r>
             <a:r>
-              <a:rPr lang="en">
+              <a:rPr lang="en" dirty="0">
                 <a:solidFill>
                   <a:schemeClr val="dk1"/>
                 </a:solidFill>
@@ -1214,6 +1491,149 @@
         </p:txBody>
       </p:sp>
     </p:spTree>
+    <p:extLst>
+      <p:ext uri="{BB962C8B-B14F-4D97-AF65-F5344CB8AC3E}">
+        <p14:creationId xmlns:p14="http://schemas.microsoft.com/office/powerpoint/2010/main" val="3110549177"/>
+      </p:ext>
+    </p:extLst>
+  </p:cSld>
+  <p:clrMapOvr>
+    <a:masterClrMapping/>
+  </p:clrMapOvr>
+</p:notes>
+</file>
+
+<file path=ppt/notesSlides/notesSlide8.xml><?xml version="1.0" encoding="utf-8"?>
+<p:notes xmlns:a="http://schemas.openxmlformats.org/drawingml/2006/main" xmlns:r="http://schemas.openxmlformats.org/officeDocument/2006/relationships" xmlns:p="http://schemas.openxmlformats.org/presentationml/2006/main">
+  <p:cSld>
+    <p:spTree>
+      <p:nvGrpSpPr>
+        <p:cNvPr id="1" name=""/>
+        <p:cNvGrpSpPr/>
+        <p:nvPr/>
+      </p:nvGrpSpPr>
+      <p:grpSpPr>
+        <a:xfrm>
+          <a:off x="0" y="0"/>
+          <a:ext cx="0" cy="0"/>
+          <a:chOff x="0" y="0"/>
+          <a:chExt cx="0" cy="0"/>
+        </a:xfrm>
+      </p:grpSpPr>
+      <p:sp>
+        <p:nvSpPr>
+          <p:cNvPr id="2" name="幻灯片图像占位符 1"/>
+          <p:cNvSpPr>
+            <a:spLocks noGrp="1" noRot="1" noChangeAspect="1"/>
+          </p:cNvSpPr>
+          <p:nvPr>
+            <p:ph type="sldImg"/>
+          </p:nvPr>
+        </p:nvSpPr>
+        <p:spPr/>
+      </p:sp>
+      <p:sp>
+        <p:nvSpPr>
+          <p:cNvPr id="3" name="备注占位符 2"/>
+          <p:cNvSpPr>
+            <a:spLocks noGrp="1"/>
+          </p:cNvSpPr>
+          <p:nvPr>
+            <p:ph type="body" idx="1"/>
+          </p:nvPr>
+        </p:nvSpPr>
+        <p:spPr/>
+        <p:txBody>
+          <a:bodyPr/>
+          <a:lstStyle/>
+          <a:p>
+            <a:r>
+              <a:rPr lang="en-US" altLang="zh-CN" dirty="0" smtClean="0"/>
+              <a:t>VR is a new</a:t>
+            </a:r>
+            <a:r>
+              <a:rPr lang="en-US" altLang="zh-CN" baseline="0" dirty="0" smtClean="0"/>
+              <a:t> platform that become more and more popular. There are so many different brands that begin to explore VR and here are some brands that everybody has known about them. </a:t>
+            </a:r>
+            <a:endParaRPr lang="zh-CN" altLang="en-US" dirty="0"/>
+          </a:p>
+        </p:txBody>
+      </p:sp>
+    </p:spTree>
+    <p:extLst>
+      <p:ext uri="{BB962C8B-B14F-4D97-AF65-F5344CB8AC3E}">
+        <p14:creationId xmlns:p14="http://schemas.microsoft.com/office/powerpoint/2010/main" val="1910573835"/>
+      </p:ext>
+    </p:extLst>
+  </p:cSld>
+  <p:clrMapOvr>
+    <a:masterClrMapping/>
+  </p:clrMapOvr>
+</p:notes>
+</file>
+
+<file path=ppt/notesSlides/notesSlide9.xml><?xml version="1.0" encoding="utf-8"?>
+<p:notes xmlns:a="http://schemas.openxmlformats.org/drawingml/2006/main" xmlns:r="http://schemas.openxmlformats.org/officeDocument/2006/relationships" xmlns:p="http://schemas.openxmlformats.org/presentationml/2006/main">
+  <p:cSld>
+    <p:spTree>
+      <p:nvGrpSpPr>
+        <p:cNvPr id="1" name=""/>
+        <p:cNvGrpSpPr/>
+        <p:nvPr/>
+      </p:nvGrpSpPr>
+      <p:grpSpPr>
+        <a:xfrm>
+          <a:off x="0" y="0"/>
+          <a:ext cx="0" cy="0"/>
+          <a:chOff x="0" y="0"/>
+          <a:chExt cx="0" cy="0"/>
+        </a:xfrm>
+      </p:grpSpPr>
+      <p:sp>
+        <p:nvSpPr>
+          <p:cNvPr id="2" name="幻灯片图像占位符 1"/>
+          <p:cNvSpPr>
+            <a:spLocks noGrp="1" noRot="1" noChangeAspect="1"/>
+          </p:cNvSpPr>
+          <p:nvPr>
+            <p:ph type="sldImg"/>
+          </p:nvPr>
+        </p:nvSpPr>
+        <p:spPr/>
+      </p:sp>
+      <p:sp>
+        <p:nvSpPr>
+          <p:cNvPr id="3" name="备注占位符 2"/>
+          <p:cNvSpPr>
+            <a:spLocks noGrp="1"/>
+          </p:cNvSpPr>
+          <p:nvPr>
+            <p:ph type="body" idx="1"/>
+          </p:nvPr>
+        </p:nvSpPr>
+        <p:spPr/>
+        <p:txBody>
+          <a:bodyPr/>
+          <a:lstStyle/>
+          <a:p>
+            <a:r>
+              <a:rPr lang="en-US" altLang="zh-CN" dirty="0" smtClean="0"/>
+              <a:t>Why VR? Because VR give player a very different</a:t>
+            </a:r>
+            <a:r>
+              <a:rPr lang="en-US" altLang="zh-CN" baseline="0" dirty="0" smtClean="0"/>
+              <a:t> experiences in games and it is really realistic. VR can use in a lot of industry and also some special training. Lower the training cost and the risks of the trainer.</a:t>
+            </a:r>
+            <a:endParaRPr lang="zh-CN" altLang="en-US" dirty="0"/>
+          </a:p>
+        </p:txBody>
+      </p:sp>
+    </p:spTree>
+    <p:extLst>
+      <p:ext uri="{BB962C8B-B14F-4D97-AF65-F5344CB8AC3E}">
+        <p14:creationId xmlns:p14="http://schemas.microsoft.com/office/powerpoint/2010/main" val="156044162"/>
+      </p:ext>
+    </p:extLst>
   </p:cSld>
   <p:clrMapOvr>
     <a:masterClrMapping/>
@@ -1222,11 +1642,11 @@
 </file>
 
 <file path=ppt/slideLayouts/slideLayout1.xml><?xml version="1.0" encoding="utf-8"?>
-<p:sldLayout xmlns:a="http://schemas.openxmlformats.org/drawingml/2006/main" xmlns:r="http://schemas.openxmlformats.org/officeDocument/2006/relationships" xmlns:mc="http://schemas.openxmlformats.org/markup-compatibility/2006" xmlns:mv="urn:schemas-microsoft-com:mac:vml" xmlns:p="http://schemas.openxmlformats.org/presentationml/2006/main" xmlns:c="http://schemas.openxmlformats.org/drawingml/2006/chart" xmlns:dgm="http://schemas.openxmlformats.org/drawingml/2006/diagram" xmlns:o="urn:schemas-microsoft-com:office:office" xmlns:v="urn:schemas-microsoft-com:vml" xmlns:pvml="urn:schemas-microsoft-com:office:powerpoint" xmlns:com="http://schemas.openxmlformats.org/drawingml/2006/compatibility" xmlns:p14="http://schemas.microsoft.com/office/powerpoint/2010/main" type="title">
+<p:sldLayout xmlns:a="http://schemas.openxmlformats.org/drawingml/2006/main" xmlns:r="http://schemas.openxmlformats.org/officeDocument/2006/relationships" xmlns:p="http://schemas.openxmlformats.org/presentationml/2006/main" type="title">
   <p:cSld name="Title slide">
     <p:spTree>
       <p:nvGrpSpPr>
-        <p:cNvPr id="9" name="Shape 9"/>
+        <p:cNvPr id="1" name="Shape 9"/>
         <p:cNvGrpSpPr/>
         <p:nvPr/>
       </p:nvGrpSpPr>
@@ -1241,7 +1661,9 @@
       <p:sp>
         <p:nvSpPr>
           <p:cNvPr id="10" name="Shape 10"/>
-          <p:cNvSpPr txBox="1"/>
+          <p:cNvSpPr txBox="1">
+            <a:spLocks noGrp="1"/>
+          </p:cNvSpPr>
           <p:nvPr>
             <p:ph type="ctrTitle"/>
           </p:nvPr>
@@ -1256,7 +1678,7 @@
           </a:prstGeom>
         </p:spPr>
         <p:txBody>
-          <a:bodyPr anchorCtr="0" anchor="b" bIns="91425" lIns="91425" rIns="91425" tIns="91425"/>
+          <a:bodyPr lIns="91425" tIns="91425" rIns="91425" bIns="91425" anchor="b" anchorCtr="0"/>
           <a:lstStyle>
             <a:lvl1pPr lvl="0" algn="ctr">
               <a:spcBef>
@@ -1322,15 +1744,19 @@
               <a:defRPr sz="5200"/>
             </a:lvl9pPr>
           </a:lstStyle>
-          <a:p/>
+          <a:p>
+            <a:endParaRPr/>
+          </a:p>
         </p:txBody>
       </p:sp>
       <p:sp>
         <p:nvSpPr>
           <p:cNvPr id="11" name="Shape 11"/>
-          <p:cNvSpPr txBox="1"/>
+          <p:cNvSpPr txBox="1">
+            <a:spLocks noGrp="1"/>
+          </p:cNvSpPr>
           <p:nvPr>
-            <p:ph idx="1" type="subTitle"/>
+            <p:ph type="subTitle" idx="1"/>
           </p:nvPr>
         </p:nvSpPr>
         <p:spPr>
@@ -1343,7 +1769,7 @@
           </a:prstGeom>
         </p:spPr>
         <p:txBody>
-          <a:bodyPr anchorCtr="0" anchor="t" bIns="91425" lIns="91425" rIns="91425" tIns="91425"/>
+          <a:bodyPr lIns="91425" tIns="91425" rIns="91425" bIns="91425" anchor="t" anchorCtr="0"/>
           <a:lstStyle>
             <a:lvl1pPr lvl="0" algn="ctr">
               <a:lnSpc>
@@ -1472,15 +1898,19 @@
               <a:defRPr sz="2800"/>
             </a:lvl9pPr>
           </a:lstStyle>
-          <a:p/>
+          <a:p>
+            <a:endParaRPr/>
+          </a:p>
         </p:txBody>
       </p:sp>
       <p:sp>
         <p:nvSpPr>
           <p:cNvPr id="12" name="Shape 12"/>
-          <p:cNvSpPr txBox="1"/>
+          <p:cNvSpPr txBox="1">
+            <a:spLocks noGrp="1"/>
+          </p:cNvSpPr>
           <p:nvPr>
-            <p:ph idx="12" type="sldNum"/>
+            <p:ph type="sldNum" idx="12"/>
           </p:nvPr>
         </p:nvSpPr>
         <p:spPr>
@@ -1493,7 +1923,7 @@
           </a:prstGeom>
         </p:spPr>
         <p:txBody>
-          <a:bodyPr anchorCtr="0" anchor="ctr" bIns="91425" lIns="91425" rIns="91425" tIns="91425">
+          <a:bodyPr lIns="91425" tIns="91425" rIns="91425" bIns="91425" anchor="ctr" anchorCtr="0">
             <a:noAutofit/>
           </a:bodyPr>
           <a:lstStyle/>
@@ -1508,6 +1938,7 @@
               <a:rPr lang="en"/>
               <a:t>‹#›</a:t>
             </a:fld>
+            <a:endParaRPr lang="en"/>
           </a:p>
         </p:txBody>
       </p:sp>
@@ -1520,11 +1951,11 @@
 </file>
 
 <file path=ppt/slideLayouts/slideLayout10.xml><?xml version="1.0" encoding="utf-8"?>
-<p:sldLayout xmlns:a="http://schemas.openxmlformats.org/drawingml/2006/main" xmlns:r="http://schemas.openxmlformats.org/officeDocument/2006/relationships" xmlns:mc="http://schemas.openxmlformats.org/markup-compatibility/2006" xmlns:mv="urn:schemas-microsoft-com:mac:vml" xmlns:p="http://schemas.openxmlformats.org/presentationml/2006/main" xmlns:c="http://schemas.openxmlformats.org/drawingml/2006/chart" xmlns:dgm="http://schemas.openxmlformats.org/drawingml/2006/diagram" xmlns:o="urn:schemas-microsoft-com:office:office" xmlns:v="urn:schemas-microsoft-com:vml" xmlns:pvml="urn:schemas-microsoft-com:office:powerpoint" xmlns:com="http://schemas.openxmlformats.org/drawingml/2006/compatibility" xmlns:p14="http://schemas.microsoft.com/office/powerpoint/2010/main">
+<p:sldLayout xmlns:a="http://schemas.openxmlformats.org/drawingml/2006/main" xmlns:r="http://schemas.openxmlformats.org/officeDocument/2006/relationships" xmlns:p="http://schemas.openxmlformats.org/presentationml/2006/main">
   <p:cSld name="Big number">
     <p:spTree>
       <p:nvGrpSpPr>
-        <p:cNvPr id="44" name="Shape 44"/>
+        <p:cNvPr id="1" name="Shape 44"/>
         <p:cNvGrpSpPr/>
         <p:nvPr/>
       </p:nvGrpSpPr>
@@ -1539,7 +1970,9 @@
       <p:sp>
         <p:nvSpPr>
           <p:cNvPr id="45" name="Shape 45"/>
-          <p:cNvSpPr txBox="1"/>
+          <p:cNvSpPr txBox="1">
+            <a:spLocks noGrp="1"/>
+          </p:cNvSpPr>
           <p:nvPr>
             <p:ph type="title"/>
           </p:nvPr>
@@ -1554,7 +1987,7 @@
           </a:prstGeom>
         </p:spPr>
         <p:txBody>
-          <a:bodyPr anchorCtr="0" anchor="b" bIns="91425" lIns="91425" rIns="91425" tIns="91425"/>
+          <a:bodyPr lIns="91425" tIns="91425" rIns="91425" bIns="91425" anchor="b" anchorCtr="0"/>
           <a:lstStyle>
             <a:lvl1pPr lvl="0" algn="ctr">
               <a:spcBef>
@@ -1620,15 +2053,19 @@
               <a:defRPr sz="12000"/>
             </a:lvl9pPr>
           </a:lstStyle>
-          <a:p/>
+          <a:p>
+            <a:endParaRPr/>
+          </a:p>
         </p:txBody>
       </p:sp>
       <p:sp>
         <p:nvSpPr>
           <p:cNvPr id="46" name="Shape 46"/>
-          <p:cNvSpPr txBox="1"/>
+          <p:cNvSpPr txBox="1">
+            <a:spLocks noGrp="1"/>
+          </p:cNvSpPr>
           <p:nvPr>
-            <p:ph idx="1" type="body"/>
+            <p:ph type="body" idx="1"/>
           </p:nvPr>
         </p:nvSpPr>
         <p:spPr>
@@ -1641,7 +2078,7 @@
           </a:prstGeom>
         </p:spPr>
         <p:txBody>
-          <a:bodyPr anchorCtr="0" anchor="t" bIns="91425" lIns="91425" rIns="91425" tIns="91425"/>
+          <a:bodyPr lIns="91425" tIns="91425" rIns="91425" bIns="91425" anchor="t" anchorCtr="0"/>
           <a:lstStyle>
             <a:lvl1pPr lvl="0" algn="ctr">
               <a:spcBef>
@@ -1698,15 +2135,19 @@
               <a:defRPr/>
             </a:lvl9pPr>
           </a:lstStyle>
-          <a:p/>
+          <a:p>
+            <a:endParaRPr/>
+          </a:p>
         </p:txBody>
       </p:sp>
       <p:sp>
         <p:nvSpPr>
           <p:cNvPr id="47" name="Shape 47"/>
-          <p:cNvSpPr txBox="1"/>
+          <p:cNvSpPr txBox="1">
+            <a:spLocks noGrp="1"/>
+          </p:cNvSpPr>
           <p:nvPr>
-            <p:ph idx="12" type="sldNum"/>
+            <p:ph type="sldNum" idx="12"/>
           </p:nvPr>
         </p:nvSpPr>
         <p:spPr>
@@ -1719,7 +2160,7 @@
           </a:prstGeom>
         </p:spPr>
         <p:txBody>
-          <a:bodyPr anchorCtr="0" anchor="ctr" bIns="91425" lIns="91425" rIns="91425" tIns="91425">
+          <a:bodyPr lIns="91425" tIns="91425" rIns="91425" bIns="91425" anchor="ctr" anchorCtr="0">
             <a:noAutofit/>
           </a:bodyPr>
           <a:lstStyle/>
@@ -1734,6 +2175,7 @@
               <a:rPr lang="en"/>
               <a:t>‹#›</a:t>
             </a:fld>
+            <a:endParaRPr lang="en"/>
           </a:p>
         </p:txBody>
       </p:sp>
@@ -1746,11 +2188,11 @@
 </file>
 
 <file path=ppt/slideLayouts/slideLayout11.xml><?xml version="1.0" encoding="utf-8"?>
-<p:sldLayout xmlns:a="http://schemas.openxmlformats.org/drawingml/2006/main" xmlns:r="http://schemas.openxmlformats.org/officeDocument/2006/relationships" xmlns:mc="http://schemas.openxmlformats.org/markup-compatibility/2006" xmlns:mv="urn:schemas-microsoft-com:mac:vml" xmlns:p="http://schemas.openxmlformats.org/presentationml/2006/main" xmlns:c="http://schemas.openxmlformats.org/drawingml/2006/chart" xmlns:dgm="http://schemas.openxmlformats.org/drawingml/2006/diagram" xmlns:o="urn:schemas-microsoft-com:office:office" xmlns:v="urn:schemas-microsoft-com:vml" xmlns:pvml="urn:schemas-microsoft-com:office:powerpoint" xmlns:com="http://schemas.openxmlformats.org/drawingml/2006/compatibility" xmlns:p14="http://schemas.microsoft.com/office/powerpoint/2010/main" type="blank">
+<p:sldLayout xmlns:a="http://schemas.openxmlformats.org/drawingml/2006/main" xmlns:r="http://schemas.openxmlformats.org/officeDocument/2006/relationships" xmlns:p="http://schemas.openxmlformats.org/presentationml/2006/main" type="blank">
   <p:cSld name="Blank">
     <p:spTree>
       <p:nvGrpSpPr>
-        <p:cNvPr id="48" name="Shape 48"/>
+        <p:cNvPr id="1" name="Shape 48"/>
         <p:cNvGrpSpPr/>
         <p:nvPr/>
       </p:nvGrpSpPr>
@@ -1765,9 +2207,11 @@
       <p:sp>
         <p:nvSpPr>
           <p:cNvPr id="49" name="Shape 49"/>
-          <p:cNvSpPr txBox="1"/>
+          <p:cNvSpPr txBox="1">
+            <a:spLocks noGrp="1"/>
+          </p:cNvSpPr>
           <p:nvPr>
-            <p:ph idx="12" type="sldNum"/>
+            <p:ph type="sldNum" idx="12"/>
           </p:nvPr>
         </p:nvSpPr>
         <p:spPr>
@@ -1780,7 +2224,7 @@
           </a:prstGeom>
         </p:spPr>
         <p:txBody>
-          <a:bodyPr anchorCtr="0" anchor="ctr" bIns="91425" lIns="91425" rIns="91425" tIns="91425">
+          <a:bodyPr lIns="91425" tIns="91425" rIns="91425" bIns="91425" anchor="ctr" anchorCtr="0">
             <a:noAutofit/>
           </a:bodyPr>
           <a:lstStyle/>
@@ -1795,6 +2239,7 @@
               <a:rPr lang="en"/>
               <a:t>‹#›</a:t>
             </a:fld>
+            <a:endParaRPr lang="en"/>
           </a:p>
         </p:txBody>
       </p:sp>
@@ -1807,11 +2252,11 @@
 </file>
 
 <file path=ppt/slideLayouts/slideLayout2.xml><?xml version="1.0" encoding="utf-8"?>
-<p:sldLayout xmlns:a="http://schemas.openxmlformats.org/drawingml/2006/main" xmlns:r="http://schemas.openxmlformats.org/officeDocument/2006/relationships" xmlns:mc="http://schemas.openxmlformats.org/markup-compatibility/2006" xmlns:mv="urn:schemas-microsoft-com:mac:vml" xmlns:p="http://schemas.openxmlformats.org/presentationml/2006/main" xmlns:c="http://schemas.openxmlformats.org/drawingml/2006/chart" xmlns:dgm="http://schemas.openxmlformats.org/drawingml/2006/diagram" xmlns:o="urn:schemas-microsoft-com:office:office" xmlns:v="urn:schemas-microsoft-com:vml" xmlns:pvml="urn:schemas-microsoft-com:office:powerpoint" xmlns:com="http://schemas.openxmlformats.org/drawingml/2006/compatibility" xmlns:p14="http://schemas.microsoft.com/office/powerpoint/2010/main" type="secHead">
+<p:sldLayout xmlns:a="http://schemas.openxmlformats.org/drawingml/2006/main" xmlns:r="http://schemas.openxmlformats.org/officeDocument/2006/relationships" xmlns:p="http://schemas.openxmlformats.org/presentationml/2006/main" type="secHead">
   <p:cSld name="Section header">
     <p:spTree>
       <p:nvGrpSpPr>
-        <p:cNvPr id="13" name="Shape 13"/>
+        <p:cNvPr id="1" name="Shape 13"/>
         <p:cNvGrpSpPr/>
         <p:nvPr/>
       </p:nvGrpSpPr>
@@ -1826,7 +2271,9 @@
       <p:sp>
         <p:nvSpPr>
           <p:cNvPr id="14" name="Shape 14"/>
-          <p:cNvSpPr txBox="1"/>
+          <p:cNvSpPr txBox="1">
+            <a:spLocks noGrp="1"/>
+          </p:cNvSpPr>
           <p:nvPr>
             <p:ph type="title"/>
           </p:nvPr>
@@ -1841,7 +2288,7 @@
           </a:prstGeom>
         </p:spPr>
         <p:txBody>
-          <a:bodyPr anchorCtr="0" anchor="ctr" bIns="91425" lIns="91425" rIns="91425" tIns="91425"/>
+          <a:bodyPr lIns="91425" tIns="91425" rIns="91425" bIns="91425" anchor="ctr" anchorCtr="0"/>
           <a:lstStyle>
             <a:lvl1pPr lvl="0" algn="ctr">
               <a:spcBef>
@@ -1907,15 +2354,19 @@
               <a:defRPr sz="3600"/>
             </a:lvl9pPr>
           </a:lstStyle>
-          <a:p/>
+          <a:p>
+            <a:endParaRPr/>
+          </a:p>
         </p:txBody>
       </p:sp>
       <p:sp>
         <p:nvSpPr>
           <p:cNvPr id="15" name="Shape 15"/>
-          <p:cNvSpPr txBox="1"/>
+          <p:cNvSpPr txBox="1">
+            <a:spLocks noGrp="1"/>
+          </p:cNvSpPr>
           <p:nvPr>
-            <p:ph idx="12" type="sldNum"/>
+            <p:ph type="sldNum" idx="12"/>
           </p:nvPr>
         </p:nvSpPr>
         <p:spPr>
@@ -1928,7 +2379,7 @@
           </a:prstGeom>
         </p:spPr>
         <p:txBody>
-          <a:bodyPr anchorCtr="0" anchor="ctr" bIns="91425" lIns="91425" rIns="91425" tIns="91425">
+          <a:bodyPr lIns="91425" tIns="91425" rIns="91425" bIns="91425" anchor="ctr" anchorCtr="0">
             <a:noAutofit/>
           </a:bodyPr>
           <a:lstStyle/>
@@ -1943,6 +2394,7 @@
               <a:rPr lang="en"/>
               <a:t>‹#›</a:t>
             </a:fld>
+            <a:endParaRPr lang="en"/>
           </a:p>
         </p:txBody>
       </p:sp>
@@ -1955,11 +2407,11 @@
 </file>
 
 <file path=ppt/slideLayouts/slideLayout3.xml><?xml version="1.0" encoding="utf-8"?>
-<p:sldLayout xmlns:a="http://schemas.openxmlformats.org/drawingml/2006/main" xmlns:r="http://schemas.openxmlformats.org/officeDocument/2006/relationships" xmlns:mc="http://schemas.openxmlformats.org/markup-compatibility/2006" xmlns:mv="urn:schemas-microsoft-com:mac:vml" xmlns:p="http://schemas.openxmlformats.org/presentationml/2006/main" xmlns:c="http://schemas.openxmlformats.org/drawingml/2006/chart" xmlns:dgm="http://schemas.openxmlformats.org/drawingml/2006/diagram" xmlns:o="urn:schemas-microsoft-com:office:office" xmlns:v="urn:schemas-microsoft-com:vml" xmlns:pvml="urn:schemas-microsoft-com:office:powerpoint" xmlns:com="http://schemas.openxmlformats.org/drawingml/2006/compatibility" xmlns:p14="http://schemas.microsoft.com/office/powerpoint/2010/main" type="tx">
+<p:sldLayout xmlns:a="http://schemas.openxmlformats.org/drawingml/2006/main" xmlns:r="http://schemas.openxmlformats.org/officeDocument/2006/relationships" xmlns:p="http://schemas.openxmlformats.org/presentationml/2006/main" type="tx">
   <p:cSld name="Title and body">
     <p:spTree>
       <p:nvGrpSpPr>
-        <p:cNvPr id="16" name="Shape 16"/>
+        <p:cNvPr id="1" name="Shape 16"/>
         <p:cNvGrpSpPr/>
         <p:nvPr/>
       </p:nvGrpSpPr>
@@ -1974,7 +2426,9 @@
       <p:sp>
         <p:nvSpPr>
           <p:cNvPr id="17" name="Shape 17"/>
-          <p:cNvSpPr txBox="1"/>
+          <p:cNvSpPr txBox="1">
+            <a:spLocks noGrp="1"/>
+          </p:cNvSpPr>
           <p:nvPr>
             <p:ph type="title"/>
           </p:nvPr>
@@ -1989,7 +2443,7 @@
           </a:prstGeom>
         </p:spPr>
         <p:txBody>
-          <a:bodyPr anchorCtr="0" anchor="t" bIns="91425" lIns="91425" rIns="91425" tIns="91425"/>
+          <a:bodyPr lIns="91425" tIns="91425" rIns="91425" bIns="91425" anchor="t" anchorCtr="0"/>
           <a:lstStyle>
             <a:lvl1pPr lvl="0">
               <a:spcBef>
@@ -2046,15 +2500,19 @@
               <a:defRPr/>
             </a:lvl9pPr>
           </a:lstStyle>
-          <a:p/>
+          <a:p>
+            <a:endParaRPr/>
+          </a:p>
         </p:txBody>
       </p:sp>
       <p:sp>
         <p:nvSpPr>
           <p:cNvPr id="18" name="Shape 18"/>
-          <p:cNvSpPr txBox="1"/>
+          <p:cNvSpPr txBox="1">
+            <a:spLocks noGrp="1"/>
+          </p:cNvSpPr>
           <p:nvPr>
-            <p:ph idx="1" type="body"/>
+            <p:ph type="body" idx="1"/>
           </p:nvPr>
         </p:nvSpPr>
         <p:spPr>
@@ -2067,7 +2525,7 @@
           </a:prstGeom>
         </p:spPr>
         <p:txBody>
-          <a:bodyPr anchorCtr="0" anchor="t" bIns="91425" lIns="91425" rIns="91425" tIns="91425"/>
+          <a:bodyPr lIns="91425" tIns="91425" rIns="91425" bIns="91425" anchor="t" anchorCtr="0"/>
           <a:lstStyle>
             <a:lvl1pPr lvl="0">
               <a:spcBef>
@@ -2124,15 +2582,19 @@
               <a:defRPr/>
             </a:lvl9pPr>
           </a:lstStyle>
-          <a:p/>
+          <a:p>
+            <a:endParaRPr/>
+          </a:p>
         </p:txBody>
       </p:sp>
       <p:sp>
         <p:nvSpPr>
           <p:cNvPr id="19" name="Shape 19"/>
-          <p:cNvSpPr txBox="1"/>
+          <p:cNvSpPr txBox="1">
+            <a:spLocks noGrp="1"/>
+          </p:cNvSpPr>
           <p:nvPr>
-            <p:ph idx="12" type="sldNum"/>
+            <p:ph type="sldNum" idx="12"/>
           </p:nvPr>
         </p:nvSpPr>
         <p:spPr>
@@ -2145,7 +2607,7 @@
           </a:prstGeom>
         </p:spPr>
         <p:txBody>
-          <a:bodyPr anchorCtr="0" anchor="ctr" bIns="91425" lIns="91425" rIns="91425" tIns="91425">
+          <a:bodyPr lIns="91425" tIns="91425" rIns="91425" bIns="91425" anchor="ctr" anchorCtr="0">
             <a:noAutofit/>
           </a:bodyPr>
           <a:lstStyle/>
@@ -2160,6 +2622,7 @@
               <a:rPr lang="en"/>
               <a:t>‹#›</a:t>
             </a:fld>
+            <a:endParaRPr lang="en"/>
           </a:p>
         </p:txBody>
       </p:sp>
@@ -2172,11 +2635,11 @@
 </file>
 
 <file path=ppt/slideLayouts/slideLayout4.xml><?xml version="1.0" encoding="utf-8"?>
-<p:sldLayout xmlns:a="http://schemas.openxmlformats.org/drawingml/2006/main" xmlns:r="http://schemas.openxmlformats.org/officeDocument/2006/relationships" xmlns:mc="http://schemas.openxmlformats.org/markup-compatibility/2006" xmlns:mv="urn:schemas-microsoft-com:mac:vml" xmlns:p="http://schemas.openxmlformats.org/presentationml/2006/main" xmlns:c="http://schemas.openxmlformats.org/drawingml/2006/chart" xmlns:dgm="http://schemas.openxmlformats.org/drawingml/2006/diagram" xmlns:o="urn:schemas-microsoft-com:office:office" xmlns:v="urn:schemas-microsoft-com:vml" xmlns:pvml="urn:schemas-microsoft-com:office:powerpoint" xmlns:com="http://schemas.openxmlformats.org/drawingml/2006/compatibility" xmlns:p14="http://schemas.microsoft.com/office/powerpoint/2010/main" type="twoColTx">
+<p:sldLayout xmlns:a="http://schemas.openxmlformats.org/drawingml/2006/main" xmlns:r="http://schemas.openxmlformats.org/officeDocument/2006/relationships" xmlns:p="http://schemas.openxmlformats.org/presentationml/2006/main" type="twoColTx">
   <p:cSld name="Title and two columns">
     <p:spTree>
       <p:nvGrpSpPr>
-        <p:cNvPr id="20" name="Shape 20"/>
+        <p:cNvPr id="1" name="Shape 20"/>
         <p:cNvGrpSpPr/>
         <p:nvPr/>
       </p:nvGrpSpPr>
@@ -2191,7 +2654,9 @@
       <p:sp>
         <p:nvSpPr>
           <p:cNvPr id="21" name="Shape 21"/>
-          <p:cNvSpPr txBox="1"/>
+          <p:cNvSpPr txBox="1">
+            <a:spLocks noGrp="1"/>
+          </p:cNvSpPr>
           <p:nvPr>
             <p:ph type="title"/>
           </p:nvPr>
@@ -2206,7 +2671,7 @@
           </a:prstGeom>
         </p:spPr>
         <p:txBody>
-          <a:bodyPr anchorCtr="0" anchor="t" bIns="91425" lIns="91425" rIns="91425" tIns="91425"/>
+          <a:bodyPr lIns="91425" tIns="91425" rIns="91425" bIns="91425" anchor="t" anchorCtr="0"/>
           <a:lstStyle>
             <a:lvl1pPr lvl="0">
               <a:spcBef>
@@ -2263,15 +2728,19 @@
               <a:defRPr/>
             </a:lvl9pPr>
           </a:lstStyle>
-          <a:p/>
+          <a:p>
+            <a:endParaRPr/>
+          </a:p>
         </p:txBody>
       </p:sp>
       <p:sp>
         <p:nvSpPr>
           <p:cNvPr id="22" name="Shape 22"/>
-          <p:cNvSpPr txBox="1"/>
+          <p:cNvSpPr txBox="1">
+            <a:spLocks noGrp="1"/>
+          </p:cNvSpPr>
           <p:nvPr>
-            <p:ph idx="1" type="body"/>
+            <p:ph type="body" idx="1"/>
           </p:nvPr>
         </p:nvSpPr>
         <p:spPr>
@@ -2284,7 +2753,7 @@
           </a:prstGeom>
         </p:spPr>
         <p:txBody>
-          <a:bodyPr anchorCtr="0" anchor="t" bIns="91425" lIns="91425" rIns="91425" tIns="91425"/>
+          <a:bodyPr lIns="91425" tIns="91425" rIns="91425" bIns="91425" anchor="t" anchorCtr="0"/>
           <a:lstStyle>
             <a:lvl1pPr lvl="0">
               <a:spcBef>
@@ -2350,15 +2819,19 @@
               <a:defRPr sz="1200"/>
             </a:lvl9pPr>
           </a:lstStyle>
-          <a:p/>
+          <a:p>
+            <a:endParaRPr/>
+          </a:p>
         </p:txBody>
       </p:sp>
       <p:sp>
         <p:nvSpPr>
           <p:cNvPr id="23" name="Shape 23"/>
-          <p:cNvSpPr txBox="1"/>
+          <p:cNvSpPr txBox="1">
+            <a:spLocks noGrp="1"/>
+          </p:cNvSpPr>
           <p:nvPr>
-            <p:ph idx="2" type="body"/>
+            <p:ph type="body" idx="2"/>
           </p:nvPr>
         </p:nvSpPr>
         <p:spPr>
@@ -2371,7 +2844,7 @@
           </a:prstGeom>
         </p:spPr>
         <p:txBody>
-          <a:bodyPr anchorCtr="0" anchor="t" bIns="91425" lIns="91425" rIns="91425" tIns="91425"/>
+          <a:bodyPr lIns="91425" tIns="91425" rIns="91425" bIns="91425" anchor="t" anchorCtr="0"/>
           <a:lstStyle>
             <a:lvl1pPr lvl="0">
               <a:spcBef>
@@ -2437,15 +2910,19 @@
               <a:defRPr sz="1200"/>
             </a:lvl9pPr>
           </a:lstStyle>
-          <a:p/>
+          <a:p>
+            <a:endParaRPr/>
+          </a:p>
         </p:txBody>
       </p:sp>
       <p:sp>
         <p:nvSpPr>
           <p:cNvPr id="24" name="Shape 24"/>
-          <p:cNvSpPr txBox="1"/>
+          <p:cNvSpPr txBox="1">
+            <a:spLocks noGrp="1"/>
+          </p:cNvSpPr>
           <p:nvPr>
-            <p:ph idx="12" type="sldNum"/>
+            <p:ph type="sldNum" idx="12"/>
           </p:nvPr>
         </p:nvSpPr>
         <p:spPr>
@@ -2458,7 +2935,7 @@
           </a:prstGeom>
         </p:spPr>
         <p:txBody>
-          <a:bodyPr anchorCtr="0" anchor="ctr" bIns="91425" lIns="91425" rIns="91425" tIns="91425">
+          <a:bodyPr lIns="91425" tIns="91425" rIns="91425" bIns="91425" anchor="ctr" anchorCtr="0">
             <a:noAutofit/>
           </a:bodyPr>
           <a:lstStyle/>
@@ -2473,6 +2950,7 @@
               <a:rPr lang="en"/>
               <a:t>‹#›</a:t>
             </a:fld>
+            <a:endParaRPr lang="en"/>
           </a:p>
         </p:txBody>
       </p:sp>
@@ -2485,11 +2963,11 @@
 </file>
 
 <file path=ppt/slideLayouts/slideLayout5.xml><?xml version="1.0" encoding="utf-8"?>
-<p:sldLayout xmlns:a="http://schemas.openxmlformats.org/drawingml/2006/main" xmlns:r="http://schemas.openxmlformats.org/officeDocument/2006/relationships" xmlns:mc="http://schemas.openxmlformats.org/markup-compatibility/2006" xmlns:mv="urn:schemas-microsoft-com:mac:vml" xmlns:p="http://schemas.openxmlformats.org/presentationml/2006/main" xmlns:c="http://schemas.openxmlformats.org/drawingml/2006/chart" xmlns:dgm="http://schemas.openxmlformats.org/drawingml/2006/diagram" xmlns:o="urn:schemas-microsoft-com:office:office" xmlns:v="urn:schemas-microsoft-com:vml" xmlns:pvml="urn:schemas-microsoft-com:office:powerpoint" xmlns:com="http://schemas.openxmlformats.org/drawingml/2006/compatibility" xmlns:p14="http://schemas.microsoft.com/office/powerpoint/2010/main" type="titleOnly">
+<p:sldLayout xmlns:a="http://schemas.openxmlformats.org/drawingml/2006/main" xmlns:r="http://schemas.openxmlformats.org/officeDocument/2006/relationships" xmlns:p="http://schemas.openxmlformats.org/presentationml/2006/main" type="titleOnly">
   <p:cSld name="Title only">
     <p:spTree>
       <p:nvGrpSpPr>
-        <p:cNvPr id="25" name="Shape 25"/>
+        <p:cNvPr id="1" name="Shape 25"/>
         <p:cNvGrpSpPr/>
         <p:nvPr/>
       </p:nvGrpSpPr>
@@ -2504,7 +2982,9 @@
       <p:sp>
         <p:nvSpPr>
           <p:cNvPr id="26" name="Shape 26"/>
-          <p:cNvSpPr txBox="1"/>
+          <p:cNvSpPr txBox="1">
+            <a:spLocks noGrp="1"/>
+          </p:cNvSpPr>
           <p:nvPr>
             <p:ph type="title"/>
           </p:nvPr>
@@ -2519,7 +2999,7 @@
           </a:prstGeom>
         </p:spPr>
         <p:txBody>
-          <a:bodyPr anchorCtr="0" anchor="t" bIns="91425" lIns="91425" rIns="91425" tIns="91425"/>
+          <a:bodyPr lIns="91425" tIns="91425" rIns="91425" bIns="91425" anchor="t" anchorCtr="0"/>
           <a:lstStyle>
             <a:lvl1pPr lvl="0">
               <a:spcBef>
@@ -2576,15 +3056,19 @@
               <a:defRPr/>
             </a:lvl9pPr>
           </a:lstStyle>
-          <a:p/>
+          <a:p>
+            <a:endParaRPr/>
+          </a:p>
         </p:txBody>
       </p:sp>
       <p:sp>
         <p:nvSpPr>
           <p:cNvPr id="27" name="Shape 27"/>
-          <p:cNvSpPr txBox="1"/>
+          <p:cNvSpPr txBox="1">
+            <a:spLocks noGrp="1"/>
+          </p:cNvSpPr>
           <p:nvPr>
-            <p:ph idx="12" type="sldNum"/>
+            <p:ph type="sldNum" idx="12"/>
           </p:nvPr>
         </p:nvSpPr>
         <p:spPr>
@@ -2597,7 +3081,7 @@
           </a:prstGeom>
         </p:spPr>
         <p:txBody>
-          <a:bodyPr anchorCtr="0" anchor="ctr" bIns="91425" lIns="91425" rIns="91425" tIns="91425">
+          <a:bodyPr lIns="91425" tIns="91425" rIns="91425" bIns="91425" anchor="ctr" anchorCtr="0">
             <a:noAutofit/>
           </a:bodyPr>
           <a:lstStyle/>
@@ -2612,6 +3096,7 @@
               <a:rPr lang="en"/>
               <a:t>‹#›</a:t>
             </a:fld>
+            <a:endParaRPr lang="en"/>
           </a:p>
         </p:txBody>
       </p:sp>
@@ -2624,11 +3109,11 @@
 </file>
 
 <file path=ppt/slideLayouts/slideLayout6.xml><?xml version="1.0" encoding="utf-8"?>
-<p:sldLayout xmlns:a="http://schemas.openxmlformats.org/drawingml/2006/main" xmlns:r="http://schemas.openxmlformats.org/officeDocument/2006/relationships" xmlns:mc="http://schemas.openxmlformats.org/markup-compatibility/2006" xmlns:mv="urn:schemas-microsoft-com:mac:vml" xmlns:p="http://schemas.openxmlformats.org/presentationml/2006/main" xmlns:c="http://schemas.openxmlformats.org/drawingml/2006/chart" xmlns:dgm="http://schemas.openxmlformats.org/drawingml/2006/diagram" xmlns:o="urn:schemas-microsoft-com:office:office" xmlns:v="urn:schemas-microsoft-com:vml" xmlns:pvml="urn:schemas-microsoft-com:office:powerpoint" xmlns:com="http://schemas.openxmlformats.org/drawingml/2006/compatibility" xmlns:p14="http://schemas.microsoft.com/office/powerpoint/2010/main">
+<p:sldLayout xmlns:a="http://schemas.openxmlformats.org/drawingml/2006/main" xmlns:r="http://schemas.openxmlformats.org/officeDocument/2006/relationships" xmlns:p="http://schemas.openxmlformats.org/presentationml/2006/main">
   <p:cSld name="One column text">
     <p:spTree>
       <p:nvGrpSpPr>
-        <p:cNvPr id="28" name="Shape 28"/>
+        <p:cNvPr id="1" name="Shape 28"/>
         <p:cNvGrpSpPr/>
         <p:nvPr/>
       </p:nvGrpSpPr>
@@ -2643,7 +3128,9 @@
       <p:sp>
         <p:nvSpPr>
           <p:cNvPr id="29" name="Shape 29"/>
-          <p:cNvSpPr txBox="1"/>
+          <p:cNvSpPr txBox="1">
+            <a:spLocks noGrp="1"/>
+          </p:cNvSpPr>
           <p:nvPr>
             <p:ph type="title"/>
           </p:nvPr>
@@ -2658,7 +3145,7 @@
           </a:prstGeom>
         </p:spPr>
         <p:txBody>
-          <a:bodyPr anchorCtr="0" anchor="b" bIns="91425" lIns="91425" rIns="91425" tIns="91425"/>
+          <a:bodyPr lIns="91425" tIns="91425" rIns="91425" bIns="91425" anchor="b" anchorCtr="0"/>
           <a:lstStyle>
             <a:lvl1pPr lvl="0">
               <a:spcBef>
@@ -2724,15 +3211,19 @@
               <a:defRPr sz="2400"/>
             </a:lvl9pPr>
           </a:lstStyle>
-          <a:p/>
+          <a:p>
+            <a:endParaRPr/>
+          </a:p>
         </p:txBody>
       </p:sp>
       <p:sp>
         <p:nvSpPr>
           <p:cNvPr id="30" name="Shape 30"/>
-          <p:cNvSpPr txBox="1"/>
+          <p:cNvSpPr txBox="1">
+            <a:spLocks noGrp="1"/>
+          </p:cNvSpPr>
           <p:nvPr>
-            <p:ph idx="1" type="body"/>
+            <p:ph type="body" idx="1"/>
           </p:nvPr>
         </p:nvSpPr>
         <p:spPr>
@@ -2745,7 +3236,7 @@
           </a:prstGeom>
         </p:spPr>
         <p:txBody>
-          <a:bodyPr anchorCtr="0" anchor="t" bIns="91425" lIns="91425" rIns="91425" tIns="91425"/>
+          <a:bodyPr lIns="91425" tIns="91425" rIns="91425" bIns="91425" anchor="t" anchorCtr="0"/>
           <a:lstStyle>
             <a:lvl1pPr lvl="0">
               <a:spcBef>
@@ -2811,15 +3302,19 @@
               <a:defRPr sz="1200"/>
             </a:lvl9pPr>
           </a:lstStyle>
-          <a:p/>
+          <a:p>
+            <a:endParaRPr/>
+          </a:p>
         </p:txBody>
       </p:sp>
       <p:sp>
         <p:nvSpPr>
           <p:cNvPr id="31" name="Shape 31"/>
-          <p:cNvSpPr txBox="1"/>
+          <p:cNvSpPr txBox="1">
+            <a:spLocks noGrp="1"/>
+          </p:cNvSpPr>
           <p:nvPr>
-            <p:ph idx="12" type="sldNum"/>
+            <p:ph type="sldNum" idx="12"/>
           </p:nvPr>
         </p:nvSpPr>
         <p:spPr>
@@ -2832,7 +3327,7 @@
           </a:prstGeom>
         </p:spPr>
         <p:txBody>
-          <a:bodyPr anchorCtr="0" anchor="ctr" bIns="91425" lIns="91425" rIns="91425" tIns="91425">
+          <a:bodyPr lIns="91425" tIns="91425" rIns="91425" bIns="91425" anchor="ctr" anchorCtr="0">
             <a:noAutofit/>
           </a:bodyPr>
           <a:lstStyle/>
@@ -2847,6 +3342,7 @@
               <a:rPr lang="en"/>
               <a:t>‹#›</a:t>
             </a:fld>
+            <a:endParaRPr lang="en"/>
           </a:p>
         </p:txBody>
       </p:sp>
@@ -2859,11 +3355,11 @@
 </file>
 
 <file path=ppt/slideLayouts/slideLayout7.xml><?xml version="1.0" encoding="utf-8"?>
-<p:sldLayout xmlns:a="http://schemas.openxmlformats.org/drawingml/2006/main" xmlns:r="http://schemas.openxmlformats.org/officeDocument/2006/relationships" xmlns:mc="http://schemas.openxmlformats.org/markup-compatibility/2006" xmlns:mv="urn:schemas-microsoft-com:mac:vml" xmlns:p="http://schemas.openxmlformats.org/presentationml/2006/main" xmlns:c="http://schemas.openxmlformats.org/drawingml/2006/chart" xmlns:dgm="http://schemas.openxmlformats.org/drawingml/2006/diagram" xmlns:o="urn:schemas-microsoft-com:office:office" xmlns:v="urn:schemas-microsoft-com:vml" xmlns:pvml="urn:schemas-microsoft-com:office:powerpoint" xmlns:com="http://schemas.openxmlformats.org/drawingml/2006/compatibility" xmlns:p14="http://schemas.microsoft.com/office/powerpoint/2010/main">
+<p:sldLayout xmlns:a="http://schemas.openxmlformats.org/drawingml/2006/main" xmlns:r="http://schemas.openxmlformats.org/officeDocument/2006/relationships" xmlns:p="http://schemas.openxmlformats.org/presentationml/2006/main">
   <p:cSld name="Main point">
     <p:spTree>
       <p:nvGrpSpPr>
-        <p:cNvPr id="32" name="Shape 32"/>
+        <p:cNvPr id="1" name="Shape 32"/>
         <p:cNvGrpSpPr/>
         <p:nvPr/>
       </p:nvGrpSpPr>
@@ -2878,7 +3374,9 @@
       <p:sp>
         <p:nvSpPr>
           <p:cNvPr id="33" name="Shape 33"/>
-          <p:cNvSpPr txBox="1"/>
+          <p:cNvSpPr txBox="1">
+            <a:spLocks noGrp="1"/>
+          </p:cNvSpPr>
           <p:nvPr>
             <p:ph type="title"/>
           </p:nvPr>
@@ -2893,7 +3391,7 @@
           </a:prstGeom>
         </p:spPr>
         <p:txBody>
-          <a:bodyPr anchorCtr="0" anchor="ctr" bIns="91425" lIns="91425" rIns="91425" tIns="91425"/>
+          <a:bodyPr lIns="91425" tIns="91425" rIns="91425" bIns="91425" anchor="ctr" anchorCtr="0"/>
           <a:lstStyle>
             <a:lvl1pPr lvl="0">
               <a:spcBef>
@@ -2959,15 +3457,19 @@
               <a:defRPr sz="4800"/>
             </a:lvl9pPr>
           </a:lstStyle>
-          <a:p/>
+          <a:p>
+            <a:endParaRPr/>
+          </a:p>
         </p:txBody>
       </p:sp>
       <p:sp>
         <p:nvSpPr>
           <p:cNvPr id="34" name="Shape 34"/>
-          <p:cNvSpPr txBox="1"/>
+          <p:cNvSpPr txBox="1">
+            <a:spLocks noGrp="1"/>
+          </p:cNvSpPr>
           <p:nvPr>
-            <p:ph idx="12" type="sldNum"/>
+            <p:ph type="sldNum" idx="12"/>
           </p:nvPr>
         </p:nvSpPr>
         <p:spPr>
@@ -2980,7 +3482,7 @@
           </a:prstGeom>
         </p:spPr>
         <p:txBody>
-          <a:bodyPr anchorCtr="0" anchor="ctr" bIns="91425" lIns="91425" rIns="91425" tIns="91425">
+          <a:bodyPr lIns="91425" tIns="91425" rIns="91425" bIns="91425" anchor="ctr" anchorCtr="0">
             <a:noAutofit/>
           </a:bodyPr>
           <a:lstStyle/>
@@ -2995,6 +3497,7 @@
               <a:rPr lang="en"/>
               <a:t>‹#›</a:t>
             </a:fld>
+            <a:endParaRPr lang="en"/>
           </a:p>
         </p:txBody>
       </p:sp>
@@ -3007,11 +3510,11 @@
 </file>
 
 <file path=ppt/slideLayouts/slideLayout8.xml><?xml version="1.0" encoding="utf-8"?>
-<p:sldLayout xmlns:a="http://schemas.openxmlformats.org/drawingml/2006/main" xmlns:r="http://schemas.openxmlformats.org/officeDocument/2006/relationships" xmlns:mc="http://schemas.openxmlformats.org/markup-compatibility/2006" xmlns:mv="urn:schemas-microsoft-com:mac:vml" xmlns:p="http://schemas.openxmlformats.org/presentationml/2006/main" xmlns:c="http://schemas.openxmlformats.org/drawingml/2006/chart" xmlns:dgm="http://schemas.openxmlformats.org/drawingml/2006/diagram" xmlns:o="urn:schemas-microsoft-com:office:office" xmlns:v="urn:schemas-microsoft-com:vml" xmlns:pvml="urn:schemas-microsoft-com:office:powerpoint" xmlns:com="http://schemas.openxmlformats.org/drawingml/2006/compatibility" xmlns:p14="http://schemas.microsoft.com/office/powerpoint/2010/main">
+<p:sldLayout xmlns:a="http://schemas.openxmlformats.org/drawingml/2006/main" xmlns:r="http://schemas.openxmlformats.org/officeDocument/2006/relationships" xmlns:p="http://schemas.openxmlformats.org/presentationml/2006/main">
   <p:cSld name="Section title and description">
     <p:spTree>
       <p:nvGrpSpPr>
-        <p:cNvPr id="35" name="Shape 35"/>
+        <p:cNvPr id="1" name="Shape 35"/>
         <p:cNvGrpSpPr/>
         <p:nvPr/>
       </p:nvGrpSpPr>
@@ -3045,7 +3548,7 @@
           </a:ln>
         </p:spPr>
         <p:txBody>
-          <a:bodyPr anchorCtr="0" anchor="ctr" bIns="91425" lIns="91425" rIns="91425" tIns="91425">
+          <a:bodyPr lIns="91425" tIns="91425" rIns="91425" bIns="91425" anchor="ctr" anchorCtr="0">
             <a:noAutofit/>
           </a:bodyPr>
           <a:lstStyle/>
@@ -3056,9 +3559,6 @@
               </a:spcBef>
               <a:buNone/>
             </a:pPr>
-            <a:r>
-              <a:t/>
-            </a:r>
             <a:endParaRPr/>
           </a:p>
         </p:txBody>
@@ -3066,7 +3566,9 @@
       <p:sp>
         <p:nvSpPr>
           <p:cNvPr id="37" name="Shape 37"/>
-          <p:cNvSpPr txBox="1"/>
+          <p:cNvSpPr txBox="1">
+            <a:spLocks noGrp="1"/>
+          </p:cNvSpPr>
           <p:nvPr>
             <p:ph type="title"/>
           </p:nvPr>
@@ -3081,7 +3583,7 @@
           </a:prstGeom>
         </p:spPr>
         <p:txBody>
-          <a:bodyPr anchorCtr="0" anchor="b" bIns="91425" lIns="91425" rIns="91425" tIns="91425"/>
+          <a:bodyPr lIns="91425" tIns="91425" rIns="91425" bIns="91425" anchor="b" anchorCtr="0"/>
           <a:lstStyle>
             <a:lvl1pPr lvl="0" algn="ctr">
               <a:spcBef>
@@ -3147,15 +3649,19 @@
               <a:defRPr sz="4200"/>
             </a:lvl9pPr>
           </a:lstStyle>
-          <a:p/>
+          <a:p>
+            <a:endParaRPr/>
+          </a:p>
         </p:txBody>
       </p:sp>
       <p:sp>
         <p:nvSpPr>
           <p:cNvPr id="38" name="Shape 38"/>
-          <p:cNvSpPr txBox="1"/>
+          <p:cNvSpPr txBox="1">
+            <a:spLocks noGrp="1"/>
+          </p:cNvSpPr>
           <p:nvPr>
-            <p:ph idx="1" type="subTitle"/>
+            <p:ph type="subTitle" idx="1"/>
           </p:nvPr>
         </p:nvSpPr>
         <p:spPr>
@@ -3168,7 +3674,7 @@
           </a:prstGeom>
         </p:spPr>
         <p:txBody>
-          <a:bodyPr anchorCtr="0" anchor="t" bIns="91425" lIns="91425" rIns="91425" tIns="91425"/>
+          <a:bodyPr lIns="91425" tIns="91425" rIns="91425" bIns="91425" anchor="t" anchorCtr="0"/>
           <a:lstStyle>
             <a:lvl1pPr lvl="0" algn="ctr">
               <a:lnSpc>
@@ -3297,15 +3803,19 @@
               <a:defRPr sz="2100"/>
             </a:lvl9pPr>
           </a:lstStyle>
-          <a:p/>
+          <a:p>
+            <a:endParaRPr/>
+          </a:p>
         </p:txBody>
       </p:sp>
       <p:sp>
         <p:nvSpPr>
           <p:cNvPr id="39" name="Shape 39"/>
-          <p:cNvSpPr txBox="1"/>
+          <p:cNvSpPr txBox="1">
+            <a:spLocks noGrp="1"/>
+          </p:cNvSpPr>
           <p:nvPr>
-            <p:ph idx="2" type="body"/>
+            <p:ph type="body" idx="2"/>
           </p:nvPr>
         </p:nvSpPr>
         <p:spPr>
@@ -3318,7 +3828,7 @@
           </a:prstGeom>
         </p:spPr>
         <p:txBody>
-          <a:bodyPr anchorCtr="0" anchor="ctr" bIns="91425" lIns="91425" rIns="91425" tIns="91425"/>
+          <a:bodyPr lIns="91425" tIns="91425" rIns="91425" bIns="91425" anchor="ctr" anchorCtr="0"/>
           <a:lstStyle>
             <a:lvl1pPr lvl="0">
               <a:spcBef>
@@ -3375,15 +3885,19 @@
               <a:defRPr/>
             </a:lvl9pPr>
           </a:lstStyle>
-          <a:p/>
+          <a:p>
+            <a:endParaRPr/>
+          </a:p>
         </p:txBody>
       </p:sp>
       <p:sp>
         <p:nvSpPr>
           <p:cNvPr id="40" name="Shape 40"/>
-          <p:cNvSpPr txBox="1"/>
+          <p:cNvSpPr txBox="1">
+            <a:spLocks noGrp="1"/>
+          </p:cNvSpPr>
           <p:nvPr>
-            <p:ph idx="12" type="sldNum"/>
+            <p:ph type="sldNum" idx="12"/>
           </p:nvPr>
         </p:nvSpPr>
         <p:spPr>
@@ -3396,7 +3910,7 @@
           </a:prstGeom>
         </p:spPr>
         <p:txBody>
-          <a:bodyPr anchorCtr="0" anchor="ctr" bIns="91425" lIns="91425" rIns="91425" tIns="91425">
+          <a:bodyPr lIns="91425" tIns="91425" rIns="91425" bIns="91425" anchor="ctr" anchorCtr="0">
             <a:noAutofit/>
           </a:bodyPr>
           <a:lstStyle/>
@@ -3411,6 +3925,7 @@
               <a:rPr lang="en"/>
               <a:t>‹#›</a:t>
             </a:fld>
+            <a:endParaRPr lang="en"/>
           </a:p>
         </p:txBody>
       </p:sp>
@@ -3423,11 +3938,11 @@
 </file>
 
 <file path=ppt/slideLayouts/slideLayout9.xml><?xml version="1.0" encoding="utf-8"?>
-<p:sldLayout xmlns:a="http://schemas.openxmlformats.org/drawingml/2006/main" xmlns:r="http://schemas.openxmlformats.org/officeDocument/2006/relationships" xmlns:mc="http://schemas.openxmlformats.org/markup-compatibility/2006" xmlns:mv="urn:schemas-microsoft-com:mac:vml" xmlns:p="http://schemas.openxmlformats.org/presentationml/2006/main" xmlns:c="http://schemas.openxmlformats.org/drawingml/2006/chart" xmlns:dgm="http://schemas.openxmlformats.org/drawingml/2006/diagram" xmlns:o="urn:schemas-microsoft-com:office:office" xmlns:v="urn:schemas-microsoft-com:vml" xmlns:pvml="urn:schemas-microsoft-com:office:powerpoint" xmlns:com="http://schemas.openxmlformats.org/drawingml/2006/compatibility" xmlns:p14="http://schemas.microsoft.com/office/powerpoint/2010/main">
+<p:sldLayout xmlns:a="http://schemas.openxmlformats.org/drawingml/2006/main" xmlns:r="http://schemas.openxmlformats.org/officeDocument/2006/relationships" xmlns:p="http://schemas.openxmlformats.org/presentationml/2006/main">
   <p:cSld name="Caption">
     <p:spTree>
       <p:nvGrpSpPr>
-        <p:cNvPr id="41" name="Shape 41"/>
+        <p:cNvPr id="1" name="Shape 41"/>
         <p:cNvGrpSpPr/>
         <p:nvPr/>
       </p:nvGrpSpPr>
@@ -3442,9 +3957,11 @@
       <p:sp>
         <p:nvSpPr>
           <p:cNvPr id="42" name="Shape 42"/>
-          <p:cNvSpPr txBox="1"/>
+          <p:cNvSpPr txBox="1">
+            <a:spLocks noGrp="1"/>
+          </p:cNvSpPr>
           <p:nvPr>
-            <p:ph idx="1" type="body"/>
+            <p:ph type="body" idx="1"/>
           </p:nvPr>
         </p:nvSpPr>
         <p:spPr>
@@ -3457,7 +3974,7 @@
           </a:prstGeom>
         </p:spPr>
         <p:txBody>
-          <a:bodyPr anchorCtr="0" anchor="ctr" bIns="91425" lIns="91425" rIns="91425" tIns="91425"/>
+          <a:bodyPr lIns="91425" tIns="91425" rIns="91425" bIns="91425" anchor="ctr" anchorCtr="0"/>
           <a:lstStyle>
             <a:lvl1pPr lvl="0">
               <a:lnSpc>
@@ -3473,15 +3990,19 @@
               <a:defRPr/>
             </a:lvl1pPr>
           </a:lstStyle>
-          <a:p/>
+          <a:p>
+            <a:endParaRPr/>
+          </a:p>
         </p:txBody>
       </p:sp>
       <p:sp>
         <p:nvSpPr>
           <p:cNvPr id="43" name="Shape 43"/>
-          <p:cNvSpPr txBox="1"/>
+          <p:cNvSpPr txBox="1">
+            <a:spLocks noGrp="1"/>
+          </p:cNvSpPr>
           <p:nvPr>
-            <p:ph idx="12" type="sldNum"/>
+            <p:ph type="sldNum" idx="12"/>
           </p:nvPr>
         </p:nvSpPr>
         <p:spPr>
@@ -3494,7 +4015,7 @@
           </a:prstGeom>
         </p:spPr>
         <p:txBody>
-          <a:bodyPr anchorCtr="0" anchor="ctr" bIns="91425" lIns="91425" rIns="91425" tIns="91425">
+          <a:bodyPr lIns="91425" tIns="91425" rIns="91425" bIns="91425" anchor="ctr" anchorCtr="0">
             <a:noAutofit/>
           </a:bodyPr>
           <a:lstStyle/>
@@ -3509,6 +4030,7 @@
               <a:rPr lang="en"/>
               <a:t>‹#›</a:t>
             </a:fld>
+            <a:endParaRPr lang="en"/>
           </a:p>
         </p:txBody>
       </p:sp>
@@ -3521,18 +4043,19 @@
 </file>
 
 <file path=ppt/slideMasters/slideMaster1.xml><?xml version="1.0" encoding="utf-8"?>
-<p:sldMaster xmlns:a="http://schemas.openxmlformats.org/drawingml/2006/main" xmlns:r="http://schemas.openxmlformats.org/officeDocument/2006/relationships" xmlns:mc="http://schemas.openxmlformats.org/markup-compatibility/2006" xmlns:mv="urn:schemas-microsoft-com:mac:vml" xmlns:p="http://schemas.openxmlformats.org/presentationml/2006/main" xmlns:c="http://schemas.openxmlformats.org/drawingml/2006/chart" xmlns:dgm="http://schemas.openxmlformats.org/drawingml/2006/diagram" xmlns:o="urn:schemas-microsoft-com:office:office" xmlns:v="urn:schemas-microsoft-com:vml" xmlns:pvml="urn:schemas-microsoft-com:office:powerpoint" xmlns:com="http://schemas.openxmlformats.org/drawingml/2006/compatibility" xmlns:p14="http://schemas.microsoft.com/office/powerpoint/2010/main">
+<p:sldMaster xmlns:a="http://schemas.openxmlformats.org/drawingml/2006/main" xmlns:r="http://schemas.openxmlformats.org/officeDocument/2006/relationships" xmlns:p="http://schemas.openxmlformats.org/presentationml/2006/main">
   <p:cSld>
     <p:bg>
       <p:bgPr>
         <a:solidFill>
           <a:schemeClr val="lt1"/>
         </a:solidFill>
+        <a:effectLst/>
       </p:bgPr>
     </p:bg>
     <p:spTree>
       <p:nvGrpSpPr>
-        <p:cNvPr id="5" name="Shape 5"/>
+        <p:cNvPr id="1" name="Shape 5"/>
         <p:cNvGrpSpPr/>
         <p:nvPr/>
       </p:nvGrpSpPr>
@@ -3547,7 +4070,9 @@
       <p:sp>
         <p:nvSpPr>
           <p:cNvPr id="6" name="Shape 6"/>
-          <p:cNvSpPr txBox="1"/>
+          <p:cNvSpPr txBox="1">
+            <a:spLocks noGrp="1"/>
+          </p:cNvSpPr>
           <p:nvPr>
             <p:ph type="title"/>
           </p:nvPr>
@@ -3566,7 +4091,7 @@
           </a:ln>
         </p:spPr>
         <p:txBody>
-          <a:bodyPr anchorCtr="0" anchor="t" bIns="91425" lIns="91425" rIns="91425" tIns="91425"/>
+          <a:bodyPr lIns="91425" tIns="91425" rIns="91425" bIns="91425" anchor="t" anchorCtr="0"/>
           <a:lstStyle>
             <a:lvl1pPr lvl="0">
               <a:spcBef>
@@ -3704,15 +4229,19 @@
               </a:defRPr>
             </a:lvl9pPr>
           </a:lstStyle>
-          <a:p/>
+          <a:p>
+            <a:endParaRPr/>
+          </a:p>
         </p:txBody>
       </p:sp>
       <p:sp>
         <p:nvSpPr>
           <p:cNvPr id="7" name="Shape 7"/>
-          <p:cNvSpPr txBox="1"/>
+          <p:cNvSpPr txBox="1">
+            <a:spLocks noGrp="1"/>
+          </p:cNvSpPr>
           <p:nvPr>
-            <p:ph idx="1" type="body"/>
+            <p:ph type="body" idx="1"/>
           </p:nvPr>
         </p:nvSpPr>
         <p:spPr>
@@ -3729,7 +4258,7 @@
           </a:ln>
         </p:spPr>
         <p:txBody>
-          <a:bodyPr anchorCtr="0" anchor="t" bIns="91425" lIns="91425" rIns="91425" tIns="91425"/>
+          <a:bodyPr lIns="91425" tIns="91425" rIns="91425" bIns="91425" anchor="t" anchorCtr="0"/>
           <a:lstStyle>
             <a:lvl1pPr lvl="0">
               <a:lnSpc>
@@ -3904,15 +4433,19 @@
               </a:defRPr>
             </a:lvl9pPr>
           </a:lstStyle>
-          <a:p/>
+          <a:p>
+            <a:endParaRPr/>
+          </a:p>
         </p:txBody>
       </p:sp>
       <p:sp>
         <p:nvSpPr>
           <p:cNvPr id="8" name="Shape 8"/>
-          <p:cNvSpPr txBox="1"/>
+          <p:cNvSpPr txBox="1">
+            <a:spLocks noGrp="1"/>
+          </p:cNvSpPr>
           <p:nvPr>
-            <p:ph idx="12" type="sldNum"/>
+            <p:ph type="sldNum" idx="12"/>
           </p:nvPr>
         </p:nvSpPr>
         <p:spPr>
@@ -3929,7 +4462,7 @@
           </a:ln>
         </p:spPr>
         <p:txBody>
-          <a:bodyPr anchorCtr="0" anchor="ctr" bIns="91425" lIns="91425" rIns="91425" tIns="91425">
+          <a:bodyPr lIns="91425" tIns="91425" rIns="91425" bIns="91425" anchor="ctr" anchorCtr="0">
             <a:noAutofit/>
           </a:bodyPr>
           <a:lstStyle/>
@@ -3948,12 +4481,17 @@
               </a:rPr>
               <a:t>‹#›</a:t>
             </a:fld>
+            <a:endParaRPr lang="en" sz="1000">
+              <a:solidFill>
+                <a:schemeClr val="dk2"/>
+              </a:solidFill>
+            </a:endParaRPr>
           </a:p>
         </p:txBody>
       </p:sp>
     </p:spTree>
   </p:cSld>
-  <p:clrMap accent1="accent1" accent2="accent2" accent3="accent3" accent4="accent4" accent5="accent5" accent6="accent6" bg1="lt1" bg2="dk2" tx1="dk1" tx2="lt2" folHlink="folHlink" hlink="hlink"/>
+  <p:clrMap bg1="lt1" tx1="dk1" bg2="dk2" tx2="lt2" accent1="accent1" accent2="accent2" accent3="accent3" accent4="accent4" accent5="accent5" accent6="accent6" hlink="hlink" folHlink="folHlink"/>
   <p:sldLayoutIdLst>
     <p:sldLayoutId id="2147483648" r:id="rId1"/>
     <p:sldLayoutId id="2147483649" r:id="rId2"/>
@@ -3967,10 +4505,10 @@
     <p:sldLayoutId id="2147483657" r:id="rId10"/>
     <p:sldLayoutId id="2147483658" r:id="rId11"/>
   </p:sldLayoutIdLst>
-  <p:hf dt="0" ftr="0" hdr="0" sldNum="0"/>
+  <p:hf sldNum="0" hdr="0" ftr="0" dt="0"/>
   <p:txStyles>
     <p:titleStyle>
-      <a:defPPr lvl="0" marR="0" rtl="0" algn="l">
+      <a:defPPr marR="0" lvl="0" algn="l" rtl="0">
         <a:lnSpc>
           <a:spcPct val="100000"/>
         </a:lnSpc>
@@ -3981,7 +4519,7 @@
           <a:spcPts val="0"/>
         </a:spcAft>
       </a:defPPr>
-      <a:lvl1pPr lvl="0" marR="0" rtl="0" algn="l">
+      <a:lvl1pPr marR="0" lvl="0" algn="l" rtl="0">
         <a:lnSpc>
           <a:spcPct val="100000"/>
         </a:lnSpc>
@@ -3992,7 +4530,7 @@
           <a:spcPts val="0"/>
         </a:spcAft>
         <a:buNone/>
-        <a:defRPr b="0" i="0" sz="1400" u="none" cap="none" strike="noStrike">
+        <a:defRPr sz="1400" b="0" i="0" u="none" strike="noStrike" cap="none">
           <a:solidFill>
             <a:srgbClr val="000000"/>
           </a:solidFill>
@@ -4004,7 +4542,7 @@
       </a:lvl1pPr>
     </p:titleStyle>
     <p:bodyStyle>
-      <a:defPPr lvl="0" marR="0" rtl="0" algn="l">
+      <a:defPPr marR="0" lvl="0" algn="l" rtl="0">
         <a:lnSpc>
           <a:spcPct val="100000"/>
         </a:lnSpc>
@@ -4015,7 +4553,7 @@
           <a:spcPts val="0"/>
         </a:spcAft>
       </a:defPPr>
-      <a:lvl1pPr lvl="0" marR="0" rtl="0" algn="l">
+      <a:lvl1pPr marR="0" lvl="0" algn="l" rtl="0">
         <a:lnSpc>
           <a:spcPct val="100000"/>
         </a:lnSpc>
@@ -4026,7 +4564,7 @@
           <a:spcPts val="0"/>
         </a:spcAft>
         <a:buNone/>
-        <a:defRPr b="0" i="0" sz="1400" u="none" cap="none" strike="noStrike">
+        <a:defRPr sz="1400" b="0" i="0" u="none" strike="noStrike" cap="none">
           <a:solidFill>
             <a:srgbClr val="000000"/>
           </a:solidFill>
@@ -4036,7 +4574,7 @@
           <a:sym typeface="Arial"/>
         </a:defRPr>
       </a:lvl1pPr>
-      <a:lvl2pPr lvl="1" marR="0" rtl="0" algn="l">
+      <a:lvl2pPr marR="0" lvl="1" algn="l" rtl="0">
         <a:lnSpc>
           <a:spcPct val="100000"/>
         </a:lnSpc>
@@ -4047,7 +4585,7 @@
           <a:spcPts val="0"/>
         </a:spcAft>
         <a:buNone/>
-        <a:defRPr b="0" i="0" sz="1400" u="none" cap="none" strike="noStrike">
+        <a:defRPr sz="1400" b="0" i="0" u="none" strike="noStrike" cap="none">
           <a:solidFill>
             <a:srgbClr val="000000"/>
           </a:solidFill>
@@ -4057,7 +4595,7 @@
           <a:sym typeface="Arial"/>
         </a:defRPr>
       </a:lvl2pPr>
-      <a:lvl3pPr lvl="2" marR="0" rtl="0" algn="l">
+      <a:lvl3pPr marR="0" lvl="2" algn="l" rtl="0">
         <a:lnSpc>
           <a:spcPct val="100000"/>
         </a:lnSpc>
@@ -4068,7 +4606,7 @@
           <a:spcPts val="0"/>
         </a:spcAft>
         <a:buNone/>
-        <a:defRPr b="0" i="0" sz="1400" u="none" cap="none" strike="noStrike">
+        <a:defRPr sz="1400" b="0" i="0" u="none" strike="noStrike" cap="none">
           <a:solidFill>
             <a:srgbClr val="000000"/>
           </a:solidFill>
@@ -4078,7 +4616,7 @@
           <a:sym typeface="Arial"/>
         </a:defRPr>
       </a:lvl3pPr>
-      <a:lvl4pPr lvl="3" marR="0" rtl="0" algn="l">
+      <a:lvl4pPr marR="0" lvl="3" algn="l" rtl="0">
         <a:lnSpc>
           <a:spcPct val="100000"/>
         </a:lnSpc>
@@ -4089,7 +4627,7 @@
           <a:spcPts val="0"/>
         </a:spcAft>
         <a:buNone/>
-        <a:defRPr b="0" i="0" sz="1400" u="none" cap="none" strike="noStrike">
+        <a:defRPr sz="1400" b="0" i="0" u="none" strike="noStrike" cap="none">
           <a:solidFill>
             <a:srgbClr val="000000"/>
           </a:solidFill>
@@ -4099,7 +4637,7 @@
           <a:sym typeface="Arial"/>
         </a:defRPr>
       </a:lvl4pPr>
-      <a:lvl5pPr lvl="4" marR="0" rtl="0" algn="l">
+      <a:lvl5pPr marR="0" lvl="4" algn="l" rtl="0">
         <a:lnSpc>
           <a:spcPct val="100000"/>
         </a:lnSpc>
@@ -4110,7 +4648,7 @@
           <a:spcPts val="0"/>
         </a:spcAft>
         <a:buNone/>
-        <a:defRPr b="0" i="0" sz="1400" u="none" cap="none" strike="noStrike">
+        <a:defRPr sz="1400" b="0" i="0" u="none" strike="noStrike" cap="none">
           <a:solidFill>
             <a:srgbClr val="000000"/>
           </a:solidFill>
@@ -4120,7 +4658,7 @@
           <a:sym typeface="Arial"/>
         </a:defRPr>
       </a:lvl5pPr>
-      <a:lvl6pPr lvl="5" marR="0" rtl="0" algn="l">
+      <a:lvl6pPr marR="0" lvl="5" algn="l" rtl="0">
         <a:lnSpc>
           <a:spcPct val="100000"/>
         </a:lnSpc>
@@ -4131,7 +4669,7 @@
           <a:spcPts val="0"/>
         </a:spcAft>
         <a:buNone/>
-        <a:defRPr b="0" i="0" sz="1400" u="none" cap="none" strike="noStrike">
+        <a:defRPr sz="1400" b="0" i="0" u="none" strike="noStrike" cap="none">
           <a:solidFill>
             <a:srgbClr val="000000"/>
           </a:solidFill>
@@ -4141,7 +4679,7 @@
           <a:sym typeface="Arial"/>
         </a:defRPr>
       </a:lvl6pPr>
-      <a:lvl7pPr lvl="6" marR="0" rtl="0" algn="l">
+      <a:lvl7pPr marR="0" lvl="6" algn="l" rtl="0">
         <a:lnSpc>
           <a:spcPct val="100000"/>
         </a:lnSpc>
@@ -4152,7 +4690,7 @@
           <a:spcPts val="0"/>
         </a:spcAft>
         <a:buNone/>
-        <a:defRPr b="0" i="0" sz="1400" u="none" cap="none" strike="noStrike">
+        <a:defRPr sz="1400" b="0" i="0" u="none" strike="noStrike" cap="none">
           <a:solidFill>
             <a:srgbClr val="000000"/>
           </a:solidFill>
@@ -4162,7 +4700,7 @@
           <a:sym typeface="Arial"/>
         </a:defRPr>
       </a:lvl7pPr>
-      <a:lvl8pPr lvl="7" marR="0" rtl="0" algn="l">
+      <a:lvl8pPr marR="0" lvl="7" algn="l" rtl="0">
         <a:lnSpc>
           <a:spcPct val="100000"/>
         </a:lnSpc>
@@ -4173,7 +4711,7 @@
           <a:spcPts val="0"/>
         </a:spcAft>
         <a:buNone/>
-        <a:defRPr b="0" i="0" sz="1400" u="none" cap="none" strike="noStrike">
+        <a:defRPr sz="1400" b="0" i="0" u="none" strike="noStrike" cap="none">
           <a:solidFill>
             <a:srgbClr val="000000"/>
           </a:solidFill>
@@ -4183,7 +4721,7 @@
           <a:sym typeface="Arial"/>
         </a:defRPr>
       </a:lvl8pPr>
-      <a:lvl9pPr lvl="8" marR="0" rtl="0" algn="l">
+      <a:lvl9pPr marR="0" lvl="8" algn="l" rtl="0">
         <a:lnSpc>
           <a:spcPct val="100000"/>
         </a:lnSpc>
@@ -4194,7 +4732,7 @@
           <a:spcPts val="0"/>
         </a:spcAft>
         <a:buNone/>
-        <a:defRPr b="0" i="0" sz="1400" u="none" cap="none" strike="noStrike">
+        <a:defRPr sz="1400" b="0" i="0" u="none" strike="noStrike" cap="none">
           <a:solidFill>
             <a:srgbClr val="000000"/>
           </a:solidFill>
@@ -4206,7 +4744,7 @@
       </a:lvl9pPr>
     </p:bodyStyle>
     <p:otherStyle>
-      <a:defPPr lvl="0" marR="0" rtl="0" algn="l">
+      <a:defPPr marR="0" lvl="0" algn="l" rtl="0">
         <a:lnSpc>
           <a:spcPct val="100000"/>
         </a:lnSpc>
@@ -4217,7 +4755,7 @@
           <a:spcPts val="0"/>
         </a:spcAft>
       </a:defPPr>
-      <a:lvl1pPr lvl="0" marR="0" rtl="0" algn="l">
+      <a:lvl1pPr marR="0" lvl="0" algn="l" rtl="0">
         <a:lnSpc>
           <a:spcPct val="100000"/>
         </a:lnSpc>
@@ -4228,7 +4766,7 @@
           <a:spcPts val="0"/>
         </a:spcAft>
         <a:buNone/>
-        <a:defRPr b="0" i="0" sz="1400" u="none" cap="none" strike="noStrike">
+        <a:defRPr sz="1400" b="0" i="0" u="none" strike="noStrike" cap="none">
           <a:solidFill>
             <a:srgbClr val="000000"/>
           </a:solidFill>
@@ -4238,7 +4776,7 @@
           <a:sym typeface="Arial"/>
         </a:defRPr>
       </a:lvl1pPr>
-      <a:lvl2pPr lvl="1" marR="0" rtl="0" algn="l">
+      <a:lvl2pPr marR="0" lvl="1" algn="l" rtl="0">
         <a:lnSpc>
           <a:spcPct val="100000"/>
         </a:lnSpc>
@@ -4249,7 +4787,7 @@
           <a:spcPts val="0"/>
         </a:spcAft>
         <a:buNone/>
-        <a:defRPr b="0" i="0" sz="1400" u="none" cap="none" strike="noStrike">
+        <a:defRPr sz="1400" b="0" i="0" u="none" strike="noStrike" cap="none">
           <a:solidFill>
             <a:srgbClr val="000000"/>
           </a:solidFill>
@@ -4259,7 +4797,7 @@
           <a:sym typeface="Arial"/>
         </a:defRPr>
       </a:lvl2pPr>
-      <a:lvl3pPr lvl="2" marR="0" rtl="0" algn="l">
+      <a:lvl3pPr marR="0" lvl="2" algn="l" rtl="0">
         <a:lnSpc>
           <a:spcPct val="100000"/>
         </a:lnSpc>
@@ -4270,7 +4808,7 @@
           <a:spcPts val="0"/>
         </a:spcAft>
         <a:buNone/>
-        <a:defRPr b="0" i="0" sz="1400" u="none" cap="none" strike="noStrike">
+        <a:defRPr sz="1400" b="0" i="0" u="none" strike="noStrike" cap="none">
           <a:solidFill>
             <a:srgbClr val="000000"/>
           </a:solidFill>
@@ -4280,7 +4818,7 @@
           <a:sym typeface="Arial"/>
         </a:defRPr>
       </a:lvl3pPr>
-      <a:lvl4pPr lvl="3" marR="0" rtl="0" algn="l">
+      <a:lvl4pPr marR="0" lvl="3" algn="l" rtl="0">
         <a:lnSpc>
           <a:spcPct val="100000"/>
         </a:lnSpc>
@@ -4291,7 +4829,7 @@
           <a:spcPts val="0"/>
         </a:spcAft>
         <a:buNone/>
-        <a:defRPr b="0" i="0" sz="1400" u="none" cap="none" strike="noStrike">
+        <a:defRPr sz="1400" b="0" i="0" u="none" strike="noStrike" cap="none">
           <a:solidFill>
             <a:srgbClr val="000000"/>
           </a:solidFill>
@@ -4301,7 +4839,7 @@
           <a:sym typeface="Arial"/>
         </a:defRPr>
       </a:lvl4pPr>
-      <a:lvl5pPr lvl="4" marR="0" rtl="0" algn="l">
+      <a:lvl5pPr marR="0" lvl="4" algn="l" rtl="0">
         <a:lnSpc>
           <a:spcPct val="100000"/>
         </a:lnSpc>
@@ -4312,7 +4850,7 @@
           <a:spcPts val="0"/>
         </a:spcAft>
         <a:buNone/>
-        <a:defRPr b="0" i="0" sz="1400" u="none" cap="none" strike="noStrike">
+        <a:defRPr sz="1400" b="0" i="0" u="none" strike="noStrike" cap="none">
           <a:solidFill>
             <a:srgbClr val="000000"/>
           </a:solidFill>
@@ -4322,7 +4860,7 @@
           <a:sym typeface="Arial"/>
         </a:defRPr>
       </a:lvl5pPr>
-      <a:lvl6pPr lvl="5" marR="0" rtl="0" algn="l">
+      <a:lvl6pPr marR="0" lvl="5" algn="l" rtl="0">
         <a:lnSpc>
           <a:spcPct val="100000"/>
         </a:lnSpc>
@@ -4333,7 +4871,7 @@
           <a:spcPts val="0"/>
         </a:spcAft>
         <a:buNone/>
-        <a:defRPr b="0" i="0" sz="1400" u="none" cap="none" strike="noStrike">
+        <a:defRPr sz="1400" b="0" i="0" u="none" strike="noStrike" cap="none">
           <a:solidFill>
             <a:srgbClr val="000000"/>
           </a:solidFill>
@@ -4343,7 +4881,7 @@
           <a:sym typeface="Arial"/>
         </a:defRPr>
       </a:lvl6pPr>
-      <a:lvl7pPr lvl="6" marR="0" rtl="0" algn="l">
+      <a:lvl7pPr marR="0" lvl="6" algn="l" rtl="0">
         <a:lnSpc>
           <a:spcPct val="100000"/>
         </a:lnSpc>
@@ -4354,7 +4892,7 @@
           <a:spcPts val="0"/>
         </a:spcAft>
         <a:buNone/>
-        <a:defRPr b="0" i="0" sz="1400" u="none" cap="none" strike="noStrike">
+        <a:defRPr sz="1400" b="0" i="0" u="none" strike="noStrike" cap="none">
           <a:solidFill>
             <a:srgbClr val="000000"/>
           </a:solidFill>
@@ -4364,7 +4902,7 @@
           <a:sym typeface="Arial"/>
         </a:defRPr>
       </a:lvl7pPr>
-      <a:lvl8pPr lvl="7" marR="0" rtl="0" algn="l">
+      <a:lvl8pPr marR="0" lvl="7" algn="l" rtl="0">
         <a:lnSpc>
           <a:spcPct val="100000"/>
         </a:lnSpc>
@@ -4375,7 +4913,7 @@
           <a:spcPts val="0"/>
         </a:spcAft>
         <a:buNone/>
-        <a:defRPr b="0" i="0" sz="1400" u="none" cap="none" strike="noStrike">
+        <a:defRPr sz="1400" b="0" i="0" u="none" strike="noStrike" cap="none">
           <a:solidFill>
             <a:srgbClr val="000000"/>
           </a:solidFill>
@@ -4385,7 +4923,7 @@
           <a:sym typeface="Arial"/>
         </a:defRPr>
       </a:lvl8pPr>
-      <a:lvl9pPr lvl="8" marR="0" rtl="0" algn="l">
+      <a:lvl9pPr marR="0" lvl="8" algn="l" rtl="0">
         <a:lnSpc>
           <a:spcPct val="100000"/>
         </a:lnSpc>
@@ -4396,7 +4934,7 @@
           <a:spcPts val="0"/>
         </a:spcAft>
         <a:buNone/>
-        <a:defRPr b="0" i="0" sz="1400" u="none" cap="none" strike="noStrike">
+        <a:defRPr sz="1400" b="0" i="0" u="none" strike="noStrike" cap="none">
           <a:solidFill>
             <a:srgbClr val="000000"/>
           </a:solidFill>
@@ -4412,11 +4950,11 @@
 </file>
 
 <file path=ppt/slides/slide1.xml><?xml version="1.0" encoding="utf-8"?>
-<p:sld xmlns:a="http://schemas.openxmlformats.org/drawingml/2006/main" xmlns:r="http://schemas.openxmlformats.org/officeDocument/2006/relationships" xmlns:mc="http://schemas.openxmlformats.org/markup-compatibility/2006" xmlns:mv="urn:schemas-microsoft-com:mac:vml" xmlns:p="http://schemas.openxmlformats.org/presentationml/2006/main" xmlns:c="http://schemas.openxmlformats.org/drawingml/2006/chart" xmlns:dgm="http://schemas.openxmlformats.org/drawingml/2006/diagram" xmlns:o="urn:schemas-microsoft-com:office:office" xmlns:v="urn:schemas-microsoft-com:vml" xmlns:pvml="urn:schemas-microsoft-com:office:powerpoint" xmlns:com="http://schemas.openxmlformats.org/drawingml/2006/compatibility" xmlns:p14="http://schemas.microsoft.com/office/powerpoint/2010/main">
+<p:sld xmlns:a="http://schemas.openxmlformats.org/drawingml/2006/main" xmlns:r="http://schemas.openxmlformats.org/officeDocument/2006/relationships" xmlns:p="http://schemas.openxmlformats.org/presentationml/2006/main">
   <p:cSld>
     <p:spTree>
       <p:nvGrpSpPr>
-        <p:cNvPr id="53" name="Shape 53"/>
+        <p:cNvPr id="1" name="Shape 53"/>
         <p:cNvGrpSpPr/>
         <p:nvPr/>
       </p:nvGrpSpPr>
@@ -4431,9 +4969,11 @@
       <p:sp>
         <p:nvSpPr>
           <p:cNvPr id="54" name="Shape 54"/>
-          <p:cNvSpPr txBox="1"/>
+          <p:cNvSpPr txBox="1">
+            <a:spLocks noGrp="1"/>
+          </p:cNvSpPr>
           <p:nvPr>
-            <p:ph idx="1" type="body"/>
+            <p:ph type="body" idx="1"/>
           </p:nvPr>
         </p:nvSpPr>
         <p:spPr>
@@ -4446,19 +4986,19 @@
           </a:prstGeom>
         </p:spPr>
         <p:txBody>
-          <a:bodyPr anchorCtr="0" anchor="t" bIns="91425" lIns="91425" rIns="91425" tIns="91425">
+          <a:bodyPr lIns="91425" tIns="91425" rIns="91425" bIns="91425" anchor="t" anchorCtr="0">
             <a:noAutofit/>
           </a:bodyPr>
           <a:lstStyle/>
           <a:p>
-            <a:pPr lvl="0" rtl="0" algn="ctr">
+            <a:pPr lvl="0" algn="ctr" rtl="0">
               <a:spcBef>
                 <a:spcPts val="0"/>
               </a:spcBef>
               <a:buNone/>
             </a:pPr>
             <a:r>
-              <a:rPr b="1" lang="en" sz="6000">
+              <a:rPr lang="en" sz="6000" b="1" dirty="0">
                 <a:latin typeface="Poiret One"/>
                 <a:ea typeface="Poiret One"/>
                 <a:cs typeface="Poiret One"/>
@@ -4475,7 +5015,7 @@
               <a:buNone/>
             </a:pPr>
             <a:r>
-              <a:rPr b="1" lang="en" sz="6000">
+              <a:rPr lang="en" sz="6000" b="1" dirty="0">
                 <a:latin typeface="Poiret One"/>
                 <a:ea typeface="Poiret One"/>
                 <a:cs typeface="Poiret One"/>
@@ -4494,12 +5034,570 @@
 </p:sld>
 </file>
 
-<file path=ppt/slides/slide2.xml><?xml version="1.0" encoding="utf-8"?>
-<p:sld xmlns:a="http://schemas.openxmlformats.org/drawingml/2006/main" xmlns:r="http://schemas.openxmlformats.org/officeDocument/2006/relationships" xmlns:mc="http://schemas.openxmlformats.org/markup-compatibility/2006" xmlns:mv="urn:schemas-microsoft-com:mac:vml" xmlns:p="http://schemas.openxmlformats.org/presentationml/2006/main" xmlns:c="http://schemas.openxmlformats.org/drawingml/2006/chart" xmlns:dgm="http://schemas.openxmlformats.org/drawingml/2006/diagram" xmlns:o="urn:schemas-microsoft-com:office:office" xmlns:v="urn:schemas-microsoft-com:vml" xmlns:pvml="urn:schemas-microsoft-com:office:powerpoint" xmlns:com="http://schemas.openxmlformats.org/drawingml/2006/compatibility" xmlns:p14="http://schemas.microsoft.com/office/powerpoint/2010/main">
+<file path=ppt/slides/slide10.xml><?xml version="1.0" encoding="utf-8"?>
+<p:sld xmlns:a="http://schemas.openxmlformats.org/drawingml/2006/main" xmlns:r="http://schemas.openxmlformats.org/officeDocument/2006/relationships" xmlns:p="http://schemas.openxmlformats.org/presentationml/2006/main">
   <p:cSld>
     <p:spTree>
       <p:nvGrpSpPr>
-        <p:cNvPr id="58" name="Shape 58"/>
+        <p:cNvPr id="1" name=""/>
+        <p:cNvGrpSpPr/>
+        <p:nvPr/>
+      </p:nvGrpSpPr>
+      <p:grpSpPr>
+        <a:xfrm>
+          <a:off x="0" y="0"/>
+          <a:ext cx="0" cy="0"/>
+          <a:chOff x="0" y="0"/>
+          <a:chExt cx="0" cy="0"/>
+        </a:xfrm>
+      </p:grpSpPr>
+      <p:sp>
+        <p:nvSpPr>
+          <p:cNvPr id="2" name="标题 1"/>
+          <p:cNvSpPr>
+            <a:spLocks noGrp="1"/>
+          </p:cNvSpPr>
+          <p:nvPr>
+            <p:ph type="title"/>
+          </p:nvPr>
+        </p:nvSpPr>
+        <p:spPr>
+          <a:xfrm>
+            <a:off x="311700" y="4299178"/>
+            <a:ext cx="8520600" cy="572700"/>
+          </a:xfrm>
+        </p:spPr>
+        <p:txBody>
+          <a:bodyPr/>
+          <a:lstStyle/>
+          <a:p>
+            <a:pPr algn="ctr"/>
+            <a:r>
+              <a:rPr lang="en-US" altLang="zh-CN" sz="1800" dirty="0" smtClean="0">
+                <a:solidFill>
+                  <a:schemeClr val="bg2"/>
+                </a:solidFill>
+                <a:latin typeface="Poiret One" panose="020B0604020202020204" charset="0"/>
+                <a:ea typeface="Playfair Display"/>
+                <a:cs typeface="Playfair Display"/>
+                <a:sym typeface="Playfair Display"/>
+              </a:rPr>
+              <a:t>Can VR to be a Daily device?</a:t>
+            </a:r>
+            <a:endParaRPr lang="zh-CN" altLang="en-US" sz="1800" dirty="0">
+              <a:solidFill>
+                <a:schemeClr val="bg2"/>
+              </a:solidFill>
+            </a:endParaRPr>
+          </a:p>
+        </p:txBody>
+      </p:sp>
+      <p:pic>
+        <p:nvPicPr>
+          <p:cNvPr id="6" name="图片 5"/>
+          <p:cNvPicPr>
+            <a:picLocks noChangeAspect="1"/>
+          </p:cNvPicPr>
+          <p:nvPr/>
+        </p:nvPicPr>
+        <p:blipFill>
+          <a:blip r:embed="rId3">
+            <a:extLst>
+              <a:ext uri="{28A0092B-C50C-407E-A947-70E740481C1C}">
+                <a14:useLocalDpi xmlns:a14="http://schemas.microsoft.com/office/drawing/2010/main" val="0"/>
+              </a:ext>
+            </a:extLst>
+          </a:blip>
+          <a:stretch>
+            <a:fillRect/>
+          </a:stretch>
+        </p:blipFill>
+        <p:spPr>
+          <a:xfrm>
+            <a:off x="1162050" y="213360"/>
+            <a:ext cx="6819900" cy="3836194"/>
+          </a:xfrm>
+          <a:prstGeom prst="rect">
+            <a:avLst/>
+          </a:prstGeom>
+        </p:spPr>
+      </p:pic>
+    </p:spTree>
+    <p:extLst>
+      <p:ext uri="{BB962C8B-B14F-4D97-AF65-F5344CB8AC3E}">
+        <p14:creationId xmlns:p14="http://schemas.microsoft.com/office/powerpoint/2010/main" val="3356753814"/>
+      </p:ext>
+    </p:extLst>
+  </p:cSld>
+  <p:clrMapOvr>
+    <a:masterClrMapping/>
+  </p:clrMapOvr>
+</p:sld>
+</file>
+
+<file path=ppt/slides/slide11.xml><?xml version="1.0" encoding="utf-8"?>
+<p:sld xmlns:a="http://schemas.openxmlformats.org/drawingml/2006/main" xmlns:r="http://schemas.openxmlformats.org/officeDocument/2006/relationships" xmlns:p="http://schemas.openxmlformats.org/presentationml/2006/main">
+  <p:cSld>
+    <p:spTree>
+      <p:nvGrpSpPr>
+        <p:cNvPr id="1" name=""/>
+        <p:cNvGrpSpPr/>
+        <p:nvPr/>
+      </p:nvGrpSpPr>
+      <p:grpSpPr>
+        <a:xfrm>
+          <a:off x="0" y="0"/>
+          <a:ext cx="0" cy="0"/>
+          <a:chOff x="0" y="0"/>
+          <a:chExt cx="0" cy="0"/>
+        </a:xfrm>
+      </p:grpSpPr>
+      <p:pic>
+        <p:nvPicPr>
+          <p:cNvPr id="3" name="图片 2"/>
+          <p:cNvPicPr>
+            <a:picLocks noChangeAspect="1"/>
+          </p:cNvPicPr>
+          <p:nvPr/>
+        </p:nvPicPr>
+        <p:blipFill>
+          <a:blip r:embed="rId2">
+            <a:extLst>
+              <a:ext uri="{28A0092B-C50C-407E-A947-70E740481C1C}">
+                <a14:useLocalDpi xmlns:a14="http://schemas.microsoft.com/office/drawing/2010/main" val="0"/>
+              </a:ext>
+            </a:extLst>
+          </a:blip>
+          <a:stretch>
+            <a:fillRect/>
+          </a:stretch>
+        </p:blipFill>
+        <p:spPr>
+          <a:xfrm>
+            <a:off x="1189891" y="354603"/>
+            <a:ext cx="6764219" cy="3750631"/>
+          </a:xfrm>
+          <a:prstGeom prst="rect">
+            <a:avLst/>
+          </a:prstGeom>
+        </p:spPr>
+      </p:pic>
+      <p:sp>
+        <p:nvSpPr>
+          <p:cNvPr id="4" name="标题 1"/>
+          <p:cNvSpPr>
+            <a:spLocks noGrp="1"/>
+          </p:cNvSpPr>
+          <p:nvPr>
+            <p:ph type="title"/>
+          </p:nvPr>
+        </p:nvSpPr>
+        <p:spPr>
+          <a:xfrm>
+            <a:off x="311700" y="4299178"/>
+            <a:ext cx="8520600" cy="572700"/>
+          </a:xfrm>
+        </p:spPr>
+        <p:txBody>
+          <a:bodyPr/>
+          <a:lstStyle/>
+          <a:p>
+            <a:pPr algn="ctr"/>
+            <a:r>
+              <a:rPr lang="en" altLang="zh-CN" sz="1800" dirty="0" smtClean="0">
+                <a:solidFill>
+                  <a:schemeClr val="bg2"/>
+                </a:solidFill>
+                <a:latin typeface="Poiret One" panose="020B0604020202020204" charset="0"/>
+                <a:ea typeface="Playfair Display"/>
+                <a:cs typeface="Playfair Display"/>
+                <a:sym typeface="Playfair Display"/>
+              </a:rPr>
+              <a:t>Setp1: </a:t>
+            </a:r>
+            <a:r>
+              <a:rPr lang="en-US" altLang="zh-CN" sz="1800" dirty="0">
+                <a:solidFill>
+                  <a:schemeClr val="bg2"/>
+                </a:solidFill>
+                <a:latin typeface="Poiret One" panose="020B0604020202020204" charset="0"/>
+                <a:ea typeface="Playfair Display"/>
+                <a:cs typeface="Playfair Display"/>
+                <a:sym typeface="Playfair Display"/>
+              </a:rPr>
+              <a:t>Choose stroke to build talisman.</a:t>
+            </a:r>
+            <a:endParaRPr lang="zh-CN" altLang="en-US" sz="1800" dirty="0">
+              <a:solidFill>
+                <a:schemeClr val="bg2"/>
+              </a:solidFill>
+            </a:endParaRPr>
+          </a:p>
+        </p:txBody>
+      </p:sp>
+    </p:spTree>
+    <p:extLst>
+      <p:ext uri="{BB962C8B-B14F-4D97-AF65-F5344CB8AC3E}">
+        <p14:creationId xmlns:p14="http://schemas.microsoft.com/office/powerpoint/2010/main" val="3026890293"/>
+      </p:ext>
+    </p:extLst>
+  </p:cSld>
+  <p:clrMapOvr>
+    <a:masterClrMapping/>
+  </p:clrMapOvr>
+</p:sld>
+</file>
+
+<file path=ppt/slides/slide12.xml><?xml version="1.0" encoding="utf-8"?>
+<p:sld xmlns:a="http://schemas.openxmlformats.org/drawingml/2006/main" xmlns:r="http://schemas.openxmlformats.org/officeDocument/2006/relationships" xmlns:p="http://schemas.openxmlformats.org/presentationml/2006/main">
+  <p:cSld>
+    <p:spTree>
+      <p:nvGrpSpPr>
+        <p:cNvPr id="1" name=""/>
+        <p:cNvGrpSpPr/>
+        <p:nvPr/>
+      </p:nvGrpSpPr>
+      <p:grpSpPr>
+        <a:xfrm>
+          <a:off x="0" y="0"/>
+          <a:ext cx="0" cy="0"/>
+          <a:chOff x="0" y="0"/>
+          <a:chExt cx="0" cy="0"/>
+        </a:xfrm>
+      </p:grpSpPr>
+      <p:sp>
+        <p:nvSpPr>
+          <p:cNvPr id="4" name="标题 1"/>
+          <p:cNvSpPr>
+            <a:spLocks noGrp="1"/>
+          </p:cNvSpPr>
+          <p:nvPr>
+            <p:ph type="title"/>
+          </p:nvPr>
+        </p:nvSpPr>
+        <p:spPr>
+          <a:xfrm>
+            <a:off x="311700" y="4299178"/>
+            <a:ext cx="8520600" cy="572700"/>
+          </a:xfrm>
+        </p:spPr>
+        <p:txBody>
+          <a:bodyPr/>
+          <a:lstStyle/>
+          <a:p>
+            <a:pPr algn="ctr"/>
+            <a:r>
+              <a:rPr lang="en" altLang="zh-CN" sz="1800" dirty="0" smtClean="0">
+                <a:solidFill>
+                  <a:schemeClr val="bg2"/>
+                </a:solidFill>
+                <a:latin typeface="Poiret One" panose="020B0604020202020204" charset="0"/>
+                <a:ea typeface="Playfair Display"/>
+                <a:cs typeface="Playfair Display"/>
+                <a:sym typeface="Playfair Display"/>
+              </a:rPr>
+              <a:t>Setp2: </a:t>
+            </a:r>
+            <a:r>
+              <a:rPr lang="en-US" altLang="zh-CN" sz="1800" dirty="0">
+                <a:solidFill>
+                  <a:schemeClr val="bg2"/>
+                </a:solidFill>
+                <a:latin typeface="Poiret One" panose="020B0604020202020204" charset="0"/>
+                <a:ea typeface="Playfair Display"/>
+                <a:cs typeface="Playfair Display"/>
+                <a:sym typeface="Playfair Display"/>
+              </a:rPr>
+              <a:t>Finalizing a talisman.</a:t>
+            </a:r>
+            <a:endParaRPr lang="zh-CN" altLang="en-US" sz="1800" dirty="0">
+              <a:solidFill>
+                <a:schemeClr val="bg2"/>
+              </a:solidFill>
+            </a:endParaRPr>
+          </a:p>
+        </p:txBody>
+      </p:sp>
+      <p:pic>
+        <p:nvPicPr>
+          <p:cNvPr id="6" name="图片 5"/>
+          <p:cNvPicPr>
+            <a:picLocks noChangeAspect="1"/>
+          </p:cNvPicPr>
+          <p:nvPr/>
+        </p:nvPicPr>
+        <p:blipFill>
+          <a:blip r:embed="rId2">
+            <a:extLst>
+              <a:ext uri="{28A0092B-C50C-407E-A947-70E740481C1C}">
+                <a14:useLocalDpi xmlns:a14="http://schemas.microsoft.com/office/drawing/2010/main" val="0"/>
+              </a:ext>
+            </a:extLst>
+          </a:blip>
+          <a:stretch>
+            <a:fillRect/>
+          </a:stretch>
+        </p:blipFill>
+        <p:spPr>
+          <a:xfrm>
+            <a:off x="1189891" y="354603"/>
+            <a:ext cx="6764219" cy="3760330"/>
+          </a:xfrm>
+          <a:prstGeom prst="rect">
+            <a:avLst/>
+          </a:prstGeom>
+        </p:spPr>
+      </p:pic>
+    </p:spTree>
+    <p:extLst>
+      <p:ext uri="{BB962C8B-B14F-4D97-AF65-F5344CB8AC3E}">
+        <p14:creationId xmlns:p14="http://schemas.microsoft.com/office/powerpoint/2010/main" val="1598243019"/>
+      </p:ext>
+    </p:extLst>
+  </p:cSld>
+  <p:clrMapOvr>
+    <a:masterClrMapping/>
+  </p:clrMapOvr>
+</p:sld>
+</file>
+
+<file path=ppt/slides/slide13.xml><?xml version="1.0" encoding="utf-8"?>
+<p:sld xmlns:a="http://schemas.openxmlformats.org/drawingml/2006/main" xmlns:r="http://schemas.openxmlformats.org/officeDocument/2006/relationships" xmlns:p="http://schemas.openxmlformats.org/presentationml/2006/main">
+  <p:cSld>
+    <p:spTree>
+      <p:nvGrpSpPr>
+        <p:cNvPr id="1" name=""/>
+        <p:cNvGrpSpPr/>
+        <p:nvPr/>
+      </p:nvGrpSpPr>
+      <p:grpSpPr>
+        <a:xfrm>
+          <a:off x="0" y="0"/>
+          <a:ext cx="0" cy="0"/>
+          <a:chOff x="0" y="0"/>
+          <a:chExt cx="0" cy="0"/>
+        </a:xfrm>
+      </p:grpSpPr>
+      <p:sp>
+        <p:nvSpPr>
+          <p:cNvPr id="4" name="标题 1"/>
+          <p:cNvSpPr>
+            <a:spLocks noGrp="1"/>
+          </p:cNvSpPr>
+          <p:nvPr>
+            <p:ph type="title"/>
+          </p:nvPr>
+        </p:nvSpPr>
+        <p:spPr>
+          <a:xfrm>
+            <a:off x="311700" y="4299178"/>
+            <a:ext cx="8520600" cy="572700"/>
+          </a:xfrm>
+        </p:spPr>
+        <p:txBody>
+          <a:bodyPr/>
+          <a:lstStyle/>
+          <a:p>
+            <a:pPr algn="ctr"/>
+            <a:r>
+              <a:rPr lang="en" altLang="zh-CN" sz="1800" dirty="0" smtClean="0">
+                <a:solidFill>
+                  <a:schemeClr val="bg2"/>
+                </a:solidFill>
+                <a:latin typeface="Poiret One" panose="020B0604020202020204" charset="0"/>
+                <a:ea typeface="Playfair Display"/>
+                <a:cs typeface="Playfair Display"/>
+                <a:sym typeface="Playfair Display"/>
+              </a:rPr>
+              <a:t>Setp3: </a:t>
+            </a:r>
+            <a:r>
+              <a:rPr lang="en-US" altLang="zh-CN" sz="1800" dirty="0">
+                <a:solidFill>
+                  <a:schemeClr val="bg2"/>
+                </a:solidFill>
+                <a:latin typeface="Poiret One" panose="020B0604020202020204" charset="0"/>
+                <a:ea typeface="Playfair Display"/>
+                <a:cs typeface="Playfair Display"/>
+                <a:sym typeface="Playfair Display"/>
+              </a:rPr>
+              <a:t>Pick the talisman up to </a:t>
+            </a:r>
+            <a:r>
+              <a:rPr lang="en-US" altLang="zh-CN" sz="1800" dirty="0" smtClean="0">
+                <a:solidFill>
+                  <a:schemeClr val="bg2"/>
+                </a:solidFill>
+                <a:latin typeface="Poiret One" panose="020B0604020202020204" charset="0"/>
+                <a:ea typeface="Playfair Display"/>
+                <a:cs typeface="Playfair Display"/>
+                <a:sym typeface="Playfair Display"/>
+              </a:rPr>
+              <a:t>against </a:t>
+            </a:r>
+            <a:r>
+              <a:rPr lang="en-US" altLang="zh-CN" sz="1800" dirty="0">
+                <a:solidFill>
+                  <a:schemeClr val="bg2"/>
+                </a:solidFill>
+                <a:latin typeface="Poiret One" panose="020B0604020202020204" charset="0"/>
+                <a:ea typeface="Playfair Display"/>
+                <a:cs typeface="Playfair Display"/>
+                <a:sym typeface="Playfair Display"/>
+              </a:rPr>
+              <a:t>the enemy!</a:t>
+            </a:r>
+            <a:endParaRPr lang="zh-CN" altLang="en-US" sz="1800" dirty="0">
+              <a:solidFill>
+                <a:schemeClr val="bg2"/>
+              </a:solidFill>
+            </a:endParaRPr>
+          </a:p>
+        </p:txBody>
+      </p:sp>
+      <p:pic>
+        <p:nvPicPr>
+          <p:cNvPr id="7" name="图片 6"/>
+          <p:cNvPicPr>
+            <a:picLocks noChangeAspect="1"/>
+          </p:cNvPicPr>
+          <p:nvPr/>
+        </p:nvPicPr>
+        <p:blipFill>
+          <a:blip r:embed="rId2">
+            <a:extLst>
+              <a:ext uri="{28A0092B-C50C-407E-A947-70E740481C1C}">
+                <a14:useLocalDpi xmlns:a14="http://schemas.microsoft.com/office/drawing/2010/main" val="0"/>
+              </a:ext>
+            </a:extLst>
+          </a:blip>
+          <a:stretch>
+            <a:fillRect/>
+          </a:stretch>
+        </p:blipFill>
+        <p:spPr>
+          <a:xfrm>
+            <a:off x="1189891" y="354603"/>
+            <a:ext cx="6764219" cy="3760330"/>
+          </a:xfrm>
+          <a:prstGeom prst="rect">
+            <a:avLst/>
+          </a:prstGeom>
+        </p:spPr>
+      </p:pic>
+    </p:spTree>
+    <p:extLst>
+      <p:ext uri="{BB962C8B-B14F-4D97-AF65-F5344CB8AC3E}">
+        <p14:creationId xmlns:p14="http://schemas.microsoft.com/office/powerpoint/2010/main" val="1147166173"/>
+      </p:ext>
+    </p:extLst>
+  </p:cSld>
+  <p:clrMapOvr>
+    <a:masterClrMapping/>
+  </p:clrMapOvr>
+</p:sld>
+</file>
+
+<file path=ppt/slides/slide14.xml><?xml version="1.0" encoding="utf-8"?>
+<p:sld xmlns:a="http://schemas.openxmlformats.org/drawingml/2006/main" xmlns:r="http://schemas.openxmlformats.org/officeDocument/2006/relationships" xmlns:p="http://schemas.openxmlformats.org/presentationml/2006/main">
+  <p:cSld>
+    <p:spTree>
+      <p:nvGrpSpPr>
+        <p:cNvPr id="1" name=""/>
+        <p:cNvGrpSpPr/>
+        <p:nvPr/>
+      </p:nvGrpSpPr>
+      <p:grpSpPr>
+        <a:xfrm>
+          <a:off x="0" y="0"/>
+          <a:ext cx="0" cy="0"/>
+          <a:chOff x="0" y="0"/>
+          <a:chExt cx="0" cy="0"/>
+        </a:xfrm>
+      </p:grpSpPr>
+      <p:sp>
+        <p:nvSpPr>
+          <p:cNvPr id="4" name="标题 1"/>
+          <p:cNvSpPr>
+            <a:spLocks noGrp="1"/>
+          </p:cNvSpPr>
+          <p:nvPr>
+            <p:ph type="title"/>
+          </p:nvPr>
+        </p:nvSpPr>
+        <p:spPr>
+          <a:xfrm>
+            <a:off x="311700" y="1802879"/>
+            <a:ext cx="8520600" cy="1537742"/>
+          </a:xfrm>
+        </p:spPr>
+        <p:txBody>
+          <a:bodyPr/>
+          <a:lstStyle/>
+          <a:p>
+            <a:pPr algn="ctr"/>
+            <a:r>
+              <a:rPr lang="en-US" altLang="zh-CN" sz="4000" dirty="0" smtClean="0">
+                <a:solidFill>
+                  <a:schemeClr val="bg2"/>
+                </a:solidFill>
+                <a:latin typeface="Poiret One" panose="020B0604020202020204" charset="0"/>
+                <a:ea typeface="Playfair Display"/>
+                <a:cs typeface="Playfair Display"/>
+                <a:sym typeface="Playfair Display"/>
+              </a:rPr>
+              <a:t>Thank You!</a:t>
+            </a:r>
+            <a:br>
+              <a:rPr lang="en-US" altLang="zh-CN" sz="4000" dirty="0" smtClean="0">
+                <a:solidFill>
+                  <a:schemeClr val="bg2"/>
+                </a:solidFill>
+                <a:latin typeface="Poiret One" panose="020B0604020202020204" charset="0"/>
+                <a:ea typeface="Playfair Display"/>
+                <a:cs typeface="Playfair Display"/>
+                <a:sym typeface="Playfair Display"/>
+              </a:rPr>
+            </a:br>
+            <a:r>
+              <a:rPr lang="en-US" altLang="zh-CN" sz="4000" dirty="0" smtClean="0">
+                <a:solidFill>
+                  <a:schemeClr val="bg2"/>
+                </a:solidFill>
+                <a:latin typeface="Poiret One" panose="020B0604020202020204" charset="0"/>
+                <a:ea typeface="Playfair Display"/>
+                <a:cs typeface="Playfair Display"/>
+                <a:sym typeface="Playfair Display"/>
+              </a:rPr>
+              <a:t>Welcome to have a Test!</a:t>
+            </a:r>
+            <a:endParaRPr lang="zh-CN" altLang="en-US" sz="4000" dirty="0">
+              <a:solidFill>
+                <a:schemeClr val="bg2"/>
+              </a:solidFill>
+            </a:endParaRPr>
+          </a:p>
+        </p:txBody>
+      </p:sp>
+    </p:spTree>
+    <p:extLst>
+      <p:ext uri="{BB962C8B-B14F-4D97-AF65-F5344CB8AC3E}">
+        <p14:creationId xmlns:p14="http://schemas.microsoft.com/office/powerpoint/2010/main" val="2657375000"/>
+      </p:ext>
+    </p:extLst>
+  </p:cSld>
+  <p:clrMapOvr>
+    <a:masterClrMapping/>
+  </p:clrMapOvr>
+</p:sld>
+</file>
+
+<file path=ppt/slides/slide2.xml><?xml version="1.0" encoding="utf-8"?>
+<p:sld xmlns:a="http://schemas.openxmlformats.org/drawingml/2006/main" xmlns:r="http://schemas.openxmlformats.org/officeDocument/2006/relationships" xmlns:p="http://schemas.openxmlformats.org/presentationml/2006/main">
+  <p:cSld>
+    <p:spTree>
+      <p:nvGrpSpPr>
+        <p:cNvPr id="1" name="Shape 58"/>
         <p:cNvGrpSpPr/>
         <p:nvPr/>
       </p:nvGrpSpPr>
@@ -4514,7 +5612,9 @@
       <p:sp>
         <p:nvSpPr>
           <p:cNvPr id="59" name="Shape 59"/>
-          <p:cNvSpPr txBox="1"/>
+          <p:cNvSpPr txBox="1">
+            <a:spLocks noGrp="1"/>
+          </p:cNvSpPr>
           <p:nvPr>
             <p:ph type="ctrTitle"/>
           </p:nvPr>
@@ -4529,7 +5629,7 @@
           </a:prstGeom>
         </p:spPr>
         <p:txBody>
-          <a:bodyPr anchorCtr="0" anchor="b" bIns="91425" lIns="91425" rIns="91425" tIns="91425">
+          <a:bodyPr lIns="91425" tIns="91425" rIns="91425" bIns="91425" anchor="b" anchorCtr="0">
             <a:noAutofit/>
           </a:bodyPr>
           <a:lstStyle/>
@@ -4541,7 +5641,7 @@
               <a:buNone/>
             </a:pPr>
             <a:r>
-              <a:rPr b="1" lang="en" sz="6000">
+              <a:rPr lang="en" sz="6000" b="1" dirty="0">
                 <a:latin typeface="Poiret One"/>
                 <a:ea typeface="Poiret One"/>
                 <a:cs typeface="Poiret One"/>
@@ -4554,7 +5654,7 @@
       </p:sp>
       <p:pic>
         <p:nvPicPr>
-          <p:cNvPr descr="Reimu.png" id="60" name="Shape 60"/>
+          <p:cNvPr id="60" name="Shape 60" descr="Reimu.png"/>
           <p:cNvPicPr preferRelativeResize="0"/>
           <p:nvPr/>
         </p:nvPicPr>
@@ -4589,11 +5689,11 @@
 </file>
 
 <file path=ppt/slides/slide3.xml><?xml version="1.0" encoding="utf-8"?>
-<p:sld xmlns:a="http://schemas.openxmlformats.org/drawingml/2006/main" xmlns:r="http://schemas.openxmlformats.org/officeDocument/2006/relationships" xmlns:mc="http://schemas.openxmlformats.org/markup-compatibility/2006" xmlns:mv="urn:schemas-microsoft-com:mac:vml" xmlns:p="http://schemas.openxmlformats.org/presentationml/2006/main" xmlns:c="http://schemas.openxmlformats.org/drawingml/2006/chart" xmlns:dgm="http://schemas.openxmlformats.org/drawingml/2006/diagram" xmlns:o="urn:schemas-microsoft-com:office:office" xmlns:v="urn:schemas-microsoft-com:vml" xmlns:pvml="urn:schemas-microsoft-com:office:powerpoint" xmlns:com="http://schemas.openxmlformats.org/drawingml/2006/compatibility" xmlns:p14="http://schemas.microsoft.com/office/powerpoint/2010/main">
+<p:sld xmlns:a="http://schemas.openxmlformats.org/drawingml/2006/main" xmlns:r="http://schemas.openxmlformats.org/officeDocument/2006/relationships" xmlns:p="http://schemas.openxmlformats.org/presentationml/2006/main">
   <p:cSld>
     <p:spTree>
       <p:nvGrpSpPr>
-        <p:cNvPr id="64" name="Shape 64"/>
+        <p:cNvPr id="1" name="Shape 64"/>
         <p:cNvGrpSpPr/>
         <p:nvPr/>
       </p:nvGrpSpPr>
@@ -4608,9 +5708,11 @@
       <p:sp>
         <p:nvSpPr>
           <p:cNvPr id="65" name="Shape 65"/>
-          <p:cNvSpPr txBox="1"/>
+          <p:cNvSpPr txBox="1">
+            <a:spLocks noGrp="1"/>
+          </p:cNvSpPr>
           <p:nvPr>
-            <p:ph idx="1" type="body"/>
+            <p:ph type="body" idx="1"/>
           </p:nvPr>
         </p:nvSpPr>
         <p:spPr>
@@ -4623,7 +5725,7 @@
           </a:prstGeom>
         </p:spPr>
         <p:txBody>
-          <a:bodyPr anchorCtr="0" anchor="t" bIns="91425" lIns="91425" rIns="91425" tIns="91425">
+          <a:bodyPr lIns="91425" tIns="91425" rIns="91425" bIns="91425" anchor="t" anchorCtr="0">
             <a:noAutofit/>
           </a:bodyPr>
           <a:lstStyle/>
@@ -4635,20 +5737,26 @@
               <a:buNone/>
             </a:pPr>
             <a:r>
-              <a:rPr lang="en">
-                <a:latin typeface="Playfair Display"/>
+              <a:rPr lang="en" dirty="0" smtClean="0">
+                <a:latin typeface="Poiret One" panose="020B0604020202020204" charset="0"/>
                 <a:ea typeface="Playfair Display"/>
                 <a:cs typeface="Playfair Display"/>
                 <a:sym typeface="Playfair Display"/>
               </a:rPr>
               <a:t>Reimu Hakurei is a greedy capitalist. </a:t>
             </a:r>
+            <a:endParaRPr lang="en" dirty="0">
+              <a:latin typeface="Poiret One" panose="020B0604020202020204" charset="0"/>
+              <a:ea typeface="Playfair Display"/>
+              <a:cs typeface="Playfair Display"/>
+              <a:sym typeface="Playfair Display"/>
+            </a:endParaRPr>
           </a:p>
         </p:txBody>
       </p:sp>
       <p:pic>
         <p:nvPicPr>
-          <p:cNvPr descr="Capitalist Reimu.png" id="66" name="Shape 66"/>
+          <p:cNvPr id="66" name="Shape 66" descr="Capitalist Reimu.png"/>
           <p:cNvPicPr preferRelativeResize="0"/>
           <p:nvPr/>
         </p:nvPicPr>
@@ -4683,11 +5791,11 @@
 </file>
 
 <file path=ppt/slides/slide4.xml><?xml version="1.0" encoding="utf-8"?>
-<p:sld xmlns:a="http://schemas.openxmlformats.org/drawingml/2006/main" xmlns:r="http://schemas.openxmlformats.org/officeDocument/2006/relationships" xmlns:mc="http://schemas.openxmlformats.org/markup-compatibility/2006" xmlns:mv="urn:schemas-microsoft-com:mac:vml" xmlns:p="http://schemas.openxmlformats.org/presentationml/2006/main" xmlns:c="http://schemas.openxmlformats.org/drawingml/2006/chart" xmlns:dgm="http://schemas.openxmlformats.org/drawingml/2006/diagram" xmlns:o="urn:schemas-microsoft-com:office:office" xmlns:v="urn:schemas-microsoft-com:vml" xmlns:pvml="urn:schemas-microsoft-com:office:powerpoint" xmlns:com="http://schemas.openxmlformats.org/drawingml/2006/compatibility" xmlns:p14="http://schemas.microsoft.com/office/powerpoint/2010/main">
+<p:sld xmlns:a="http://schemas.openxmlformats.org/drawingml/2006/main" xmlns:r="http://schemas.openxmlformats.org/officeDocument/2006/relationships" xmlns:p="http://schemas.openxmlformats.org/presentationml/2006/main">
   <p:cSld>
     <p:spTree>
       <p:nvGrpSpPr>
-        <p:cNvPr id="70" name="Shape 70"/>
+        <p:cNvPr id="1" name="Shape 70"/>
         <p:cNvGrpSpPr/>
         <p:nvPr/>
       </p:nvGrpSpPr>
@@ -4702,9 +5810,11 @@
       <p:sp>
         <p:nvSpPr>
           <p:cNvPr id="71" name="Shape 71"/>
-          <p:cNvSpPr txBox="1"/>
+          <p:cNvSpPr txBox="1">
+            <a:spLocks noGrp="1"/>
+          </p:cNvSpPr>
           <p:nvPr>
-            <p:ph idx="1" type="body"/>
+            <p:ph type="body" idx="1"/>
           </p:nvPr>
         </p:nvSpPr>
         <p:spPr>
@@ -4717,7 +5827,7 @@
           </a:prstGeom>
         </p:spPr>
         <p:txBody>
-          <a:bodyPr anchorCtr="0" anchor="t" bIns="91425" lIns="91425" rIns="91425" tIns="91425">
+          <a:bodyPr lIns="91425" tIns="91425" rIns="91425" bIns="91425" anchor="t" anchorCtr="0">
             <a:noAutofit/>
           </a:bodyPr>
           <a:lstStyle/>
@@ -4729,8 +5839,8 @@
               <a:buNone/>
             </a:pPr>
             <a:r>
-              <a:rPr lang="en">
-                <a:latin typeface="Playfair Display"/>
+              <a:rPr lang="en" dirty="0">
+                <a:latin typeface="Poiret One" panose="020B0604020202020204" charset="0"/>
                 <a:ea typeface="Playfair Display"/>
                 <a:cs typeface="Playfair Display"/>
                 <a:sym typeface="Playfair Display"/>
@@ -4742,7 +5852,7 @@
       </p:sp>
       <p:pic>
         <p:nvPicPr>
-          <p:cNvPr descr="Mokou.png" id="72" name="Shape 72"/>
+          <p:cNvPr id="72" name="Shape 72" descr="Mokou.png"/>
           <p:cNvPicPr preferRelativeResize="0"/>
           <p:nvPr/>
         </p:nvPicPr>
@@ -4777,11 +5887,11 @@
 </file>
 
 <file path=ppt/slides/slide5.xml><?xml version="1.0" encoding="utf-8"?>
-<p:sld xmlns:a="http://schemas.openxmlformats.org/drawingml/2006/main" xmlns:r="http://schemas.openxmlformats.org/officeDocument/2006/relationships" xmlns:mc="http://schemas.openxmlformats.org/markup-compatibility/2006" xmlns:mv="urn:schemas-microsoft-com:mac:vml" xmlns:p="http://schemas.openxmlformats.org/presentationml/2006/main" xmlns:c="http://schemas.openxmlformats.org/drawingml/2006/chart" xmlns:dgm="http://schemas.openxmlformats.org/drawingml/2006/diagram" xmlns:o="urn:schemas-microsoft-com:office:office" xmlns:v="urn:schemas-microsoft-com:vml" xmlns:pvml="urn:schemas-microsoft-com:office:powerpoint" xmlns:com="http://schemas.openxmlformats.org/drawingml/2006/compatibility" xmlns:p14="http://schemas.microsoft.com/office/powerpoint/2010/main">
+<p:sld xmlns:a="http://schemas.openxmlformats.org/drawingml/2006/main" xmlns:r="http://schemas.openxmlformats.org/officeDocument/2006/relationships" xmlns:p="http://schemas.openxmlformats.org/presentationml/2006/main">
   <p:cSld>
     <p:spTree>
       <p:nvGrpSpPr>
-        <p:cNvPr id="76" name="Shape 76"/>
+        <p:cNvPr id="1" name="Shape 76"/>
         <p:cNvGrpSpPr/>
         <p:nvPr/>
       </p:nvGrpSpPr>
@@ -4796,7 +5906,9 @@
       <p:sp>
         <p:nvSpPr>
           <p:cNvPr id="77" name="Shape 77"/>
-          <p:cNvSpPr txBox="1"/>
+          <p:cNvSpPr txBox="1">
+            <a:spLocks noGrp="1"/>
+          </p:cNvSpPr>
           <p:nvPr>
             <p:ph type="title"/>
           </p:nvPr>
@@ -4811,7 +5923,7 @@
           </a:prstGeom>
         </p:spPr>
         <p:txBody>
-          <a:bodyPr anchorCtr="0" anchor="t" bIns="91425" lIns="91425" rIns="91425" tIns="91425">
+          <a:bodyPr lIns="91425" tIns="91425" rIns="91425" bIns="91425" anchor="t" anchorCtr="0">
             <a:noAutofit/>
           </a:bodyPr>
           <a:lstStyle/>
@@ -4823,11 +5935,11 @@
               <a:buNone/>
             </a:pPr>
             <a:r>
-              <a:rPr lang="en">
+              <a:rPr lang="en" dirty="0">
                 <a:solidFill>
                   <a:srgbClr val="666666"/>
                 </a:solidFill>
-                <a:latin typeface="Playfair Display"/>
+                <a:latin typeface="Poiret One" panose="020B0604020202020204" charset="0"/>
                 <a:ea typeface="Playfair Display"/>
                 <a:cs typeface="Playfair Display"/>
                 <a:sym typeface="Playfair Display"/>
@@ -4839,7 +5951,7 @@
       </p:sp>
       <p:pic>
         <p:nvPicPr>
-          <p:cNvPr descr="Talisman-small.png" id="78" name="Shape 78"/>
+          <p:cNvPr id="78" name="Shape 78" descr="Talisman-small.png"/>
           <p:cNvPicPr preferRelativeResize="0"/>
           <p:nvPr/>
         </p:nvPicPr>
@@ -4867,7 +5979,7 @@
       </p:pic>
       <p:pic>
         <p:nvPicPr>
-          <p:cNvPr descr="Talisman-medium.png" id="79" name="Shape 79"/>
+          <p:cNvPr id="79" name="Shape 79" descr="Talisman-medium.png"/>
           <p:cNvPicPr preferRelativeResize="0"/>
           <p:nvPr/>
         </p:nvPicPr>
@@ -4895,7 +6007,7 @@
       </p:pic>
       <p:pic>
         <p:nvPicPr>
-          <p:cNvPr descr="Talisman-large.png" id="80" name="Shape 80"/>
+          <p:cNvPr id="80" name="Shape 80" descr="Talisman-large.png"/>
           <p:cNvPicPr preferRelativeResize="0"/>
           <p:nvPr/>
         </p:nvPicPr>
@@ -4941,7 +6053,7 @@
           </a:ln>
         </p:spPr>
         <p:txBody>
-          <a:bodyPr anchorCtr="0" anchor="t" bIns="91425" lIns="91425" rIns="91425" tIns="91425">
+          <a:bodyPr lIns="91425" tIns="91425" rIns="91425" bIns="91425" anchor="t" anchorCtr="0">
             <a:noAutofit/>
           </a:bodyPr>
           <a:lstStyle/>
@@ -4953,11 +6065,11 @@
               <a:buNone/>
             </a:pPr>
             <a:r>
-              <a:rPr lang="en">
+              <a:rPr lang="en" dirty="0">
                 <a:solidFill>
                   <a:srgbClr val="666666"/>
                 </a:solidFill>
-                <a:latin typeface="Playfair Display"/>
+                <a:latin typeface="Poiret One" panose="020B0604020202020204" charset="0"/>
                 <a:ea typeface="Playfair Display"/>
                 <a:cs typeface="Playfair Display"/>
                 <a:sym typeface="Playfair Display"/>
@@ -4973,11 +6085,11 @@
               <a:buNone/>
             </a:pPr>
             <a:r>
-              <a:rPr lang="en">
+              <a:rPr lang="en" dirty="0">
                 <a:solidFill>
                   <a:srgbClr val="666666"/>
                 </a:solidFill>
-                <a:latin typeface="Playfair Display"/>
+                <a:latin typeface="Poiret One" panose="020B0604020202020204" charset="0"/>
                 <a:ea typeface="Playfair Display"/>
                 <a:cs typeface="Playfair Display"/>
                 <a:sym typeface="Playfair Display"/>
@@ -5007,12 +6119,12 @@
           </a:ln>
         </p:spPr>
         <p:txBody>
-          <a:bodyPr anchorCtr="0" anchor="t" bIns="91425" lIns="91425" rIns="91425" tIns="91425">
+          <a:bodyPr lIns="91425" tIns="91425" rIns="91425" bIns="91425" anchor="t" anchorCtr="0">
             <a:noAutofit/>
           </a:bodyPr>
           <a:lstStyle/>
           <a:p>
-            <a:pPr lvl="0" rtl="0" algn="ctr">
+            <a:pPr lvl="0" algn="ctr" rtl="0">
               <a:spcBef>
                 <a:spcPts val="0"/>
               </a:spcBef>
@@ -5023,28 +6135,16 @@
                 <a:solidFill>
                   <a:srgbClr val="666666"/>
                 </a:solidFill>
-                <a:latin typeface="Playfair Display"/>
+                <a:latin typeface="Poiret One" panose="020B0604020202020204" charset="0"/>
                 <a:ea typeface="Playfair Display"/>
                 <a:cs typeface="Playfair Display"/>
                 <a:sym typeface="Playfair Display"/>
               </a:rPr>
-              <a:t>Medium</a:t>
-            </a:r>
-            <a:r>
-              <a:rPr lang="en">
-                <a:solidFill>
-                  <a:srgbClr val="666666"/>
-                </a:solidFill>
-                <a:latin typeface="Playfair Display"/>
-                <a:ea typeface="Playfair Display"/>
-                <a:cs typeface="Playfair Display"/>
-                <a:sym typeface="Playfair Display"/>
-              </a:rPr>
-              <a:t> Talisman</a:t>
+              <a:t>Medium Talisman</a:t>
             </a:r>
           </a:p>
           <a:p>
-            <a:pPr lvl="0" rtl="0" algn="ctr">
+            <a:pPr lvl="0" algn="ctr" rtl="0">
               <a:spcBef>
                 <a:spcPts val="0"/>
               </a:spcBef>
@@ -5055,7 +6155,7 @@
                 <a:solidFill>
                   <a:srgbClr val="666666"/>
                 </a:solidFill>
-                <a:latin typeface="Playfair Display"/>
+                <a:latin typeface="Poiret One" panose="020B0604020202020204" charset="0"/>
                 <a:ea typeface="Playfair Display"/>
                 <a:cs typeface="Playfair Display"/>
                 <a:sym typeface="Playfair Display"/>
@@ -5085,12 +6185,12 @@
           </a:ln>
         </p:spPr>
         <p:txBody>
-          <a:bodyPr anchorCtr="0" anchor="t" bIns="91425" lIns="91425" rIns="91425" tIns="91425">
+          <a:bodyPr lIns="91425" tIns="91425" rIns="91425" bIns="91425" anchor="t" anchorCtr="0">
             <a:noAutofit/>
           </a:bodyPr>
           <a:lstStyle/>
           <a:p>
-            <a:pPr lvl="0" rtl="0" algn="ctr">
+            <a:pPr lvl="0" algn="ctr" rtl="0">
               <a:spcBef>
                 <a:spcPts val="0"/>
               </a:spcBef>
@@ -5101,28 +6201,16 @@
                 <a:solidFill>
                   <a:srgbClr val="666666"/>
                 </a:solidFill>
-                <a:latin typeface="Playfair Display"/>
+                <a:latin typeface="Poiret One" panose="020B0604020202020204" charset="0"/>
                 <a:ea typeface="Playfair Display"/>
                 <a:cs typeface="Playfair Display"/>
                 <a:sym typeface="Playfair Display"/>
               </a:rPr>
-              <a:t>Large</a:t>
-            </a:r>
-            <a:r>
-              <a:rPr lang="en">
-                <a:solidFill>
-                  <a:srgbClr val="666666"/>
-                </a:solidFill>
-                <a:latin typeface="Playfair Display"/>
-                <a:ea typeface="Playfair Display"/>
-                <a:cs typeface="Playfair Display"/>
-                <a:sym typeface="Playfair Display"/>
-              </a:rPr>
-              <a:t> Talisman</a:t>
+              <a:t>Large Talisman</a:t>
             </a:r>
           </a:p>
           <a:p>
-            <a:pPr lvl="0" rtl="0" algn="ctr">
+            <a:pPr lvl="0" algn="ctr" rtl="0">
               <a:spcBef>
                 <a:spcPts val="0"/>
               </a:spcBef>
@@ -5133,7 +6221,7 @@
                 <a:solidFill>
                   <a:srgbClr val="666666"/>
                 </a:solidFill>
-                <a:latin typeface="Playfair Display"/>
+                <a:latin typeface="Poiret One" panose="020B0604020202020204" charset="0"/>
                 <a:ea typeface="Playfair Display"/>
                 <a:cs typeface="Playfair Display"/>
                 <a:sym typeface="Playfair Display"/>
@@ -5152,11 +6240,11 @@
 </file>
 
 <file path=ppt/slides/slide6.xml><?xml version="1.0" encoding="utf-8"?>
-<p:sld xmlns:a="http://schemas.openxmlformats.org/drawingml/2006/main" xmlns:r="http://schemas.openxmlformats.org/officeDocument/2006/relationships" xmlns:mc="http://schemas.openxmlformats.org/markup-compatibility/2006" xmlns:mv="urn:schemas-microsoft-com:mac:vml" xmlns:p="http://schemas.openxmlformats.org/presentationml/2006/main" xmlns:c="http://schemas.openxmlformats.org/drawingml/2006/chart" xmlns:dgm="http://schemas.openxmlformats.org/drawingml/2006/diagram" xmlns:o="urn:schemas-microsoft-com:office:office" xmlns:v="urn:schemas-microsoft-com:vml" xmlns:pvml="urn:schemas-microsoft-com:office:powerpoint" xmlns:com="http://schemas.openxmlformats.org/drawingml/2006/compatibility" xmlns:p14="http://schemas.microsoft.com/office/powerpoint/2010/main">
+<p:sld xmlns:a="http://schemas.openxmlformats.org/drawingml/2006/main" xmlns:r="http://schemas.openxmlformats.org/officeDocument/2006/relationships" xmlns:p="http://schemas.openxmlformats.org/presentationml/2006/main">
   <p:cSld>
     <p:spTree>
       <p:nvGrpSpPr>
-        <p:cNvPr id="87" name="Shape 87"/>
+        <p:cNvPr id="1" name="Shape 87"/>
         <p:cNvGrpSpPr/>
         <p:nvPr/>
       </p:nvGrpSpPr>
@@ -5171,9 +6259,11 @@
       <p:sp>
         <p:nvSpPr>
           <p:cNvPr id="88" name="Shape 88"/>
-          <p:cNvSpPr txBox="1"/>
+          <p:cNvSpPr txBox="1">
+            <a:spLocks noGrp="1"/>
+          </p:cNvSpPr>
           <p:nvPr>
-            <p:ph idx="1" type="body"/>
+            <p:ph type="body" idx="1"/>
           </p:nvPr>
         </p:nvSpPr>
         <p:spPr>
@@ -5186,7 +6276,7 @@
           </a:prstGeom>
         </p:spPr>
         <p:txBody>
-          <a:bodyPr anchorCtr="0" anchor="t" bIns="91425" lIns="91425" rIns="91425" tIns="91425">
+          <a:bodyPr lIns="91425" tIns="91425" rIns="91425" bIns="91425" anchor="t" anchorCtr="0">
             <a:noAutofit/>
           </a:bodyPr>
           <a:lstStyle/>
@@ -5198,8 +6288,8 @@
               <a:buNone/>
             </a:pPr>
             <a:r>
-              <a:rPr lang="en">
-                <a:latin typeface="Playfair Display"/>
+              <a:rPr lang="en" dirty="0">
+                <a:latin typeface="Poiret One" panose="020B0604020202020204" charset="0"/>
                 <a:ea typeface="Playfair Display"/>
                 <a:cs typeface="Playfair Display"/>
                 <a:sym typeface="Playfair Display"/>
@@ -5211,7 +6301,7 @@
       </p:sp>
       <p:pic>
         <p:nvPicPr>
-          <p:cNvPr descr="Strokes.png" id="89" name="Shape 89"/>
+          <p:cNvPr id="89" name="Shape 89" descr="Strokes.png"/>
           <p:cNvPicPr preferRelativeResize="0"/>
           <p:nvPr/>
         </p:nvPicPr>
@@ -5246,11 +6336,11 @@
 </file>
 
 <file path=ppt/slides/slide7.xml><?xml version="1.0" encoding="utf-8"?>
-<p:sld xmlns:a="http://schemas.openxmlformats.org/drawingml/2006/main" xmlns:r="http://schemas.openxmlformats.org/officeDocument/2006/relationships" xmlns:mc="http://schemas.openxmlformats.org/markup-compatibility/2006" xmlns:mv="urn:schemas-microsoft-com:mac:vml" xmlns:p="http://schemas.openxmlformats.org/presentationml/2006/main" xmlns:c="http://schemas.openxmlformats.org/drawingml/2006/chart" xmlns:dgm="http://schemas.openxmlformats.org/drawingml/2006/diagram" xmlns:o="urn:schemas-microsoft-com:office:office" xmlns:v="urn:schemas-microsoft-com:vml" xmlns:pvml="urn:schemas-microsoft-com:office:powerpoint" xmlns:com="http://schemas.openxmlformats.org/drawingml/2006/compatibility" xmlns:p14="http://schemas.microsoft.com/office/powerpoint/2010/main">
+<p:sld xmlns:a="http://schemas.openxmlformats.org/drawingml/2006/main" xmlns:r="http://schemas.openxmlformats.org/officeDocument/2006/relationships" xmlns:p="http://schemas.openxmlformats.org/presentationml/2006/main">
   <p:cSld>
     <p:spTree>
       <p:nvGrpSpPr>
-        <p:cNvPr id="93" name="Shape 93"/>
+        <p:cNvPr id="1" name="Shape 93"/>
         <p:cNvGrpSpPr/>
         <p:nvPr/>
       </p:nvGrpSpPr>
@@ -5265,9 +6355,11 @@
       <p:sp>
         <p:nvSpPr>
           <p:cNvPr id="94" name="Shape 94"/>
-          <p:cNvSpPr txBox="1"/>
+          <p:cNvSpPr txBox="1">
+            <a:spLocks noGrp="1"/>
+          </p:cNvSpPr>
           <p:nvPr>
-            <p:ph idx="1" type="body"/>
+            <p:ph type="body" idx="1"/>
           </p:nvPr>
         </p:nvSpPr>
         <p:spPr>
@@ -5280,7 +6372,7 @@
           </a:prstGeom>
         </p:spPr>
         <p:txBody>
-          <a:bodyPr anchorCtr="0" anchor="t" bIns="91425" lIns="91425" rIns="91425" tIns="91425">
+          <a:bodyPr lIns="91425" tIns="91425" rIns="91425" bIns="91425" anchor="t" anchorCtr="0">
             <a:noAutofit/>
           </a:bodyPr>
           <a:lstStyle/>
@@ -5292,8 +6384,8 @@
               <a:buNone/>
             </a:pPr>
             <a:r>
-              <a:rPr lang="en">
-                <a:latin typeface="Playfair Display"/>
+              <a:rPr lang="en" dirty="0">
+                <a:latin typeface="Poiret One" panose="020B0604020202020204" charset="0"/>
                 <a:ea typeface="Playfair Display"/>
                 <a:cs typeface="Playfair Display"/>
                 <a:sym typeface="Playfair Display"/>
@@ -5305,7 +6397,7 @@
       </p:sp>
       <p:pic>
         <p:nvPicPr>
-          <p:cNvPr descr="QQ图片20161118191058.gif" id="95" name="Shape 95"/>
+          <p:cNvPr id="95" name="Shape 95" descr="QQ图片20161118191058.gif"/>
           <p:cNvPicPr preferRelativeResize="0"/>
           <p:nvPr/>
         </p:nvPicPr>
@@ -5339,8 +6431,683 @@
 </p:sld>
 </file>
 
+<file path=ppt/slides/slide8.xml><?xml version="1.0" encoding="utf-8"?>
+<p:sld xmlns:a="http://schemas.openxmlformats.org/drawingml/2006/main" xmlns:r="http://schemas.openxmlformats.org/officeDocument/2006/relationships" xmlns:p="http://schemas.openxmlformats.org/presentationml/2006/main">
+  <p:cSld>
+    <p:spTree>
+      <p:nvGrpSpPr>
+        <p:cNvPr id="1" name=""/>
+        <p:cNvGrpSpPr/>
+        <p:nvPr/>
+      </p:nvGrpSpPr>
+      <p:grpSpPr>
+        <a:xfrm>
+          <a:off x="0" y="0"/>
+          <a:ext cx="0" cy="0"/>
+          <a:chOff x="0" y="0"/>
+          <a:chExt cx="0" cy="0"/>
+        </a:xfrm>
+      </p:grpSpPr>
+      <p:pic>
+        <p:nvPicPr>
+          <p:cNvPr id="10" name="图片 9"/>
+          <p:cNvPicPr>
+            <a:picLocks noChangeAspect="1"/>
+          </p:cNvPicPr>
+          <p:nvPr/>
+        </p:nvPicPr>
+        <p:blipFill>
+          <a:blip r:embed="rId3">
+            <a:extLst>
+              <a:ext uri="{28A0092B-C50C-407E-A947-70E740481C1C}">
+                <a14:useLocalDpi xmlns:a14="http://schemas.microsoft.com/office/drawing/2010/main" val="0"/>
+              </a:ext>
+            </a:extLst>
+          </a:blip>
+          <a:stretch>
+            <a:fillRect/>
+          </a:stretch>
+        </p:blipFill>
+        <p:spPr>
+          <a:xfrm>
+            <a:off x="5195997" y="2182262"/>
+            <a:ext cx="3652121" cy="2124319"/>
+          </a:xfrm>
+          <a:prstGeom prst="rect">
+            <a:avLst/>
+          </a:prstGeom>
+        </p:spPr>
+      </p:pic>
+      <p:pic>
+        <p:nvPicPr>
+          <p:cNvPr id="11" name="图片 10"/>
+          <p:cNvPicPr>
+            <a:picLocks noChangeAspect="1"/>
+          </p:cNvPicPr>
+          <p:nvPr/>
+        </p:nvPicPr>
+        <p:blipFill>
+          <a:blip r:embed="rId4">
+            <a:extLst>
+              <a:ext uri="{28A0092B-C50C-407E-A947-70E740481C1C}">
+                <a14:useLocalDpi xmlns:a14="http://schemas.microsoft.com/office/drawing/2010/main" val="0"/>
+              </a:ext>
+            </a:extLst>
+          </a:blip>
+          <a:stretch>
+            <a:fillRect/>
+          </a:stretch>
+        </p:blipFill>
+        <p:spPr>
+          <a:xfrm>
+            <a:off x="5195842" y="145962"/>
+            <a:ext cx="3806299" cy="2101395"/>
+          </a:xfrm>
+          <a:prstGeom prst="rect">
+            <a:avLst/>
+          </a:prstGeom>
+        </p:spPr>
+      </p:pic>
+      <p:pic>
+        <p:nvPicPr>
+          <p:cNvPr id="9" name="图片 8"/>
+          <p:cNvPicPr>
+            <a:picLocks noChangeAspect="1"/>
+          </p:cNvPicPr>
+          <p:nvPr/>
+        </p:nvPicPr>
+        <p:blipFill>
+          <a:blip r:embed="rId5">
+            <a:extLst>
+              <a:ext uri="{28A0092B-C50C-407E-A947-70E740481C1C}">
+                <a14:useLocalDpi xmlns:a14="http://schemas.microsoft.com/office/drawing/2010/main" val="0"/>
+              </a:ext>
+            </a:extLst>
+          </a:blip>
+          <a:stretch>
+            <a:fillRect/>
+          </a:stretch>
+        </p:blipFill>
+        <p:spPr>
+          <a:xfrm>
+            <a:off x="747254" y="2182262"/>
+            <a:ext cx="3089573" cy="2059715"/>
+          </a:xfrm>
+          <a:prstGeom prst="rect">
+            <a:avLst/>
+          </a:prstGeom>
+        </p:spPr>
+      </p:pic>
+      <p:pic>
+        <p:nvPicPr>
+          <p:cNvPr id="8" name="图片 7"/>
+          <p:cNvPicPr>
+            <a:picLocks noChangeAspect="1"/>
+          </p:cNvPicPr>
+          <p:nvPr/>
+        </p:nvPicPr>
+        <p:blipFill>
+          <a:blip r:embed="rId6">
+            <a:extLst>
+              <a:ext uri="{28A0092B-C50C-407E-A947-70E740481C1C}">
+                <a14:useLocalDpi xmlns:a14="http://schemas.microsoft.com/office/drawing/2010/main" val="0"/>
+              </a:ext>
+            </a:extLst>
+          </a:blip>
+          <a:stretch>
+            <a:fillRect/>
+          </a:stretch>
+        </p:blipFill>
+        <p:spPr>
+          <a:xfrm>
+            <a:off x="159147" y="145962"/>
+            <a:ext cx="3408990" cy="1919281"/>
+          </a:xfrm>
+          <a:prstGeom prst="rect">
+            <a:avLst/>
+          </a:prstGeom>
+        </p:spPr>
+      </p:pic>
+      <p:sp>
+        <p:nvSpPr>
+          <p:cNvPr id="2" name="标题 1"/>
+          <p:cNvSpPr>
+            <a:spLocks noGrp="1"/>
+          </p:cNvSpPr>
+          <p:nvPr>
+            <p:ph type="title"/>
+          </p:nvPr>
+        </p:nvSpPr>
+        <p:spPr>
+          <a:xfrm>
+            <a:off x="311700" y="4299178"/>
+            <a:ext cx="8520600" cy="572700"/>
+          </a:xfrm>
+        </p:spPr>
+        <p:txBody>
+          <a:bodyPr/>
+          <a:lstStyle/>
+          <a:p>
+            <a:pPr algn="ctr"/>
+            <a:r>
+              <a:rPr lang="en" altLang="zh-CN" sz="1800" dirty="0" smtClean="0">
+                <a:solidFill>
+                  <a:schemeClr val="bg2"/>
+                </a:solidFill>
+                <a:latin typeface="Poiret One" panose="020B0604020202020204" charset="0"/>
+                <a:ea typeface="Playfair Display"/>
+                <a:cs typeface="Playfair Display"/>
+                <a:sym typeface="Playfair Display"/>
+              </a:rPr>
+              <a:t>Game Experience – VR </a:t>
+            </a:r>
+            <a:r>
+              <a:rPr lang="en-US" altLang="zh-CN" sz="1800" dirty="0" smtClean="0">
+                <a:solidFill>
+                  <a:schemeClr val="bg2"/>
+                </a:solidFill>
+                <a:latin typeface="Poiret One" panose="020B0604020202020204" charset="0"/>
+                <a:ea typeface="Playfair Display"/>
+                <a:cs typeface="Playfair Display"/>
+                <a:sym typeface="Playfair Display"/>
+              </a:rPr>
+              <a:t>Immersion</a:t>
+            </a:r>
+            <a:endParaRPr lang="zh-CN" altLang="en-US" sz="1800" dirty="0">
+              <a:solidFill>
+                <a:schemeClr val="bg2"/>
+              </a:solidFill>
+            </a:endParaRPr>
+          </a:p>
+        </p:txBody>
+      </p:sp>
+      <p:pic>
+        <p:nvPicPr>
+          <p:cNvPr id="7" name="图片 6"/>
+          <p:cNvPicPr>
+            <a:picLocks noChangeAspect="1"/>
+          </p:cNvPicPr>
+          <p:nvPr/>
+        </p:nvPicPr>
+        <p:blipFill>
+          <a:blip r:embed="rId7">
+            <a:extLst>
+              <a:ext uri="{28A0092B-C50C-407E-A947-70E740481C1C}">
+                <a14:useLocalDpi xmlns:a14="http://schemas.microsoft.com/office/drawing/2010/main" val="0"/>
+              </a:ext>
+            </a:extLst>
+          </a:blip>
+          <a:stretch>
+            <a:fillRect/>
+          </a:stretch>
+        </p:blipFill>
+        <p:spPr>
+          <a:xfrm>
+            <a:off x="1229400" y="635498"/>
+            <a:ext cx="6685199" cy="2859490"/>
+          </a:xfrm>
+          <a:prstGeom prst="rect">
+            <a:avLst/>
+          </a:prstGeom>
+        </p:spPr>
+      </p:pic>
+    </p:spTree>
+    <p:extLst>
+      <p:ext uri="{BB962C8B-B14F-4D97-AF65-F5344CB8AC3E}">
+        <p14:creationId xmlns:p14="http://schemas.microsoft.com/office/powerpoint/2010/main" val="1378117429"/>
+      </p:ext>
+    </p:extLst>
+  </p:cSld>
+  <p:clrMapOvr>
+    <a:masterClrMapping/>
+  </p:clrMapOvr>
+</p:sld>
+</file>
+
+<file path=ppt/slides/slide9.xml><?xml version="1.0" encoding="utf-8"?>
+<p:sld xmlns:a="http://schemas.openxmlformats.org/drawingml/2006/main" xmlns:r="http://schemas.openxmlformats.org/officeDocument/2006/relationships" xmlns:p="http://schemas.openxmlformats.org/presentationml/2006/main">
+  <p:cSld>
+    <p:spTree>
+      <p:nvGrpSpPr>
+        <p:cNvPr id="1" name=""/>
+        <p:cNvGrpSpPr/>
+        <p:nvPr/>
+      </p:nvGrpSpPr>
+      <p:grpSpPr>
+        <a:xfrm>
+          <a:off x="0" y="0"/>
+          <a:ext cx="0" cy="0"/>
+          <a:chOff x="0" y="0"/>
+          <a:chExt cx="0" cy="0"/>
+        </a:xfrm>
+      </p:grpSpPr>
+      <p:sp>
+        <p:nvSpPr>
+          <p:cNvPr id="2" name="标题 1"/>
+          <p:cNvSpPr>
+            <a:spLocks noGrp="1"/>
+          </p:cNvSpPr>
+          <p:nvPr>
+            <p:ph type="title"/>
+          </p:nvPr>
+        </p:nvSpPr>
+        <p:spPr>
+          <a:xfrm>
+            <a:off x="311700" y="4299178"/>
+            <a:ext cx="8520600" cy="572700"/>
+          </a:xfrm>
+        </p:spPr>
+        <p:txBody>
+          <a:bodyPr/>
+          <a:lstStyle/>
+          <a:p>
+            <a:pPr algn="ctr"/>
+            <a:r>
+              <a:rPr lang="en-US" altLang="zh-CN" sz="1800" dirty="0" smtClean="0">
+                <a:solidFill>
+                  <a:schemeClr val="bg2"/>
+                </a:solidFill>
+                <a:latin typeface="Poiret One" panose="020B0604020202020204" charset="0"/>
+                <a:ea typeface="Playfair Display"/>
+                <a:cs typeface="Playfair Display"/>
+                <a:sym typeface="Playfair Display"/>
+              </a:rPr>
+              <a:t>Why VR Immersion?</a:t>
+            </a:r>
+            <a:endParaRPr lang="zh-CN" altLang="en-US" sz="1800" dirty="0">
+              <a:solidFill>
+                <a:schemeClr val="bg2"/>
+              </a:solidFill>
+            </a:endParaRPr>
+          </a:p>
+        </p:txBody>
+      </p:sp>
+      <p:pic>
+        <p:nvPicPr>
+          <p:cNvPr id="3" name="图片 2"/>
+          <p:cNvPicPr>
+            <a:picLocks noChangeAspect="1"/>
+          </p:cNvPicPr>
+          <p:nvPr/>
+        </p:nvPicPr>
+        <p:blipFill>
+          <a:blip r:embed="rId3">
+            <a:extLst>
+              <a:ext uri="{28A0092B-C50C-407E-A947-70E740481C1C}">
+                <a14:useLocalDpi xmlns:a14="http://schemas.microsoft.com/office/drawing/2010/main" val="0"/>
+              </a:ext>
+            </a:extLst>
+          </a:blip>
+          <a:stretch>
+            <a:fillRect/>
+          </a:stretch>
+        </p:blipFill>
+        <p:spPr>
+          <a:xfrm>
+            <a:off x="195580" y="194952"/>
+            <a:ext cx="3743960" cy="2146927"/>
+          </a:xfrm>
+          <a:prstGeom prst="rect">
+            <a:avLst/>
+          </a:prstGeom>
+        </p:spPr>
+      </p:pic>
+      <p:pic>
+        <p:nvPicPr>
+          <p:cNvPr id="4" name="图片 3"/>
+          <p:cNvPicPr>
+            <a:picLocks noChangeAspect="1"/>
+          </p:cNvPicPr>
+          <p:nvPr/>
+        </p:nvPicPr>
+        <p:blipFill>
+          <a:blip r:embed="rId4">
+            <a:extLst>
+              <a:ext uri="{28A0092B-C50C-407E-A947-70E740481C1C}">
+                <a14:useLocalDpi xmlns:a14="http://schemas.microsoft.com/office/drawing/2010/main" val="0"/>
+              </a:ext>
+            </a:extLst>
+          </a:blip>
+          <a:stretch>
+            <a:fillRect/>
+          </a:stretch>
+        </p:blipFill>
+        <p:spPr>
+          <a:xfrm>
+            <a:off x="1292860" y="2119858"/>
+            <a:ext cx="5031552" cy="2179320"/>
+          </a:xfrm>
+          <a:prstGeom prst="rect">
+            <a:avLst/>
+          </a:prstGeom>
+        </p:spPr>
+      </p:pic>
+      <p:pic>
+        <p:nvPicPr>
+          <p:cNvPr id="5" name="图片 4"/>
+          <p:cNvPicPr>
+            <a:picLocks noChangeAspect="1"/>
+          </p:cNvPicPr>
+          <p:nvPr/>
+        </p:nvPicPr>
+        <p:blipFill>
+          <a:blip r:embed="rId5">
+            <a:extLst>
+              <a:ext uri="{28A0092B-C50C-407E-A947-70E740481C1C}">
+                <a14:useLocalDpi xmlns:a14="http://schemas.microsoft.com/office/drawing/2010/main" val="0"/>
+              </a:ext>
+            </a:extLst>
+          </a:blip>
+          <a:stretch>
+            <a:fillRect/>
+          </a:stretch>
+        </p:blipFill>
+        <p:spPr>
+          <a:xfrm>
+            <a:off x="5014160" y="137160"/>
+            <a:ext cx="3818140" cy="2552700"/>
+          </a:xfrm>
+          <a:prstGeom prst="rect">
+            <a:avLst/>
+          </a:prstGeom>
+        </p:spPr>
+      </p:pic>
+    </p:spTree>
+    <p:extLst>
+      <p:ext uri="{BB962C8B-B14F-4D97-AF65-F5344CB8AC3E}">
+        <p14:creationId xmlns:p14="http://schemas.microsoft.com/office/powerpoint/2010/main" val="1886585891"/>
+      </p:ext>
+    </p:extLst>
+  </p:cSld>
+  <p:clrMapOvr>
+    <a:masterClrMapping/>
+  </p:clrMapOvr>
+</p:sld>
+</file>
+
 <file path=ppt/theme/theme1.xml><?xml version="1.0" encoding="utf-8"?>
-<a:theme xmlns:a="http://schemas.openxmlformats.org/drawingml/2006/main" xmlns:r="http://schemas.openxmlformats.org/officeDocument/2006/relationships" name="Custom Theme">
+<a:theme xmlns:a="http://schemas.openxmlformats.org/drawingml/2006/main" name="simple-light-2">
+  <a:themeElements>
+    <a:clrScheme name="Simple Light">
+      <a:dk1>
+        <a:srgbClr val="000000"/>
+      </a:dk1>
+      <a:lt1>
+        <a:srgbClr val="FFFFFF"/>
+      </a:lt1>
+      <a:dk2>
+        <a:srgbClr val="595959"/>
+      </a:dk2>
+      <a:lt2>
+        <a:srgbClr val="EEEEEE"/>
+      </a:lt2>
+      <a:accent1>
+        <a:srgbClr val="FFAB40"/>
+      </a:accent1>
+      <a:accent2>
+        <a:srgbClr val="212121"/>
+      </a:accent2>
+      <a:accent3>
+        <a:srgbClr val="78909C"/>
+      </a:accent3>
+      <a:accent4>
+        <a:srgbClr val="FFAB40"/>
+      </a:accent4>
+      <a:accent5>
+        <a:srgbClr val="0097A7"/>
+      </a:accent5>
+      <a:accent6>
+        <a:srgbClr val="EEFF41"/>
+      </a:accent6>
+      <a:hlink>
+        <a:srgbClr val="0097A7"/>
+      </a:hlink>
+      <a:folHlink>
+        <a:srgbClr val="0097A7"/>
+      </a:folHlink>
+    </a:clrScheme>
+    <a:fontScheme name="Office">
+      <a:majorFont>
+        <a:latin typeface="Arial"/>
+        <a:ea typeface=""/>
+        <a:cs typeface=""/>
+        <a:font script="Jpan" typeface="ＭＳ Ｐゴシック"/>
+        <a:font script="Hang" typeface="맑은 고딕"/>
+        <a:font script="Hans" typeface="宋体"/>
+        <a:font script="Hant" typeface="新細明體"/>
+        <a:font script="Arab" typeface="Times New Roman"/>
+        <a:font script="Hebr" typeface="Times New Roman"/>
+        <a:font script="Thai" typeface="Angsana New"/>
+        <a:font script="Ethi" typeface="Nyala"/>
+        <a:font script="Beng" typeface="Vrinda"/>
+        <a:font script="Gujr" typeface="Shruti"/>
+        <a:font script="Khmr" typeface="MoolBoran"/>
+        <a:font script="Knda" typeface="Tunga"/>
+        <a:font script="Guru" typeface="Raavi"/>
+        <a:font script="Cans" typeface="Euphemia"/>
+        <a:font script="Cher" typeface="Plantagenet Cherokee"/>
+        <a:font script="Yiii" typeface="Microsoft Yi Baiti"/>
+        <a:font script="Tibt" typeface="Microsoft Himalaya"/>
+        <a:font script="Thaa" typeface="MV Boli"/>
+        <a:font script="Deva" typeface="Mangal"/>
+        <a:font script="Telu" typeface="Gautami"/>
+        <a:font script="Taml" typeface="Latha"/>
+        <a:font script="Syrc" typeface="Estrangelo Edessa"/>
+        <a:font script="Orya" typeface="Kalinga"/>
+        <a:font script="Mlym" typeface="Kartika"/>
+        <a:font script="Laoo" typeface="DokChampa"/>
+        <a:font script="Sinh" typeface="Iskoola Pota"/>
+        <a:font script="Mong" typeface="Mongolian Baiti"/>
+        <a:font script="Viet" typeface="Times New Roman"/>
+        <a:font script="Uigh" typeface="Microsoft Uighur"/>
+        <a:font script="Geor" typeface="Sylfaen"/>
+      </a:majorFont>
+      <a:minorFont>
+        <a:latin typeface="Arial"/>
+        <a:ea typeface=""/>
+        <a:cs typeface=""/>
+        <a:font script="Jpan" typeface="ＭＳ Ｐゴシック"/>
+        <a:font script="Hang" typeface="맑은 고딕"/>
+        <a:font script="Hans" typeface="宋体"/>
+        <a:font script="Hant" typeface="新細明體"/>
+        <a:font script="Arab" typeface="Arial"/>
+        <a:font script="Hebr" typeface="Arial"/>
+        <a:font script="Thai" typeface="Cordia New"/>
+        <a:font script="Ethi" typeface="Nyala"/>
+        <a:font script="Beng" typeface="Vrinda"/>
+        <a:font script="Gujr" typeface="Shruti"/>
+        <a:font script="Khmr" typeface="DaunPenh"/>
+        <a:font script="Knda" typeface="Tunga"/>
+        <a:font script="Guru" typeface="Raavi"/>
+        <a:font script="Cans" typeface="Euphemia"/>
+        <a:font script="Cher" typeface="Plantagenet Cherokee"/>
+        <a:font script="Yiii" typeface="Microsoft Yi Baiti"/>
+        <a:font script="Tibt" typeface="Microsoft Himalaya"/>
+        <a:font script="Thaa" typeface="MV Boli"/>
+        <a:font script="Deva" typeface="Mangal"/>
+        <a:font script="Telu" typeface="Gautami"/>
+        <a:font script="Taml" typeface="Latha"/>
+        <a:font script="Syrc" typeface="Estrangelo Edessa"/>
+        <a:font script="Orya" typeface="Kalinga"/>
+        <a:font script="Mlym" typeface="Kartika"/>
+        <a:font script="Laoo" typeface="DokChampa"/>
+        <a:font script="Sinh" typeface="Iskoola Pota"/>
+        <a:font script="Mong" typeface="Mongolian Baiti"/>
+        <a:font script="Viet" typeface="Arial"/>
+        <a:font script="Uigh" typeface="Microsoft Uighur"/>
+        <a:font script="Geor" typeface="Sylfaen"/>
+      </a:minorFont>
+    </a:fontScheme>
+    <a:fmtScheme name="Office">
+      <a:fillStyleLst>
+        <a:solidFill>
+          <a:schemeClr val="phClr"/>
+        </a:solidFill>
+        <a:gradFill rotWithShape="1">
+          <a:gsLst>
+            <a:gs pos="0">
+              <a:schemeClr val="phClr">
+                <a:tint val="50000"/>
+                <a:satMod val="300000"/>
+              </a:schemeClr>
+            </a:gs>
+            <a:gs pos="35000">
+              <a:schemeClr val="phClr">
+                <a:tint val="37000"/>
+                <a:satMod val="300000"/>
+              </a:schemeClr>
+            </a:gs>
+            <a:gs pos="100000">
+              <a:schemeClr val="phClr">
+                <a:tint val="15000"/>
+                <a:satMod val="350000"/>
+              </a:schemeClr>
+            </a:gs>
+          </a:gsLst>
+          <a:lin ang="16200000" scaled="1"/>
+        </a:gradFill>
+        <a:gradFill rotWithShape="1">
+          <a:gsLst>
+            <a:gs pos="0">
+              <a:schemeClr val="phClr">
+                <a:tint val="100000"/>
+                <a:shade val="100000"/>
+                <a:satMod val="130000"/>
+              </a:schemeClr>
+            </a:gs>
+            <a:gs pos="100000">
+              <a:schemeClr val="phClr">
+                <a:tint val="50000"/>
+                <a:shade val="100000"/>
+                <a:satMod val="350000"/>
+              </a:schemeClr>
+            </a:gs>
+          </a:gsLst>
+          <a:lin ang="16200000" scaled="0"/>
+        </a:gradFill>
+      </a:fillStyleLst>
+      <a:lnStyleLst>
+        <a:ln w="9525" cap="flat" cmpd="sng" algn="ctr">
+          <a:solidFill>
+            <a:schemeClr val="phClr">
+              <a:shade val="95000"/>
+              <a:satMod val="105000"/>
+            </a:schemeClr>
+          </a:solidFill>
+          <a:prstDash val="solid"/>
+        </a:ln>
+        <a:ln w="25400" cap="flat" cmpd="sng" algn="ctr">
+          <a:solidFill>
+            <a:schemeClr val="phClr"/>
+          </a:solidFill>
+          <a:prstDash val="solid"/>
+        </a:ln>
+        <a:ln w="38100" cap="flat" cmpd="sng" algn="ctr">
+          <a:solidFill>
+            <a:schemeClr val="phClr"/>
+          </a:solidFill>
+          <a:prstDash val="solid"/>
+        </a:ln>
+      </a:lnStyleLst>
+      <a:effectStyleLst>
+        <a:effectStyle>
+          <a:effectLst>
+            <a:outerShdw blurRad="40000" dist="20000" dir="5400000" rotWithShape="0">
+              <a:srgbClr val="000000">
+                <a:alpha val="38000"/>
+              </a:srgbClr>
+            </a:outerShdw>
+          </a:effectLst>
+        </a:effectStyle>
+        <a:effectStyle>
+          <a:effectLst>
+            <a:outerShdw blurRad="40000" dist="23000" dir="5400000" rotWithShape="0">
+              <a:srgbClr val="000000">
+                <a:alpha val="35000"/>
+              </a:srgbClr>
+            </a:outerShdw>
+          </a:effectLst>
+        </a:effectStyle>
+        <a:effectStyle>
+          <a:effectLst>
+            <a:outerShdw blurRad="40000" dist="23000" dir="5400000" rotWithShape="0">
+              <a:srgbClr val="000000">
+                <a:alpha val="35000"/>
+              </a:srgbClr>
+            </a:outerShdw>
+          </a:effectLst>
+          <a:scene3d>
+            <a:camera prst="orthographicFront">
+              <a:rot lat="0" lon="0" rev="0"/>
+            </a:camera>
+            <a:lightRig rig="threePt" dir="t">
+              <a:rot lat="0" lon="0" rev="1200000"/>
+            </a:lightRig>
+          </a:scene3d>
+          <a:sp3d>
+            <a:bevelT w="63500" h="25400"/>
+          </a:sp3d>
+        </a:effectStyle>
+      </a:effectStyleLst>
+      <a:bgFillStyleLst>
+        <a:solidFill>
+          <a:schemeClr val="phClr"/>
+        </a:solidFill>
+        <a:gradFill rotWithShape="1">
+          <a:gsLst>
+            <a:gs pos="0">
+              <a:schemeClr val="phClr">
+                <a:tint val="40000"/>
+                <a:satMod val="350000"/>
+              </a:schemeClr>
+            </a:gs>
+            <a:gs pos="40000">
+              <a:schemeClr val="phClr">
+                <a:tint val="45000"/>
+                <a:shade val="99000"/>
+                <a:satMod val="350000"/>
+              </a:schemeClr>
+            </a:gs>
+            <a:gs pos="100000">
+              <a:schemeClr val="phClr">
+                <a:shade val="20000"/>
+                <a:satMod val="255000"/>
+              </a:schemeClr>
+            </a:gs>
+          </a:gsLst>
+          <a:path path="circle">
+            <a:fillToRect l="50000" t="-80000" r="50000" b="180000"/>
+          </a:path>
+        </a:gradFill>
+        <a:gradFill rotWithShape="1">
+          <a:gsLst>
+            <a:gs pos="0">
+              <a:schemeClr val="phClr">
+                <a:tint val="80000"/>
+                <a:satMod val="300000"/>
+              </a:schemeClr>
+            </a:gs>
+            <a:gs pos="100000">
+              <a:schemeClr val="phClr">
+                <a:shade val="30000"/>
+                <a:satMod val="200000"/>
+              </a:schemeClr>
+            </a:gs>
+          </a:gsLst>
+          <a:path path="circle">
+            <a:fillToRect l="50000" t="50000" r="50000" b="50000"/>
+          </a:path>
+        </a:gradFill>
+      </a:bgFillStyleLst>
+    </a:fmtScheme>
+  </a:themeElements>
+  <a:objectDefaults/>
+  <a:extraClrSchemeLst/>
+</a:theme>
+</file>
+
+<file path=ppt/theme/theme2.xml><?xml version="1.0" encoding="utf-8"?>
+<a:theme xmlns:a="http://schemas.openxmlformats.org/drawingml/2006/main" name="Custom Theme">
   <a:themeElements>
     <a:clrScheme name="Default">
       <a:dk1>
@@ -5615,284 +7382,7 @@
       </a:bgFillStyleLst>
     </a:fmtScheme>
   </a:themeElements>
-</a:theme>
-</file>
-
-<file path=ppt/theme/theme2.xml><?xml version="1.0" encoding="utf-8"?>
-<a:theme xmlns:a="http://schemas.openxmlformats.org/drawingml/2006/main" xmlns:r="http://schemas.openxmlformats.org/officeDocument/2006/relationships" name="simple-light-2">
-  <a:themeElements>
-    <a:clrScheme name="Simple Light">
-      <a:dk1>
-        <a:srgbClr val="000000"/>
-      </a:dk1>
-      <a:lt1>
-        <a:srgbClr val="FFFFFF"/>
-      </a:lt1>
-      <a:dk2>
-        <a:srgbClr val="595959"/>
-      </a:dk2>
-      <a:lt2>
-        <a:srgbClr val="EEEEEE"/>
-      </a:lt2>
-      <a:accent1>
-        <a:srgbClr val="FFAB40"/>
-      </a:accent1>
-      <a:accent2>
-        <a:srgbClr val="212121"/>
-      </a:accent2>
-      <a:accent3>
-        <a:srgbClr val="78909C"/>
-      </a:accent3>
-      <a:accent4>
-        <a:srgbClr val="FFAB40"/>
-      </a:accent4>
-      <a:accent5>
-        <a:srgbClr val="0097A7"/>
-      </a:accent5>
-      <a:accent6>
-        <a:srgbClr val="EEFF41"/>
-      </a:accent6>
-      <a:hlink>
-        <a:srgbClr val="0097A7"/>
-      </a:hlink>
-      <a:folHlink>
-        <a:srgbClr val="0097A7"/>
-      </a:folHlink>
-    </a:clrScheme>
-    <a:fontScheme name="Office">
-      <a:majorFont>
-        <a:latin typeface="Arial"/>
-        <a:ea typeface=""/>
-        <a:cs typeface=""/>
-        <a:font script="Jpan" typeface="ＭＳ Ｐゴシック"/>
-        <a:font script="Hang" typeface="맑은 고딕"/>
-        <a:font script="Hans" typeface="宋体"/>
-        <a:font script="Hant" typeface="新細明體"/>
-        <a:font script="Arab" typeface="Times New Roman"/>
-        <a:font script="Hebr" typeface="Times New Roman"/>
-        <a:font script="Thai" typeface="Angsana New"/>
-        <a:font script="Ethi" typeface="Nyala"/>
-        <a:font script="Beng" typeface="Vrinda"/>
-        <a:font script="Gujr" typeface="Shruti"/>
-        <a:font script="Khmr" typeface="MoolBoran"/>
-        <a:font script="Knda" typeface="Tunga"/>
-        <a:font script="Guru" typeface="Raavi"/>
-        <a:font script="Cans" typeface="Euphemia"/>
-        <a:font script="Cher" typeface="Plantagenet Cherokee"/>
-        <a:font script="Yiii" typeface="Microsoft Yi Baiti"/>
-        <a:font script="Tibt" typeface="Microsoft Himalaya"/>
-        <a:font script="Thaa" typeface="MV Boli"/>
-        <a:font script="Deva" typeface="Mangal"/>
-        <a:font script="Telu" typeface="Gautami"/>
-        <a:font script="Taml" typeface="Latha"/>
-        <a:font script="Syrc" typeface="Estrangelo Edessa"/>
-        <a:font script="Orya" typeface="Kalinga"/>
-        <a:font script="Mlym" typeface="Kartika"/>
-        <a:font script="Laoo" typeface="DokChampa"/>
-        <a:font script="Sinh" typeface="Iskoola Pota"/>
-        <a:font script="Mong" typeface="Mongolian Baiti"/>
-        <a:font script="Viet" typeface="Times New Roman"/>
-        <a:font script="Uigh" typeface="Microsoft Uighur"/>
-        <a:font script="Geor" typeface="Sylfaen"/>
-      </a:majorFont>
-      <a:minorFont>
-        <a:latin typeface="Arial"/>
-        <a:ea typeface=""/>
-        <a:cs typeface=""/>
-        <a:font script="Jpan" typeface="ＭＳ Ｐゴシック"/>
-        <a:font script="Hang" typeface="맑은 고딕"/>
-        <a:font script="Hans" typeface="宋体"/>
-        <a:font script="Hant" typeface="新細明體"/>
-        <a:font script="Arab" typeface="Arial"/>
-        <a:font script="Hebr" typeface="Arial"/>
-        <a:font script="Thai" typeface="Cordia New"/>
-        <a:font script="Ethi" typeface="Nyala"/>
-        <a:font script="Beng" typeface="Vrinda"/>
-        <a:font script="Gujr" typeface="Shruti"/>
-        <a:font script="Khmr" typeface="DaunPenh"/>
-        <a:font script="Knda" typeface="Tunga"/>
-        <a:font script="Guru" typeface="Raavi"/>
-        <a:font script="Cans" typeface="Euphemia"/>
-        <a:font script="Cher" typeface="Plantagenet Cherokee"/>
-        <a:font script="Yiii" typeface="Microsoft Yi Baiti"/>
-        <a:font script="Tibt" typeface="Microsoft Himalaya"/>
-        <a:font script="Thaa" typeface="MV Boli"/>
-        <a:font script="Deva" typeface="Mangal"/>
-        <a:font script="Telu" typeface="Gautami"/>
-        <a:font script="Taml" typeface="Latha"/>
-        <a:font script="Syrc" typeface="Estrangelo Edessa"/>
-        <a:font script="Orya" typeface="Kalinga"/>
-        <a:font script="Mlym" typeface="Kartika"/>
-        <a:font script="Laoo" typeface="DokChampa"/>
-        <a:font script="Sinh" typeface="Iskoola Pota"/>
-        <a:font script="Mong" typeface="Mongolian Baiti"/>
-        <a:font script="Viet" typeface="Arial"/>
-        <a:font script="Uigh" typeface="Microsoft Uighur"/>
-        <a:font script="Geor" typeface="Sylfaen"/>
-      </a:minorFont>
-    </a:fontScheme>
-    <a:fmtScheme name="Office">
-      <a:fillStyleLst>
-        <a:solidFill>
-          <a:schemeClr val="phClr"/>
-        </a:solidFill>
-        <a:gradFill rotWithShape="1">
-          <a:gsLst>
-            <a:gs pos="0">
-              <a:schemeClr val="phClr">
-                <a:tint val="50000"/>
-                <a:satMod val="300000"/>
-              </a:schemeClr>
-            </a:gs>
-            <a:gs pos="35000">
-              <a:schemeClr val="phClr">
-                <a:tint val="37000"/>
-                <a:satMod val="300000"/>
-              </a:schemeClr>
-            </a:gs>
-            <a:gs pos="100000">
-              <a:schemeClr val="phClr">
-                <a:tint val="15000"/>
-                <a:satMod val="350000"/>
-              </a:schemeClr>
-            </a:gs>
-          </a:gsLst>
-          <a:lin ang="16200000" scaled="1"/>
-        </a:gradFill>
-        <a:gradFill rotWithShape="1">
-          <a:gsLst>
-            <a:gs pos="0">
-              <a:schemeClr val="phClr">
-                <a:tint val="100000"/>
-                <a:shade val="100000"/>
-                <a:satMod val="130000"/>
-              </a:schemeClr>
-            </a:gs>
-            <a:gs pos="100000">
-              <a:schemeClr val="phClr">
-                <a:tint val="50000"/>
-                <a:shade val="100000"/>
-                <a:satMod val="350000"/>
-              </a:schemeClr>
-            </a:gs>
-          </a:gsLst>
-          <a:lin ang="16200000" scaled="0"/>
-        </a:gradFill>
-      </a:fillStyleLst>
-      <a:lnStyleLst>
-        <a:ln w="9525" cap="flat" cmpd="sng" algn="ctr">
-          <a:solidFill>
-            <a:schemeClr val="phClr">
-              <a:shade val="95000"/>
-              <a:satMod val="105000"/>
-            </a:schemeClr>
-          </a:solidFill>
-          <a:prstDash val="solid"/>
-        </a:ln>
-        <a:ln w="25400" cap="flat" cmpd="sng" algn="ctr">
-          <a:solidFill>
-            <a:schemeClr val="phClr"/>
-          </a:solidFill>
-          <a:prstDash val="solid"/>
-        </a:ln>
-        <a:ln w="38100" cap="flat" cmpd="sng" algn="ctr">
-          <a:solidFill>
-            <a:schemeClr val="phClr"/>
-          </a:solidFill>
-          <a:prstDash val="solid"/>
-        </a:ln>
-      </a:lnStyleLst>
-      <a:effectStyleLst>
-        <a:effectStyle>
-          <a:effectLst>
-            <a:outerShdw blurRad="40000" dist="20000" dir="5400000" rotWithShape="0">
-              <a:srgbClr val="000000">
-                <a:alpha val="38000"/>
-              </a:srgbClr>
-            </a:outerShdw>
-          </a:effectLst>
-        </a:effectStyle>
-        <a:effectStyle>
-          <a:effectLst>
-            <a:outerShdw blurRad="40000" dist="23000" dir="5400000" rotWithShape="0">
-              <a:srgbClr val="000000">
-                <a:alpha val="35000"/>
-              </a:srgbClr>
-            </a:outerShdw>
-          </a:effectLst>
-        </a:effectStyle>
-        <a:effectStyle>
-          <a:effectLst>
-            <a:outerShdw blurRad="40000" dist="23000" dir="5400000" rotWithShape="0">
-              <a:srgbClr val="000000">
-                <a:alpha val="35000"/>
-              </a:srgbClr>
-            </a:outerShdw>
-          </a:effectLst>
-          <a:scene3d>
-            <a:camera prst="orthographicFront">
-              <a:rot lat="0" lon="0" rev="0"/>
-            </a:camera>
-            <a:lightRig rig="threePt" dir="t">
-              <a:rot lat="0" lon="0" rev="1200000"/>
-            </a:lightRig>
-          </a:scene3d>
-          <a:sp3d>
-            <a:bevelT w="63500" h="25400"/>
-          </a:sp3d>
-        </a:effectStyle>
-      </a:effectStyleLst>
-      <a:bgFillStyleLst>
-        <a:solidFill>
-          <a:schemeClr val="phClr"/>
-        </a:solidFill>
-        <a:gradFill rotWithShape="1">
-          <a:gsLst>
-            <a:gs pos="0">
-              <a:schemeClr val="phClr">
-                <a:tint val="40000"/>
-                <a:satMod val="350000"/>
-              </a:schemeClr>
-            </a:gs>
-            <a:gs pos="40000">
-              <a:schemeClr val="phClr">
-                <a:tint val="45000"/>
-                <a:shade val="99000"/>
-                <a:satMod val="350000"/>
-              </a:schemeClr>
-            </a:gs>
-            <a:gs pos="100000">
-              <a:schemeClr val="phClr">
-                <a:shade val="20000"/>
-                <a:satMod val="255000"/>
-              </a:schemeClr>
-            </a:gs>
-          </a:gsLst>
-          <a:path path="circle">
-            <a:fillToRect l="50000" t="-80000" r="50000" b="180000"/>
-          </a:path>
-        </a:gradFill>
-        <a:gradFill rotWithShape="1">
-          <a:gsLst>
-            <a:gs pos="0">
-              <a:schemeClr val="phClr">
-                <a:tint val="80000"/>
-                <a:satMod val="300000"/>
-              </a:schemeClr>
-            </a:gs>
-            <a:gs pos="100000">
-              <a:schemeClr val="phClr">
-                <a:shade val="30000"/>
-                <a:satMod val="200000"/>
-              </a:schemeClr>
-            </a:gs>
-          </a:gsLst>
-          <a:path path="circle">
-            <a:fillToRect l="50000" t="50000" r="50000" b="50000"/>
-          </a:path>
-        </a:gradFill>
-      </a:bgFillStyleLst>
-    </a:fmtScheme>
-  </a:themeElements>
+  <a:objectDefaults/>
+  <a:extraClrSchemeLst/>
 </a:theme>
 </file>
--- a/Art Design/Hakurei Talisman Factory.pptx
+++ b/Art Design/Hakurei Talisman Factory.pptx
@@ -27,15 +27,15 @@
   <p:notesSz cx="6858000" cy="9144000"/>
   <p:embeddedFontLst>
     <p:embeddedFont>
-      <p:font typeface="Playfair Display"/>
+      <p:font typeface="Poiret One" panose="020B0604020202020204" charset="0"/>
       <p:regular r:id="rId17"/>
-      <p:bold r:id="rId18"/>
-      <p:italic r:id="rId19"/>
-      <p:boldItalic r:id="rId20"/>
     </p:embeddedFont>
     <p:embeddedFont>
-      <p:font typeface="Poiret One" panose="020B0604020202020204" charset="0"/>
-      <p:regular r:id="rId21"/>
+      <p:font typeface="Playfair Display"/>
+      <p:regular r:id="rId18"/>
+      <p:bold r:id="rId19"/>
+      <p:italic r:id="rId20"/>
+      <p:boldItalic r:id="rId21"/>
     </p:embeddedFont>
   </p:embeddedFontLst>
   <p:defaultTextStyle>
@@ -667,11 +667,11 @@
           <a:p>
             <a:r>
               <a:rPr lang="en-US" altLang="zh-CN" dirty="0" smtClean="0"/>
-              <a:t>Yes! I thing so. That’s also what this game focuses</a:t>
+              <a:t>Yes! I think so. That’s also what this game focuses</a:t>
             </a:r>
             <a:r>
               <a:rPr lang="en-US" altLang="zh-CN" baseline="0" dirty="0" smtClean="0"/>
-              <a:t> on. There has many different solutions to convert the handhold devices to be VR devices. For example: Google Cardboard. As a game designer, we are responsible for lowering the cost in the future of the game market that is making everybody be able to enjoy VR with their handhold devices like a smartphone.</a:t>
+              <a:t> on. There have many different solutions to convert the handheld devices to be VR devices. For example, Google Cardboard. As a game designer, we are responsible for lowering the cost in the future of the game market that is making everybody be able to enjoy VR with their handheld devices like a smartphone.</a:t>
             </a:r>
             <a:endParaRPr lang="zh-CN" altLang="en-US" dirty="0"/>
           </a:p>
@@ -780,11 +780,11 @@
               <a:buNone/>
             </a:pPr>
             <a:r>
-              <a:rPr lang="en"/>
+              <a:rPr lang="en" dirty="0"/>
               <a:t>This is a </a:t>
             </a:r>
             <a:r>
-              <a:rPr lang="en">
+              <a:rPr lang="en" dirty="0">
                 <a:solidFill>
                   <a:schemeClr val="dk1"/>
                 </a:solidFill>
@@ -792,7 +792,7 @@
               <a:t>3D sandbox action </a:t>
             </a:r>
             <a:r>
-              <a:rPr lang="en"/>
+              <a:rPr lang="en" dirty="0"/>
               <a:t>game of revolution and uprising. It is also VR compatible. </a:t>
             </a:r>
           </a:p>
@@ -1530,7 +1530,12 @@
             <p:ph type="sldImg"/>
           </p:nvPr>
         </p:nvSpPr>
-        <p:spPr/>
+        <p:spPr>
+          <a:xfrm>
+            <a:off x="381000" y="685800"/>
+            <a:ext cx="6096000" cy="3429000"/>
+          </a:xfrm>
+        </p:spPr>
       </p:sp>
       <p:sp>
         <p:nvSpPr>
@@ -1553,7 +1558,7 @@
             </a:r>
             <a:r>
               <a:rPr lang="en-US" altLang="zh-CN" baseline="0" dirty="0" smtClean="0"/>
-              <a:t> platform that become more and more popular. There are so many different brands that begin to explore VR and here are some brands that everybody has known about them. </a:t>
+              <a:t> platform that becomes more and more popular. There are so many different brands that begin to explore VR and here are some brands that everybody has known about them. </a:t>
             </a:r>
             <a:endParaRPr lang="zh-CN" altLang="en-US" dirty="0"/>
           </a:p>
@@ -1599,7 +1604,12 @@
             <p:ph type="sldImg"/>
           </p:nvPr>
         </p:nvSpPr>
-        <p:spPr/>
+        <p:spPr>
+          <a:xfrm>
+            <a:off x="381000" y="685800"/>
+            <a:ext cx="6096000" cy="3429000"/>
+          </a:xfrm>
+        </p:spPr>
       </p:sp>
       <p:sp>
         <p:nvSpPr>
@@ -1618,7 +1628,7 @@
           <a:p>
             <a:r>
               <a:rPr lang="en-US" altLang="zh-CN" dirty="0" smtClean="0"/>
-              <a:t>Why VR? Because VR give player a very different</a:t>
+              <a:t>Why VR? Because VR give the player very different</a:t>
             </a:r>
             <a:r>
               <a:rPr lang="en-US" altLang="zh-CN" baseline="0" dirty="0" smtClean="0"/>
@@ -4999,7 +5009,7 @@
             </a:pPr>
             <a:r>
               <a:rPr lang="en" sz="6000" b="1" dirty="0">
-                <a:latin typeface="Poiret One"/>
+                <a:latin typeface="+mj-lt"/>
                 <a:ea typeface="Poiret One"/>
                 <a:cs typeface="Poiret One"/>
                 <a:sym typeface="Poiret One"/>
@@ -5016,7 +5026,7 @@
             </a:pPr>
             <a:r>
               <a:rPr lang="en" sz="6000" b="1" dirty="0">
-                <a:latin typeface="Poiret One"/>
+                <a:latin typeface="+mj-lt"/>
                 <a:ea typeface="Poiret One"/>
                 <a:cs typeface="Poiret One"/>
                 <a:sym typeface="Poiret One"/>
@@ -5031,6 +5041,13 @@
   <p:clrMapOvr>
     <a:masterClrMapping/>
   </p:clrMapOvr>
+  <p:timing>
+    <p:tnLst>
+      <p:par>
+        <p:cTn id="1" dur="indefinite" restart="never" nodeType="tmRoot"/>
+      </p:par>
+    </p:tnLst>
+  </p:timing>
 </p:sld>
 </file>
 
@@ -5077,7 +5094,7 @@
                 <a:solidFill>
                   <a:schemeClr val="bg2"/>
                 </a:solidFill>
-                <a:latin typeface="Poiret One" panose="020B0604020202020204" charset="0"/>
+                <a:latin typeface="+mj-lt"/>
                 <a:ea typeface="Playfair Display"/>
                 <a:cs typeface="Playfair Display"/>
                 <a:sym typeface="Playfair Display"/>
@@ -5088,6 +5105,7 @@
               <a:solidFill>
                 <a:schemeClr val="bg2"/>
               </a:solidFill>
+              <a:latin typeface="+mj-lt"/>
             </a:endParaRPr>
           </a:p>
         </p:txBody>
@@ -5132,6 +5150,13 @@
   <p:clrMapOvr>
     <a:masterClrMapping/>
   </p:clrMapOvr>
+  <p:timing>
+    <p:tnLst>
+      <p:par>
+        <p:cTn id="1" dur="indefinite" restart="never" nodeType="tmRoot"/>
+      </p:par>
+    </p:tnLst>
+  </p:timing>
 </p:sld>
 </file>
 
@@ -5208,7 +5233,7 @@
                 <a:solidFill>
                   <a:schemeClr val="bg2"/>
                 </a:solidFill>
-                <a:latin typeface="Poiret One" panose="020B0604020202020204" charset="0"/>
+                <a:latin typeface="+mn-lt"/>
                 <a:ea typeface="Playfair Display"/>
                 <a:cs typeface="Playfair Display"/>
                 <a:sym typeface="Playfair Display"/>
@@ -5220,7 +5245,7 @@
                 <a:solidFill>
                   <a:schemeClr val="bg2"/>
                 </a:solidFill>
-                <a:latin typeface="Poiret One" panose="020B0604020202020204" charset="0"/>
+                <a:latin typeface="+mn-lt"/>
                 <a:ea typeface="Playfair Display"/>
                 <a:cs typeface="Playfair Display"/>
                 <a:sym typeface="Playfair Display"/>
@@ -5231,6 +5256,7 @@
               <a:solidFill>
                 <a:schemeClr val="bg2"/>
               </a:solidFill>
+              <a:latin typeface="+mn-lt"/>
             </a:endParaRPr>
           </a:p>
         </p:txBody>
@@ -5245,6 +5271,13 @@
   <p:clrMapOvr>
     <a:masterClrMapping/>
   </p:clrMapOvr>
+  <p:timing>
+    <p:tnLst>
+      <p:par>
+        <p:cTn id="1" dur="indefinite" restart="never" nodeType="tmRoot"/>
+      </p:par>
+    </p:tnLst>
+  </p:timing>
 </p:sld>
 </file>
 
@@ -5291,7 +5324,7 @@
                 <a:solidFill>
                   <a:schemeClr val="bg2"/>
                 </a:solidFill>
-                <a:latin typeface="Poiret One" panose="020B0604020202020204" charset="0"/>
+                <a:latin typeface="+mj-lt"/>
                 <a:ea typeface="Playfair Display"/>
                 <a:cs typeface="Playfair Display"/>
                 <a:sym typeface="Playfair Display"/>
@@ -5303,7 +5336,7 @@
                 <a:solidFill>
                   <a:schemeClr val="bg2"/>
                 </a:solidFill>
-                <a:latin typeface="Poiret One" panose="020B0604020202020204" charset="0"/>
+                <a:latin typeface="+mj-lt"/>
                 <a:ea typeface="Playfair Display"/>
                 <a:cs typeface="Playfair Display"/>
                 <a:sym typeface="Playfair Display"/>
@@ -5314,6 +5347,7 @@
               <a:solidFill>
                 <a:schemeClr val="bg2"/>
               </a:solidFill>
+              <a:latin typeface="+mj-lt"/>
             </a:endParaRPr>
           </a:p>
         </p:txBody>
@@ -5358,6 +5392,13 @@
   <p:clrMapOvr>
     <a:masterClrMapping/>
   </p:clrMapOvr>
+  <p:timing>
+    <p:tnLst>
+      <p:par>
+        <p:cTn id="1" dur="indefinite" restart="never" nodeType="tmRoot"/>
+      </p:par>
+    </p:tnLst>
+  </p:timing>
 </p:sld>
 </file>
 
@@ -5404,7 +5445,7 @@
                 <a:solidFill>
                   <a:schemeClr val="bg2"/>
                 </a:solidFill>
-                <a:latin typeface="Poiret One" panose="020B0604020202020204" charset="0"/>
+                <a:latin typeface="+mj-lt"/>
                 <a:ea typeface="Playfair Display"/>
                 <a:cs typeface="Playfair Display"/>
                 <a:sym typeface="Playfair Display"/>
@@ -5416,7 +5457,7 @@
                 <a:solidFill>
                   <a:schemeClr val="bg2"/>
                 </a:solidFill>
-                <a:latin typeface="Poiret One" panose="020B0604020202020204" charset="0"/>
+                <a:latin typeface="+mj-lt"/>
                 <a:ea typeface="Playfair Display"/>
                 <a:cs typeface="Playfair Display"/>
                 <a:sym typeface="Playfair Display"/>
@@ -5428,7 +5469,7 @@
                 <a:solidFill>
                   <a:schemeClr val="bg2"/>
                 </a:solidFill>
-                <a:latin typeface="Poiret One" panose="020B0604020202020204" charset="0"/>
+                <a:latin typeface="+mj-lt"/>
                 <a:ea typeface="Playfair Display"/>
                 <a:cs typeface="Playfair Display"/>
                 <a:sym typeface="Playfair Display"/>
@@ -5440,7 +5481,7 @@
                 <a:solidFill>
                   <a:schemeClr val="bg2"/>
                 </a:solidFill>
-                <a:latin typeface="Poiret One" panose="020B0604020202020204" charset="0"/>
+                <a:latin typeface="+mj-lt"/>
                 <a:ea typeface="Playfair Display"/>
                 <a:cs typeface="Playfair Display"/>
                 <a:sym typeface="Playfair Display"/>
@@ -5451,6 +5492,7 @@
               <a:solidFill>
                 <a:schemeClr val="bg2"/>
               </a:solidFill>
+              <a:latin typeface="+mj-lt"/>
             </a:endParaRPr>
           </a:p>
         </p:txBody>
@@ -5495,6 +5537,13 @@
   <p:clrMapOvr>
     <a:masterClrMapping/>
   </p:clrMapOvr>
+  <p:timing>
+    <p:tnLst>
+      <p:par>
+        <p:cTn id="1" dur="indefinite" restart="never" nodeType="tmRoot"/>
+      </p:par>
+    </p:tnLst>
+  </p:timing>
 </p:sld>
 </file>
 
@@ -5541,7 +5590,7 @@
                 <a:solidFill>
                   <a:schemeClr val="bg2"/>
                 </a:solidFill>
-                <a:latin typeface="Poiret One" panose="020B0604020202020204" charset="0"/>
+                <a:latin typeface="+mj-lt"/>
                 <a:ea typeface="Playfair Display"/>
                 <a:cs typeface="Playfair Display"/>
                 <a:sym typeface="Playfair Display"/>
@@ -5553,7 +5602,7 @@
                 <a:solidFill>
                   <a:schemeClr val="bg2"/>
                 </a:solidFill>
-                <a:latin typeface="Poiret One" panose="020B0604020202020204" charset="0"/>
+                <a:latin typeface="+mj-lt"/>
                 <a:ea typeface="Playfair Display"/>
                 <a:cs typeface="Playfair Display"/>
                 <a:sym typeface="Playfair Display"/>
@@ -5564,7 +5613,7 @@
                 <a:solidFill>
                   <a:schemeClr val="bg2"/>
                 </a:solidFill>
-                <a:latin typeface="Poiret One" panose="020B0604020202020204" charset="0"/>
+                <a:latin typeface="+mj-lt"/>
                 <a:ea typeface="Playfair Display"/>
                 <a:cs typeface="Playfair Display"/>
                 <a:sym typeface="Playfair Display"/>
@@ -5575,6 +5624,7 @@
               <a:solidFill>
                 <a:schemeClr val="bg2"/>
               </a:solidFill>
+              <a:latin typeface="+mj-lt"/>
             </a:endParaRPr>
           </a:p>
         </p:txBody>
@@ -5589,6 +5639,13 @@
   <p:clrMapOvr>
     <a:masterClrMapping/>
   </p:clrMapOvr>
+  <p:timing>
+    <p:tnLst>
+      <p:par>
+        <p:cTn id="1" dur="indefinite" restart="never" nodeType="tmRoot"/>
+      </p:par>
+    </p:tnLst>
+  </p:timing>
 </p:sld>
 </file>
 
@@ -5621,8 +5678,8 @@
         </p:nvSpPr>
         <p:spPr>
           <a:xfrm>
-            <a:off x="311700" y="99500"/>
-            <a:ext cx="8520600" cy="1369800"/>
+            <a:off x="311700" y="198120"/>
+            <a:ext cx="8520600" cy="1111160"/>
           </a:xfrm>
           <a:prstGeom prst="rect">
             <a:avLst/>
@@ -5641,8 +5698,11 @@
               <a:buNone/>
             </a:pPr>
             <a:r>
-              <a:rPr lang="en" sz="6000" b="1" dirty="0">
-                <a:latin typeface="Poiret One"/>
+              <a:rPr lang="en" sz="4800" b="1" dirty="0">
+                <a:solidFill>
+                  <a:schemeClr val="bg2"/>
+                </a:solidFill>
+                <a:latin typeface="+mj-lt"/>
                 <a:ea typeface="Poiret One"/>
                 <a:cs typeface="Poiret One"/>
                 <a:sym typeface="Poiret One"/>
@@ -5685,6 +5745,13 @@
   <p:clrMapOvr>
     <a:masterClrMapping/>
   </p:clrMapOvr>
+  <p:timing>
+    <p:tnLst>
+      <p:par>
+        <p:cTn id="1" dur="indefinite" restart="never" nodeType="tmRoot"/>
+      </p:par>
+    </p:tnLst>
+  </p:timing>
 </p:sld>
 </file>
 
@@ -5738,7 +5805,7 @@
             </a:pPr>
             <a:r>
               <a:rPr lang="en" dirty="0" smtClean="0">
-                <a:latin typeface="Poiret One" panose="020B0604020202020204" charset="0"/>
+                <a:latin typeface="+mj-lt"/>
                 <a:ea typeface="Playfair Display"/>
                 <a:cs typeface="Playfair Display"/>
                 <a:sym typeface="Playfair Display"/>
@@ -5746,7 +5813,7 @@
               <a:t>Reimu Hakurei is a greedy capitalist. </a:t>
             </a:r>
             <a:endParaRPr lang="en" dirty="0">
-              <a:latin typeface="Poiret One" panose="020B0604020202020204" charset="0"/>
+              <a:latin typeface="+mj-lt"/>
               <a:ea typeface="Playfair Display"/>
               <a:cs typeface="Playfair Display"/>
               <a:sym typeface="Playfair Display"/>
@@ -5787,6 +5854,13 @@
   <p:clrMapOvr>
     <a:masterClrMapping/>
   </p:clrMapOvr>
+  <p:timing>
+    <p:tnLst>
+      <p:par>
+        <p:cTn id="1" dur="indefinite" restart="never" nodeType="tmRoot"/>
+      </p:par>
+    </p:tnLst>
+  </p:timing>
 </p:sld>
 </file>
 
@@ -5840,7 +5914,7 @@
             </a:pPr>
             <a:r>
               <a:rPr lang="en" dirty="0">
-                <a:latin typeface="Poiret One" panose="020B0604020202020204" charset="0"/>
+                <a:latin typeface="+mj-lt"/>
                 <a:ea typeface="Playfair Display"/>
                 <a:cs typeface="Playfair Display"/>
                 <a:sym typeface="Playfair Display"/>
@@ -5883,6 +5957,13 @@
   <p:clrMapOvr>
     <a:masterClrMapping/>
   </p:clrMapOvr>
+  <p:timing>
+    <p:tnLst>
+      <p:par>
+        <p:cTn id="1" dur="indefinite" restart="never" nodeType="tmRoot"/>
+      </p:par>
+    </p:tnLst>
+  </p:timing>
 </p:sld>
 </file>
 
@@ -5939,7 +6020,7 @@
                 <a:solidFill>
                   <a:srgbClr val="666666"/>
                 </a:solidFill>
-                <a:latin typeface="Poiret One" panose="020B0604020202020204" charset="0"/>
+                <a:latin typeface="+mj-lt"/>
                 <a:ea typeface="Playfair Display"/>
                 <a:cs typeface="Playfair Display"/>
                 <a:sym typeface="Playfair Display"/>
@@ -6069,7 +6150,7 @@
                 <a:solidFill>
                   <a:srgbClr val="666666"/>
                 </a:solidFill>
-                <a:latin typeface="Poiret One" panose="020B0604020202020204" charset="0"/>
+                <a:latin typeface="+mj-lt"/>
                 <a:ea typeface="Playfair Display"/>
                 <a:cs typeface="Playfair Display"/>
                 <a:sym typeface="Playfair Display"/>
@@ -6089,7 +6170,7 @@
                 <a:solidFill>
                   <a:srgbClr val="666666"/>
                 </a:solidFill>
-                <a:latin typeface="Poiret One" panose="020B0604020202020204" charset="0"/>
+                <a:latin typeface="+mj-lt"/>
                 <a:ea typeface="Playfair Display"/>
                 <a:cs typeface="Playfair Display"/>
                 <a:sym typeface="Playfair Display"/>
@@ -6135,7 +6216,7 @@
                 <a:solidFill>
                   <a:srgbClr val="666666"/>
                 </a:solidFill>
-                <a:latin typeface="Poiret One" panose="020B0604020202020204" charset="0"/>
+                <a:latin typeface="+mj-lt"/>
                 <a:ea typeface="Playfair Display"/>
                 <a:cs typeface="Playfair Display"/>
                 <a:sym typeface="Playfair Display"/>
@@ -6155,7 +6236,7 @@
                 <a:solidFill>
                   <a:srgbClr val="666666"/>
                 </a:solidFill>
-                <a:latin typeface="Poiret One" panose="020B0604020202020204" charset="0"/>
+                <a:latin typeface="+mj-lt"/>
                 <a:ea typeface="Playfair Display"/>
                 <a:cs typeface="Playfair Display"/>
                 <a:sym typeface="Playfair Display"/>
@@ -6201,7 +6282,7 @@
                 <a:solidFill>
                   <a:srgbClr val="666666"/>
                 </a:solidFill>
-                <a:latin typeface="Poiret One" panose="020B0604020202020204" charset="0"/>
+                <a:latin typeface="+mj-lt"/>
                 <a:ea typeface="Playfair Display"/>
                 <a:cs typeface="Playfair Display"/>
                 <a:sym typeface="Playfair Display"/>
@@ -6221,7 +6302,7 @@
                 <a:solidFill>
                   <a:srgbClr val="666666"/>
                 </a:solidFill>
-                <a:latin typeface="Poiret One" panose="020B0604020202020204" charset="0"/>
+                <a:latin typeface="+mj-lt"/>
                 <a:ea typeface="Playfair Display"/>
                 <a:cs typeface="Playfair Display"/>
                 <a:sym typeface="Playfair Display"/>
@@ -6236,6 +6317,13 @@
   <p:clrMapOvr>
     <a:masterClrMapping/>
   </p:clrMapOvr>
+  <p:timing>
+    <p:tnLst>
+      <p:par>
+        <p:cTn id="1" dur="indefinite" restart="never" nodeType="tmRoot"/>
+      </p:par>
+    </p:tnLst>
+  </p:timing>
 </p:sld>
 </file>
 
@@ -6289,7 +6377,7 @@
             </a:pPr>
             <a:r>
               <a:rPr lang="en" dirty="0">
-                <a:latin typeface="Poiret One" panose="020B0604020202020204" charset="0"/>
+                <a:latin typeface="+mj-lt"/>
                 <a:ea typeface="Playfair Display"/>
                 <a:cs typeface="Playfair Display"/>
                 <a:sym typeface="Playfair Display"/>
@@ -6332,6 +6420,13 @@
   <p:clrMapOvr>
     <a:masterClrMapping/>
   </p:clrMapOvr>
+  <p:timing>
+    <p:tnLst>
+      <p:par>
+        <p:cTn id="1" dur="indefinite" restart="never" nodeType="tmRoot"/>
+      </p:par>
+    </p:tnLst>
+  </p:timing>
 </p:sld>
 </file>
 
@@ -6385,7 +6480,7 @@
             </a:pPr>
             <a:r>
               <a:rPr lang="en" dirty="0">
-                <a:latin typeface="Poiret One" panose="020B0604020202020204" charset="0"/>
+                <a:latin typeface="+mj-lt"/>
                 <a:ea typeface="Playfair Display"/>
                 <a:cs typeface="Playfair Display"/>
                 <a:sym typeface="Playfair Display"/>
@@ -6428,6 +6523,13 @@
   <p:clrMapOvr>
     <a:masterClrMapping/>
   </p:clrMapOvr>
+  <p:timing>
+    <p:tnLst>
+      <p:par>
+        <p:cTn id="1" dur="indefinite" restart="never" nodeType="tmRoot"/>
+      </p:par>
+    </p:tnLst>
+  </p:timing>
 </p:sld>
 </file>
 
@@ -6594,7 +6696,7 @@
                 <a:solidFill>
                   <a:schemeClr val="bg2"/>
                 </a:solidFill>
-                <a:latin typeface="Poiret One" panose="020B0604020202020204" charset="0"/>
+                <a:latin typeface="+mj-lt"/>
                 <a:ea typeface="Playfair Display"/>
                 <a:cs typeface="Playfair Display"/>
                 <a:sym typeface="Playfair Display"/>
@@ -6606,7 +6708,7 @@
                 <a:solidFill>
                   <a:schemeClr val="bg2"/>
                 </a:solidFill>
-                <a:latin typeface="Poiret One" panose="020B0604020202020204" charset="0"/>
+                <a:latin typeface="+mj-lt"/>
                 <a:ea typeface="Playfair Display"/>
                 <a:cs typeface="Playfair Display"/>
                 <a:sym typeface="Playfair Display"/>
@@ -6617,6 +6719,7 @@
               <a:solidFill>
                 <a:schemeClr val="bg2"/>
               </a:solidFill>
+              <a:latin typeface="+mj-lt"/>
             </a:endParaRPr>
           </a:p>
         </p:txBody>
@@ -6661,6 +6764,13 @@
   <p:clrMapOvr>
     <a:masterClrMapping/>
   </p:clrMapOvr>
+  <p:timing>
+    <p:tnLst>
+      <p:par>
+        <p:cTn id="1" dur="indefinite" restart="never" nodeType="tmRoot"/>
+      </p:par>
+    </p:tnLst>
+  </p:timing>
 </p:sld>
 </file>
 
@@ -6707,7 +6817,7 @@
                 <a:solidFill>
                   <a:schemeClr val="bg2"/>
                 </a:solidFill>
-                <a:latin typeface="Poiret One" panose="020B0604020202020204" charset="0"/>
+                <a:latin typeface="+mj-lt"/>
                 <a:ea typeface="Playfair Display"/>
                 <a:cs typeface="Playfair Display"/>
                 <a:sym typeface="Playfair Display"/>
@@ -6718,6 +6828,7 @@
               <a:solidFill>
                 <a:schemeClr val="bg2"/>
               </a:solidFill>
+              <a:latin typeface="+mj-lt"/>
             </a:endParaRPr>
           </a:p>
         </p:txBody>
@@ -6822,6 +6933,13 @@
   <p:clrMapOvr>
     <a:masterClrMapping/>
   </p:clrMapOvr>
+  <p:timing>
+    <p:tnLst>
+      <p:par>
+        <p:cTn id="1" dur="indefinite" restart="never" nodeType="tmRoot"/>
+      </p:par>
+    </p:tnLst>
+  </p:timing>
 </p:sld>
 </file>
 
